--- a/2010/lectures/12. ASP.NET-AJAX.pptx
+++ b/2010/lectures/12. ASP.NET-AJAX.pptx
@@ -300,14 +300,14 @@
           <a:effectLst/>
           <a:extLst>
             <a:ext uri="{909E8E84-426E-40DD-AFC4-6F175D3DCCD1}">
-              <a14:hiddenFill xmlns="" xmlns:a14="http://schemas.microsoft.com/office/drawing/2010/main">
+              <a14:hiddenFill xmlns:a14="http://schemas.microsoft.com/office/drawing/2010/main">
                 <a:solidFill>
                   <a:schemeClr val="accent1"/>
                 </a:solidFill>
               </a14:hiddenFill>
             </a:ext>
             <a:ext uri="{91240B29-F687-4F45-9708-019B960494DF}">
-              <a14:hiddenLine xmlns="" xmlns:a14="http://schemas.microsoft.com/office/drawing/2010/main" w="9525">
+              <a14:hiddenLine xmlns:a14="http://schemas.microsoft.com/office/drawing/2010/main" w="9525">
                 <a:solidFill>
                   <a:schemeClr val="tx1"/>
                 </a:solidFill>
@@ -317,7 +317,7 @@
               </a14:hiddenLine>
             </a:ext>
             <a:ext uri="{AF507438-7753-43E0-B8FC-AC1667EBCBE1}">
-              <a14:hiddenEffects xmlns="" xmlns:a14="http://schemas.microsoft.com/office/drawing/2010/main">
+              <a14:hiddenEffects xmlns:a14="http://schemas.microsoft.com/office/drawing/2010/main">
                 <a:effectLst>
                   <a:outerShdw dist="35921" dir="2700000" algn="ctr" rotWithShape="0">
                     <a:schemeClr val="bg2"/>
@@ -376,14 +376,14 @@
           <a:effectLst/>
           <a:extLst>
             <a:ext uri="{909E8E84-426E-40DD-AFC4-6F175D3DCCD1}">
-              <a14:hiddenFill xmlns="" xmlns:a14="http://schemas.microsoft.com/office/drawing/2010/main">
+              <a14:hiddenFill xmlns:a14="http://schemas.microsoft.com/office/drawing/2010/main">
                 <a:solidFill>
                   <a:schemeClr val="accent1"/>
                 </a:solidFill>
               </a14:hiddenFill>
             </a:ext>
             <a:ext uri="{91240B29-F687-4F45-9708-019B960494DF}">
-              <a14:hiddenLine xmlns="" xmlns:a14="http://schemas.microsoft.com/office/drawing/2010/main" w="9525">
+              <a14:hiddenLine xmlns:a14="http://schemas.microsoft.com/office/drawing/2010/main" w="9525">
                 <a:solidFill>
                   <a:schemeClr val="tx1"/>
                 </a:solidFill>
@@ -393,7 +393,7 @@
               </a14:hiddenLine>
             </a:ext>
             <a:ext uri="{AF507438-7753-43E0-B8FC-AC1667EBCBE1}">
-              <a14:hiddenEffects xmlns="" xmlns:a14="http://schemas.microsoft.com/office/drawing/2010/main">
+              <a14:hiddenEffects xmlns:a14="http://schemas.microsoft.com/office/drawing/2010/main">
                 <a:effectLst>
                   <a:outerShdw dist="35921" dir="2700000" algn="ctr" rotWithShape="0">
                     <a:schemeClr val="bg2"/>
@@ -426,7 +426,7 @@
             <a:fld id="{3834C0C5-3A2C-4908-BFAA-28067658D7AC}" type="datetime1">
               <a:rPr lang="en-US"/>
               <a:pPr/>
-              <a:t>12.08.2010</a:t>
+              <a:t>10/12/2010</a:t>
             </a:fld>
             <a:endParaRPr lang="bg-BG"/>
           </a:p>
@@ -457,14 +457,14 @@
           <a:effectLst/>
           <a:extLst>
             <a:ext uri="{909E8E84-426E-40DD-AFC4-6F175D3DCCD1}">
-              <a14:hiddenFill xmlns="" xmlns:a14="http://schemas.microsoft.com/office/drawing/2010/main">
+              <a14:hiddenFill xmlns:a14="http://schemas.microsoft.com/office/drawing/2010/main">
                 <a:solidFill>
                   <a:schemeClr val="accent1"/>
                 </a:solidFill>
               </a14:hiddenFill>
             </a:ext>
             <a:ext uri="{91240B29-F687-4F45-9708-019B960494DF}">
-              <a14:hiddenLine xmlns="" xmlns:a14="http://schemas.microsoft.com/office/drawing/2010/main" w="9525">
+              <a14:hiddenLine xmlns:a14="http://schemas.microsoft.com/office/drawing/2010/main" w="9525">
                 <a:solidFill>
                   <a:schemeClr val="tx1"/>
                 </a:solidFill>
@@ -474,7 +474,7 @@
               </a14:hiddenLine>
             </a:ext>
             <a:ext uri="{AF507438-7753-43E0-B8FC-AC1667EBCBE1}">
-              <a14:hiddenEffects xmlns="" xmlns:a14="http://schemas.microsoft.com/office/drawing/2010/main">
+              <a14:hiddenEffects xmlns:a14="http://schemas.microsoft.com/office/drawing/2010/main">
                 <a:effectLst>
                   <a:outerShdw dist="35921" dir="2700000" algn="ctr" rotWithShape="0">
                     <a:schemeClr val="bg2"/>
@@ -536,14 +536,14 @@
           <a:effectLst/>
           <a:extLst>
             <a:ext uri="{909E8E84-426E-40DD-AFC4-6F175D3DCCD1}">
-              <a14:hiddenFill xmlns="" xmlns:a14="http://schemas.microsoft.com/office/drawing/2010/main">
+              <a14:hiddenFill xmlns:a14="http://schemas.microsoft.com/office/drawing/2010/main">
                 <a:solidFill>
                   <a:schemeClr val="accent1"/>
                 </a:solidFill>
               </a14:hiddenFill>
             </a:ext>
             <a:ext uri="{91240B29-F687-4F45-9708-019B960494DF}">
-              <a14:hiddenLine xmlns="" xmlns:a14="http://schemas.microsoft.com/office/drawing/2010/main" w="9525">
+              <a14:hiddenLine xmlns:a14="http://schemas.microsoft.com/office/drawing/2010/main" w="9525">
                 <a:solidFill>
                   <a:schemeClr val="tx1"/>
                 </a:solidFill>
@@ -553,7 +553,7 @@
               </a14:hiddenLine>
             </a:ext>
             <a:ext uri="{AF507438-7753-43E0-B8FC-AC1667EBCBE1}">
-              <a14:hiddenEffects xmlns="" xmlns:a14="http://schemas.microsoft.com/office/drawing/2010/main">
+              <a14:hiddenEffects xmlns:a14="http://schemas.microsoft.com/office/drawing/2010/main">
                 <a:effectLst>
                   <a:outerShdw dist="35921" dir="2700000" algn="ctr" rotWithShape="0">
                     <a:schemeClr val="bg2"/>
@@ -595,7 +595,7 @@
     </p:spTree>
     <p:extLst>
       <p:ext uri="{BB962C8B-B14F-4D97-AF65-F5344CB8AC3E}">
-        <p14:creationId xmlns="" xmlns:p14="http://schemas.microsoft.com/office/powerpoint/2010/main" val="1143314063"/>
+        <p14:creationId xmlns:p14="http://schemas.microsoft.com/office/powerpoint/2010/main" val="1143314063"/>
       </p:ext>
     </p:extLst>
   </p:cSld>
@@ -653,14 +653,14 @@
           <a:effectLst/>
           <a:extLst>
             <a:ext uri="{909E8E84-426E-40DD-AFC4-6F175D3DCCD1}">
-              <a14:hiddenFill xmlns="" xmlns:a14="http://schemas.microsoft.com/office/drawing/2010/main">
+              <a14:hiddenFill xmlns:a14="http://schemas.microsoft.com/office/drawing/2010/main">
                 <a:solidFill>
                   <a:schemeClr val="accent1"/>
                 </a:solidFill>
               </a14:hiddenFill>
             </a:ext>
             <a:ext uri="{91240B29-F687-4F45-9708-019B960494DF}">
-              <a14:hiddenLine xmlns="" xmlns:a14="http://schemas.microsoft.com/office/drawing/2010/main" w="9525">
+              <a14:hiddenLine xmlns:a14="http://schemas.microsoft.com/office/drawing/2010/main" w="9525">
                 <a:solidFill>
                   <a:schemeClr val="tx1"/>
                 </a:solidFill>
@@ -670,7 +670,7 @@
               </a14:hiddenLine>
             </a:ext>
             <a:ext uri="{AF507438-7753-43E0-B8FC-AC1667EBCBE1}">
-              <a14:hiddenEffects xmlns="" xmlns:a14="http://schemas.microsoft.com/office/drawing/2010/main">
+              <a14:hiddenEffects xmlns:a14="http://schemas.microsoft.com/office/drawing/2010/main">
                 <a:effectLst>
                   <a:outerShdw dist="35921" dir="2700000" algn="ctr" rotWithShape="0">
                     <a:srgbClr val="808080"/>
@@ -733,14 +733,14 @@
           <a:effectLst/>
           <a:extLst>
             <a:ext uri="{909E8E84-426E-40DD-AFC4-6F175D3DCCD1}">
-              <a14:hiddenFill xmlns="" xmlns:a14="http://schemas.microsoft.com/office/drawing/2010/main">
+              <a14:hiddenFill xmlns:a14="http://schemas.microsoft.com/office/drawing/2010/main">
                 <a:solidFill>
                   <a:schemeClr val="accent1"/>
                 </a:solidFill>
               </a14:hiddenFill>
             </a:ext>
             <a:ext uri="{91240B29-F687-4F45-9708-019B960494DF}">
-              <a14:hiddenLine xmlns="" xmlns:a14="http://schemas.microsoft.com/office/drawing/2010/main" w="9525">
+              <a14:hiddenLine xmlns:a14="http://schemas.microsoft.com/office/drawing/2010/main" w="9525">
                 <a:solidFill>
                   <a:schemeClr val="tx1"/>
                 </a:solidFill>
@@ -750,7 +750,7 @@
               </a14:hiddenLine>
             </a:ext>
             <a:ext uri="{AF507438-7753-43E0-B8FC-AC1667EBCBE1}">
-              <a14:hiddenEffects xmlns="" xmlns:a14="http://schemas.microsoft.com/office/drawing/2010/main">
+              <a14:hiddenEffects xmlns:a14="http://schemas.microsoft.com/office/drawing/2010/main">
                 <a:effectLst>
                   <a:outerShdw dist="35921" dir="2700000" algn="ctr" rotWithShape="0">
                     <a:srgbClr val="808080"/>
@@ -783,7 +783,7 @@
             <a:fld id="{51491A16-738F-4799-8716-258CFD03D432}" type="datetime1">
               <a:rPr lang="en-US"/>
               <a:pPr/>
-              <a:t>12.08.2010</a:t>
+              <a:t>10/12/2010</a:t>
             </a:fld>
             <a:r>
               <a:rPr lang="en-US"/>
@@ -823,7 +823,7 @@
           <a:effectLst/>
           <a:extLst>
             <a:ext uri="{AF507438-7753-43E0-B8FC-AC1667EBCBE1}">
-              <a14:hiddenEffects xmlns="" xmlns:a14="http://schemas.microsoft.com/office/drawing/2010/main">
+              <a14:hiddenEffects xmlns:a14="http://schemas.microsoft.com/office/drawing/2010/main">
                 <a:effectLst>
                   <a:outerShdw dist="35921" dir="2700000" algn="ctr" rotWithShape="0">
                     <a:srgbClr val="808080"/>
@@ -859,14 +859,14 @@
           <a:effectLst/>
           <a:extLst>
             <a:ext uri="{909E8E84-426E-40DD-AFC4-6F175D3DCCD1}">
-              <a14:hiddenFill xmlns="" xmlns:a14="http://schemas.microsoft.com/office/drawing/2010/main">
+              <a14:hiddenFill xmlns:a14="http://schemas.microsoft.com/office/drawing/2010/main">
                 <a:solidFill>
                   <a:schemeClr val="accent1"/>
                 </a:solidFill>
               </a14:hiddenFill>
             </a:ext>
             <a:ext uri="{91240B29-F687-4F45-9708-019B960494DF}">
-              <a14:hiddenLine xmlns="" xmlns:a14="http://schemas.microsoft.com/office/drawing/2010/main" w="9525">
+              <a14:hiddenLine xmlns:a14="http://schemas.microsoft.com/office/drawing/2010/main" w="9525">
                 <a:solidFill>
                   <a:schemeClr val="tx1"/>
                 </a:solidFill>
@@ -876,7 +876,7 @@
               </a14:hiddenLine>
             </a:ext>
             <a:ext uri="{AF507438-7753-43E0-B8FC-AC1667EBCBE1}">
-              <a14:hiddenEffects xmlns="" xmlns:a14="http://schemas.microsoft.com/office/drawing/2010/main">
+              <a14:hiddenEffects xmlns:a14="http://schemas.microsoft.com/office/drawing/2010/main">
                 <a:effectLst>
                   <a:outerShdw dist="35921" dir="2700000" algn="ctr" rotWithShape="0">
                     <a:srgbClr val="808080"/>
@@ -955,14 +955,14 @@
           <a:effectLst/>
           <a:extLst>
             <a:ext uri="{909E8E84-426E-40DD-AFC4-6F175D3DCCD1}">
-              <a14:hiddenFill xmlns="" xmlns:a14="http://schemas.microsoft.com/office/drawing/2010/main">
+              <a14:hiddenFill xmlns:a14="http://schemas.microsoft.com/office/drawing/2010/main">
                 <a:solidFill>
                   <a:schemeClr val="accent1"/>
                 </a:solidFill>
               </a14:hiddenFill>
             </a:ext>
             <a:ext uri="{91240B29-F687-4F45-9708-019B960494DF}">
-              <a14:hiddenLine xmlns="" xmlns:a14="http://schemas.microsoft.com/office/drawing/2010/main" w="9525">
+              <a14:hiddenLine xmlns:a14="http://schemas.microsoft.com/office/drawing/2010/main" w="9525">
                 <a:solidFill>
                   <a:schemeClr val="tx1"/>
                 </a:solidFill>
@@ -972,7 +972,7 @@
               </a14:hiddenLine>
             </a:ext>
             <a:ext uri="{AF507438-7753-43E0-B8FC-AC1667EBCBE1}">
-              <a14:hiddenEffects xmlns="" xmlns:a14="http://schemas.microsoft.com/office/drawing/2010/main">
+              <a14:hiddenEffects xmlns:a14="http://schemas.microsoft.com/office/drawing/2010/main">
                 <a:effectLst>
                   <a:outerShdw dist="35921" dir="2700000" algn="ctr" rotWithShape="0">
                     <a:srgbClr val="808080"/>
@@ -1035,14 +1035,14 @@
           <a:effectLst/>
           <a:extLst>
             <a:ext uri="{909E8E84-426E-40DD-AFC4-6F175D3DCCD1}">
-              <a14:hiddenFill xmlns="" xmlns:a14="http://schemas.microsoft.com/office/drawing/2010/main">
+              <a14:hiddenFill xmlns:a14="http://schemas.microsoft.com/office/drawing/2010/main">
                 <a:solidFill>
                   <a:schemeClr val="accent1"/>
                 </a:solidFill>
               </a14:hiddenFill>
             </a:ext>
             <a:ext uri="{91240B29-F687-4F45-9708-019B960494DF}">
-              <a14:hiddenLine xmlns="" xmlns:a14="http://schemas.microsoft.com/office/drawing/2010/main" w="9525">
+              <a14:hiddenLine xmlns:a14="http://schemas.microsoft.com/office/drawing/2010/main" w="9525">
                 <a:solidFill>
                   <a:schemeClr val="tx1"/>
                 </a:solidFill>
@@ -1052,7 +1052,7 @@
               </a14:hiddenLine>
             </a:ext>
             <a:ext uri="{AF507438-7753-43E0-B8FC-AC1667EBCBE1}">
-              <a14:hiddenEffects xmlns="" xmlns:a14="http://schemas.microsoft.com/office/drawing/2010/main">
+              <a14:hiddenEffects xmlns:a14="http://schemas.microsoft.com/office/drawing/2010/main">
                 <a:effectLst>
                   <a:outerShdw dist="35921" dir="2700000" algn="ctr" rotWithShape="0">
                     <a:srgbClr val="808080"/>
@@ -1098,7 +1098,7 @@
     </p:spTree>
     <p:extLst>
       <p:ext uri="{BB962C8B-B14F-4D97-AF65-F5344CB8AC3E}">
-        <p14:creationId xmlns="" xmlns:p14="http://schemas.microsoft.com/office/powerpoint/2010/main" val="1007089948"/>
+        <p14:creationId xmlns:p14="http://schemas.microsoft.com/office/powerpoint/2010/main" val="1007089948"/>
       </p:ext>
     </p:extLst>
   </p:cSld>
@@ -2347,7 +2347,7 @@
                   <a:spcPct val="100000"/>
                 </a:lnSpc>
               </a:pPr>
-              <a:t>12.08.2010 12:12</a:t>
+              <a:t>10/12/2010 11:49</a:t>
             </a:fld>
             <a:endParaRPr lang="en-US" sz="1900" b="0" dirty="0">
               <a:solidFill>
@@ -2906,7 +2906,7 @@
                   <a:spcPct val="100000"/>
                 </a:lnSpc>
               </a:pPr>
-              <a:t>12.08.2010 12:12</a:t>
+              <a:t>10/12/2010 11:49</a:t>
             </a:fld>
             <a:endParaRPr lang="en-US" sz="1900" b="0" dirty="0">
               <a:solidFill>
@@ -3493,7 +3493,7 @@
           <a:effectLst/>
           <a:extLst>
             <a:ext uri="{AF507438-7753-43E0-B8FC-AC1667EBCBE1}">
-              <a14:hiddenEffects xmlns="" xmlns:a14="http://schemas.microsoft.com/office/drawing/2010/main">
+              <a14:hiddenEffects xmlns:a14="http://schemas.microsoft.com/office/drawing/2010/main">
                 <a:effectLst>
                   <a:outerShdw dist="35921" dir="2700000" algn="ctr" rotWithShape="0">
                     <a:srgbClr val="003366"/>
@@ -3545,14 +3545,14 @@
           <a:effectLst/>
           <a:extLst>
             <a:ext uri="{909E8E84-426E-40DD-AFC4-6F175D3DCCD1}">
-              <a14:hiddenFill xmlns="" xmlns:a14="http://schemas.microsoft.com/office/drawing/2010/main">
+              <a14:hiddenFill xmlns:a14="http://schemas.microsoft.com/office/drawing/2010/main">
                 <a:solidFill>
                   <a:schemeClr val="accent1"/>
                 </a:solidFill>
               </a14:hiddenFill>
             </a:ext>
             <a:ext uri="{AF507438-7753-43E0-B8FC-AC1667EBCBE1}">
-              <a14:hiddenEffects xmlns="" xmlns:a14="http://schemas.microsoft.com/office/drawing/2010/main">
+              <a14:hiddenEffects xmlns:a14="http://schemas.microsoft.com/office/drawing/2010/main">
                 <a:effectLst>
                   <a:outerShdw dist="35921" dir="2700000" algn="ctr" rotWithShape="0">
                     <a:schemeClr val="bg2"/>
@@ -3694,7 +3694,7 @@
     </p:spTree>
     <p:extLst>
       <p:ext uri="{BB962C8B-B14F-4D97-AF65-F5344CB8AC3E}">
-        <p14:creationId xmlns="" xmlns:p14="http://schemas.microsoft.com/office/powerpoint/2010/main" val="4104601323"/>
+        <p14:creationId xmlns:p14="http://schemas.microsoft.com/office/powerpoint/2010/main" val="4104601323"/>
       </p:ext>
     </p:extLst>
   </p:cSld>
@@ -3810,7 +3810,7 @@
     </p:spTree>
     <p:extLst>
       <p:ext uri="{BB962C8B-B14F-4D97-AF65-F5344CB8AC3E}">
-        <p14:creationId xmlns="" xmlns:p14="http://schemas.microsoft.com/office/powerpoint/2010/main" val="1612387163"/>
+        <p14:creationId xmlns:p14="http://schemas.microsoft.com/office/powerpoint/2010/main" val="1612387163"/>
       </p:ext>
     </p:extLst>
   </p:cSld>
@@ -5422,7 +5422,7 @@
     </p:spTree>
     <p:extLst>
       <p:ext uri="{BB962C8B-B14F-4D97-AF65-F5344CB8AC3E}">
-        <p14:creationId xmlns="" xmlns:p14="http://schemas.microsoft.com/office/powerpoint/2010/main" val="3948185249"/>
+        <p14:creationId xmlns:p14="http://schemas.microsoft.com/office/powerpoint/2010/main" val="3948185249"/>
       </p:ext>
     </p:extLst>
   </p:cSld>
@@ -5550,7 +5550,7 @@
     </p:spTree>
     <p:extLst>
       <p:ext uri="{BB962C8B-B14F-4D97-AF65-F5344CB8AC3E}">
-        <p14:creationId xmlns="" xmlns:p14="http://schemas.microsoft.com/office/powerpoint/2010/main" val="251651742"/>
+        <p14:creationId xmlns:p14="http://schemas.microsoft.com/office/powerpoint/2010/main" val="251651742"/>
       </p:ext>
     </p:extLst>
   </p:cSld>
@@ -5774,7 +5774,7 @@
     </p:spTree>
     <p:extLst>
       <p:ext uri="{BB962C8B-B14F-4D97-AF65-F5344CB8AC3E}">
-        <p14:creationId xmlns="" xmlns:p14="http://schemas.microsoft.com/office/powerpoint/2010/main" val="3248406379"/>
+        <p14:creationId xmlns:p14="http://schemas.microsoft.com/office/powerpoint/2010/main" val="3248406379"/>
       </p:ext>
     </p:extLst>
   </p:cSld>
@@ -6137,7 +6137,7 @@
     </p:spTree>
     <p:extLst>
       <p:ext uri="{BB962C8B-B14F-4D97-AF65-F5344CB8AC3E}">
-        <p14:creationId xmlns="" xmlns:p14="http://schemas.microsoft.com/office/powerpoint/2010/main" val="3326785505"/>
+        <p14:creationId xmlns:p14="http://schemas.microsoft.com/office/powerpoint/2010/main" val="3326785505"/>
       </p:ext>
     </p:extLst>
   </p:cSld>
@@ -6191,7 +6191,7 @@
     </p:spTree>
     <p:extLst>
       <p:ext uri="{BB962C8B-B14F-4D97-AF65-F5344CB8AC3E}">
-        <p14:creationId xmlns="" xmlns:p14="http://schemas.microsoft.com/office/powerpoint/2010/main" val="2924995704"/>
+        <p14:creationId xmlns:p14="http://schemas.microsoft.com/office/powerpoint/2010/main" val="2924995704"/>
       </p:ext>
     </p:extLst>
   </p:cSld>
@@ -6222,7 +6222,7 @@
     </p:spTree>
     <p:extLst>
       <p:ext uri="{BB962C8B-B14F-4D97-AF65-F5344CB8AC3E}">
-        <p14:creationId xmlns="" xmlns:p14="http://schemas.microsoft.com/office/powerpoint/2010/main" val="3601074800"/>
+        <p14:creationId xmlns:p14="http://schemas.microsoft.com/office/powerpoint/2010/main" val="3601074800"/>
       </p:ext>
     </p:extLst>
   </p:cSld>
@@ -6435,7 +6435,7 @@
     </p:spTree>
     <p:extLst>
       <p:ext uri="{BB962C8B-B14F-4D97-AF65-F5344CB8AC3E}">
-        <p14:creationId xmlns="" xmlns:p14="http://schemas.microsoft.com/office/powerpoint/2010/main" val="1885424843"/>
+        <p14:creationId xmlns:p14="http://schemas.microsoft.com/office/powerpoint/2010/main" val="1885424843"/>
       </p:ext>
     </p:extLst>
   </p:cSld>
@@ -6624,7 +6624,7 @@
     </p:spTree>
     <p:extLst>
       <p:ext uri="{BB962C8B-B14F-4D97-AF65-F5344CB8AC3E}">
-        <p14:creationId xmlns="" xmlns:p14="http://schemas.microsoft.com/office/powerpoint/2010/main" val="438400858"/>
+        <p14:creationId xmlns:p14="http://schemas.microsoft.com/office/powerpoint/2010/main" val="438400858"/>
       </p:ext>
     </p:extLst>
   </p:cSld>
@@ -6693,14 +6693,14 @@
           </a:effectLst>
           <a:extLst>
             <a:ext uri="{909E8E84-426E-40DD-AFC4-6F175D3DCCD1}">
-              <a14:hiddenFill xmlns="" xmlns:a14="http://schemas.microsoft.com/office/drawing/2010/main">
+              <a14:hiddenFill xmlns:a14="http://schemas.microsoft.com/office/drawing/2010/main">
                 <a:solidFill>
                   <a:schemeClr val="accent1"/>
                 </a:solidFill>
               </a14:hiddenFill>
             </a:ext>
             <a:ext uri="{91240B29-F687-4F45-9708-019B960494DF}">
-              <a14:hiddenLine xmlns="" xmlns:a14="http://schemas.microsoft.com/office/drawing/2010/main" w="9525">
+              <a14:hiddenLine xmlns:a14="http://schemas.microsoft.com/office/drawing/2010/main" w="9525">
                 <a:solidFill>
                   <a:schemeClr val="tx1"/>
                 </a:solidFill>
@@ -6785,7 +6785,7 @@
           </a:effectLst>
           <a:extLst>
             <a:ext uri="{909E8E84-426E-40DD-AFC4-6F175D3DCCD1}">
-              <a14:hiddenFill xmlns="" xmlns:a14="http://schemas.microsoft.com/office/drawing/2010/main">
+              <a14:hiddenFill xmlns:a14="http://schemas.microsoft.com/office/drawing/2010/main">
                 <a:solidFill>
                   <a:srgbClr val="FFFFFF">
                     <a:alpha val="30000"/>
@@ -6794,7 +6794,7 @@
               </a14:hiddenFill>
             </a:ext>
             <a:ext uri="{91240B29-F687-4F45-9708-019B960494DF}">
-              <a14:hiddenLine xmlns="" xmlns:a14="http://schemas.microsoft.com/office/drawing/2010/main" w="9525">
+              <a14:hiddenLine xmlns:a14="http://schemas.microsoft.com/office/drawing/2010/main" w="9525">
                 <a:solidFill>
                   <a:schemeClr val="tx1"/>
                 </a:solidFill>
@@ -8963,7 +8963,7 @@
           <a:blip r:embed="rId6" cstate="print">
             <a:extLst>
               <a:ext uri="{28A0092B-C50C-407E-A947-70E740481C1C}">
-                <a14:useLocalDpi xmlns="" xmlns:a14="http://schemas.microsoft.com/office/drawing/2010/main" val="0"/>
+                <a14:useLocalDpi xmlns:a14="http://schemas.microsoft.com/office/drawing/2010/main" val="0"/>
               </a:ext>
             </a:extLst>
           </a:blip>
@@ -8985,7 +8985,7 @@
           <a:noFill/>
           <a:extLst>
             <a:ext uri="{909E8E84-426E-40DD-AFC4-6F175D3DCCD1}">
-              <a14:hiddenFill xmlns="" xmlns:a14="http://schemas.microsoft.com/office/drawing/2010/main">
+              <a14:hiddenFill xmlns:a14="http://schemas.microsoft.com/office/drawing/2010/main">
                 <a:solidFill>
                   <a:srgbClr val="FFFFFF"/>
                 </a:solidFill>
@@ -9016,7 +9016,7 @@
             </a:clrChange>
             <a:extLst>
               <a:ext uri="{28A0092B-C50C-407E-A947-70E740481C1C}">
-                <a14:useLocalDpi xmlns="" xmlns:a14="http://schemas.microsoft.com/office/drawing/2010/main" val="0"/>
+                <a14:useLocalDpi xmlns:a14="http://schemas.microsoft.com/office/drawing/2010/main" val="0"/>
               </a:ext>
             </a:extLst>
           </a:blip>
@@ -9043,7 +9043,7 @@
           </a:effectLst>
           <a:extLst>
             <a:ext uri="{909E8E84-426E-40DD-AFC4-6F175D3DCCD1}">
-              <a14:hiddenFill xmlns="" xmlns:a14="http://schemas.microsoft.com/office/drawing/2010/main">
+              <a14:hiddenFill xmlns:a14="http://schemas.microsoft.com/office/drawing/2010/main">
                 <a:solidFill>
                   <a:srgbClr val="FFFFFF"/>
                 </a:solidFill>
@@ -9155,7 +9155,15 @@
             </a:r>
             <a:r>
               <a:rPr lang="en-US" dirty="0"/>
-              <a:t>build rich experiences with ASP.NET</a:t>
+              <a:t>build rich </a:t>
+            </a:r>
+            <a:r>
+              <a:rPr lang="en-US" dirty="0" smtClean="0"/>
+              <a:t>experience </a:t>
+            </a:r>
+            <a:r>
+              <a:rPr lang="en-US" dirty="0"/>
+              <a:t>with ASP.NET</a:t>
             </a:r>
           </a:p>
           <a:p>
@@ -10080,32 +10088,6 @@
       </p:sp>
       <p:pic>
         <p:nvPicPr>
-          <p:cNvPr id="14340" name="Picture 4" descr="http://images.dnzone.com/downloads/IdImages/150/ASP.net_final_200.png"/>
-          <p:cNvPicPr>
-            <a:picLocks noChangeAspect="1" noChangeArrowheads="1"/>
-          </p:cNvPicPr>
-          <p:nvPr/>
-        </p:nvPicPr>
-        <p:blipFill>
-          <a:blip r:embed="rId3" cstate="print"/>
-          <a:srcRect t="20000" b="30000"/>
-          <a:stretch>
-            <a:fillRect/>
-          </a:stretch>
-        </p:blipFill>
-        <p:spPr bwMode="auto">
-          <a:xfrm>
-            <a:off x="5143504" y="5786454"/>
-            <a:ext cx="1428750" cy="714380"/>
-          </a:xfrm>
-          <a:prstGeom prst="rect">
-            <a:avLst/>
-          </a:prstGeom>
-          <a:noFill/>
-        </p:spPr>
-      </p:pic>
-      <p:pic>
-        <p:nvPicPr>
           <p:cNvPr id="14346" name="Picture 10" descr="http://farm4.static.flickr.com/3408/3271626596_74b0ce710a.jpg"/>
           <p:cNvPicPr>
             <a:picLocks noChangeAspect="1" noChangeArrowheads="1"/>
@@ -10113,11 +10095,11 @@
           <p:nvPr/>
         </p:nvPicPr>
         <p:blipFill>
-          <a:blip r:embed="rId4" cstate="print">
+          <a:blip r:embed="rId3" cstate="print">
             <a:extLst>
               <a:ext uri="{BEBA8EAE-BF5A-486C-A8C5-ECC9F3942E4B}">
-                <a14:imgProps xmlns="" xmlns:a14="http://schemas.microsoft.com/office/drawing/2010/main">
-                  <a14:imgLayer r:embed="rId5">
+                <a14:imgProps xmlns:a14="http://schemas.microsoft.com/office/drawing/2010/main">
+                  <a14:imgLayer r:embed="rId4">
                     <a14:imgEffect>
                       <a14:brightnessContrast bright="20000" contrast="-20000"/>
                     </a14:imgEffect>
@@ -10160,10 +10142,10 @@
           <p:nvPr/>
         </p:nvPicPr>
         <p:blipFill>
-          <a:blip r:embed="rId6" cstate="print">
+          <a:blip r:embed="rId5" cstate="print">
             <a:extLst>
               <a:ext uri="{28A0092B-C50C-407E-A947-70E740481C1C}">
-                <a14:useLocalDpi xmlns="" xmlns:a14="http://schemas.microsoft.com/office/drawing/2010/main" val="0"/>
+                <a14:useLocalDpi xmlns:a14="http://schemas.microsoft.com/office/drawing/2010/main" val="0"/>
               </a:ext>
             </a:extLst>
           </a:blip>
@@ -10192,7 +10174,7 @@
           </a:scene3d>
           <a:extLst>
             <a:ext uri="{909E8E84-426E-40DD-AFC4-6F175D3DCCD1}">
-              <a14:hiddenFill xmlns="" xmlns:a14="http://schemas.microsoft.com/office/drawing/2010/main">
+              <a14:hiddenFill xmlns:a14="http://schemas.microsoft.com/office/drawing/2010/main">
                 <a:solidFill>
                   <a:srgbClr val="FFFFFF"/>
                 </a:solidFill>
@@ -10210,10 +10192,10 @@
           <p:nvPr/>
         </p:nvPicPr>
         <p:blipFill>
-          <a:blip r:embed="rId7" cstate="print">
+          <a:blip r:embed="rId6" cstate="print">
             <a:extLst>
               <a:ext uri="{28A0092B-C50C-407E-A947-70E740481C1C}">
-                <a14:useLocalDpi xmlns="" xmlns:a14="http://schemas.microsoft.com/office/drawing/2010/main" val="0"/>
+                <a14:useLocalDpi xmlns:a14="http://schemas.microsoft.com/office/drawing/2010/main" val="0"/>
               </a:ext>
             </a:extLst>
           </a:blip>
@@ -10254,13 +10236,39 @@
           </a:sp3d>
           <a:extLst>
             <a:ext uri="{909E8E84-426E-40DD-AFC4-6F175D3DCCD1}">
-              <a14:hiddenFill xmlns="" xmlns:a14="http://schemas.microsoft.com/office/drawing/2010/main">
+              <a14:hiddenFill xmlns:a14="http://schemas.microsoft.com/office/drawing/2010/main">
                 <a:solidFill>
                   <a:srgbClr val="FFFFFF"/>
                 </a:solidFill>
               </a14:hiddenFill>
             </a:ext>
           </a:extLst>
+        </p:spPr>
+      </p:pic>
+      <p:pic>
+        <p:nvPicPr>
+          <p:cNvPr id="14340" name="Picture 4" descr="http://images.dnzone.com/downloads/IdImages/150/ASP.net_final_200.png"/>
+          <p:cNvPicPr>
+            <a:picLocks noChangeAspect="1" noChangeArrowheads="1"/>
+          </p:cNvPicPr>
+          <p:nvPr/>
+        </p:nvPicPr>
+        <p:blipFill>
+          <a:blip r:embed="rId7" cstate="print"/>
+          <a:srcRect t="20000" b="30000"/>
+          <a:stretch>
+            <a:fillRect/>
+          </a:stretch>
+        </p:blipFill>
+        <p:spPr bwMode="auto">
+          <a:xfrm>
+            <a:off x="6887666" y="5594940"/>
+            <a:ext cx="1428750" cy="714380"/>
+          </a:xfrm>
+          <a:prstGeom prst="rect">
+            <a:avLst/>
+          </a:prstGeom>
+          <a:noFill/>
         </p:spPr>
       </p:pic>
     </p:spTree>
@@ -10581,7 +10589,7 @@
     </p:spTree>
     <p:extLst>
       <p:ext uri="{BB962C8B-B14F-4D97-AF65-F5344CB8AC3E}">
-        <p14:creationId xmlns="" xmlns:p14="http://schemas.microsoft.com/office/powerpoint/2010/main" val="2359548373"/>
+        <p14:creationId xmlns:p14="http://schemas.microsoft.com/office/powerpoint/2010/main" val="2359548373"/>
       </p:ext>
     </p:extLst>
   </p:cSld>
@@ -11460,7 +11468,7 @@
           <a:blip r:embed="rId2" cstate="print">
             <a:extLst>
               <a:ext uri="{BEBA8EAE-BF5A-486C-A8C5-ECC9F3942E4B}">
-                <a14:imgProps xmlns="" xmlns:a14="http://schemas.microsoft.com/office/drawing/2010/main">
+                <a14:imgProps xmlns:a14="http://schemas.microsoft.com/office/drawing/2010/main">
                   <a14:imgLayer r:embed="rId3">
                     <a14:imgEffect>
                       <a14:backgroundRemoval t="0" b="100000" l="0" r="100000"/>
@@ -11469,7 +11477,7 @@
                 </a14:imgProps>
               </a:ext>
               <a:ext uri="{28A0092B-C50C-407E-A947-70E740481C1C}">
-                <a14:useLocalDpi xmlns="" xmlns:a14="http://schemas.microsoft.com/office/drawing/2010/main" val="0"/>
+                <a14:useLocalDpi xmlns:a14="http://schemas.microsoft.com/office/drawing/2010/main" val="0"/>
               </a:ext>
             </a:extLst>
           </a:blip>
@@ -11498,14 +11506,14 @@
           </a:effectLst>
           <a:extLst>
             <a:ext uri="{909E8E84-426E-40DD-AFC4-6F175D3DCCD1}">
-              <a14:hiddenFill xmlns="" xmlns:a14="http://schemas.microsoft.com/office/drawing/2010/main">
+              <a14:hiddenFill xmlns:a14="http://schemas.microsoft.com/office/drawing/2010/main">
                 <a:solidFill>
                   <a:schemeClr val="accent1"/>
                 </a:solidFill>
               </a14:hiddenFill>
             </a:ext>
             <a:ext uri="{91240B29-F687-4F45-9708-019B960494DF}">
-              <a14:hiddenLine xmlns="" xmlns:a14="http://schemas.microsoft.com/office/drawing/2010/main" w="9525">
+              <a14:hiddenLine xmlns:a14="http://schemas.microsoft.com/office/drawing/2010/main" w="9525">
                 <a:solidFill>
                   <a:schemeClr val="tx1"/>
                 </a:solidFill>
@@ -11529,7 +11537,7 @@
           <a:blip r:embed="rId4" cstate="print">
             <a:extLst>
               <a:ext uri="{BEBA8EAE-BF5A-486C-A8C5-ECC9F3942E4B}">
-                <a14:imgProps xmlns="" xmlns:a14="http://schemas.microsoft.com/office/drawing/2010/main">
+                <a14:imgProps xmlns:a14="http://schemas.microsoft.com/office/drawing/2010/main">
                   <a14:imgLayer r:embed="rId5">
                     <a14:imgEffect>
                       <a14:backgroundRemoval t="0" b="100000" l="0" r="100000">
@@ -11542,7 +11550,7 @@
                 </a14:imgProps>
               </a:ext>
               <a:ext uri="{28A0092B-C50C-407E-A947-70E740481C1C}">
-                <a14:useLocalDpi xmlns="" xmlns:a14="http://schemas.microsoft.com/office/drawing/2010/main" val="0"/>
+                <a14:useLocalDpi xmlns:a14="http://schemas.microsoft.com/office/drawing/2010/main" val="0"/>
               </a:ext>
             </a:extLst>
           </a:blip>
@@ -11566,14 +11574,14 @@
           <a:effectLst/>
           <a:extLst>
             <a:ext uri="{909E8E84-426E-40DD-AFC4-6F175D3DCCD1}">
-              <a14:hiddenFill xmlns="" xmlns:a14="http://schemas.microsoft.com/office/drawing/2010/main">
+              <a14:hiddenFill xmlns:a14="http://schemas.microsoft.com/office/drawing/2010/main">
                 <a:solidFill>
                   <a:schemeClr val="accent1"/>
                 </a:solidFill>
               </a14:hiddenFill>
             </a:ext>
             <a:ext uri="{91240B29-F687-4F45-9708-019B960494DF}">
-              <a14:hiddenLine xmlns="" xmlns:a14="http://schemas.microsoft.com/office/drawing/2010/main" w="9525">
+              <a14:hiddenLine xmlns:a14="http://schemas.microsoft.com/office/drawing/2010/main" w="9525">
                 <a:solidFill>
                   <a:schemeClr val="tx1"/>
                 </a:solidFill>
@@ -11583,7 +11591,7 @@
               </a14:hiddenLine>
             </a:ext>
             <a:ext uri="{AF507438-7753-43E0-B8FC-AC1667EBCBE1}">
-              <a14:hiddenEffects xmlns="" xmlns:a14="http://schemas.microsoft.com/office/drawing/2010/main">
+              <a14:hiddenEffects xmlns:a14="http://schemas.microsoft.com/office/drawing/2010/main">
                 <a:effectLst>
                   <a:outerShdw dist="35921" dir="2700000" algn="ctr" rotWithShape="0">
                     <a:schemeClr val="bg2"/>
@@ -11725,7 +11733,7 @@
           <a:blip r:embed="rId3" cstate="print">
             <a:extLst>
               <a:ext uri="{28A0092B-C50C-407E-A947-70E740481C1C}">
-                <a14:useLocalDpi xmlns="" xmlns:a14="http://schemas.microsoft.com/office/drawing/2010/main" val="0"/>
+                <a14:useLocalDpi xmlns:a14="http://schemas.microsoft.com/office/drawing/2010/main" val="0"/>
               </a:ext>
             </a:extLst>
           </a:blip>
@@ -11745,7 +11753,7 @@
           <a:noFill/>
           <a:extLst>
             <a:ext uri="{909E8E84-426E-40DD-AFC4-6F175D3DCCD1}">
-              <a14:hiddenFill xmlns="" xmlns:a14="http://schemas.microsoft.com/office/drawing/2010/main">
+              <a14:hiddenFill xmlns:a14="http://schemas.microsoft.com/office/drawing/2010/main">
                 <a:solidFill>
                   <a:srgbClr val="FFFFFF"/>
                 </a:solidFill>
@@ -11766,7 +11774,7 @@
           <a:blip r:embed="rId4" cstate="print">
             <a:extLst>
               <a:ext uri="{28A0092B-C50C-407E-A947-70E740481C1C}">
-                <a14:useLocalDpi xmlns="" xmlns:a14="http://schemas.microsoft.com/office/drawing/2010/main" val="0"/>
+                <a14:useLocalDpi xmlns:a14="http://schemas.microsoft.com/office/drawing/2010/main" val="0"/>
               </a:ext>
             </a:extLst>
           </a:blip>
@@ -11794,7 +11802,7 @@
           </a:ln>
           <a:extLst>
             <a:ext uri="{909E8E84-426E-40DD-AFC4-6F175D3DCCD1}">
-              <a14:hiddenFill xmlns="" xmlns:a14="http://schemas.microsoft.com/office/drawing/2010/main">
+              <a14:hiddenFill xmlns:a14="http://schemas.microsoft.com/office/drawing/2010/main">
                 <a:solidFill>
                   <a:srgbClr val="FFFFFF"/>
                 </a:solidFill>
@@ -11806,7 +11814,7 @@
     </p:spTree>
     <p:extLst>
       <p:ext uri="{BB962C8B-B14F-4D97-AF65-F5344CB8AC3E}">
-        <p14:creationId xmlns="" xmlns:p14="http://schemas.microsoft.com/office/powerpoint/2010/main" val="3776988415"/>
+        <p14:creationId xmlns:p14="http://schemas.microsoft.com/office/powerpoint/2010/main" val="3776988415"/>
       </p:ext>
     </p:extLst>
   </p:cSld>
@@ -12461,7 +12469,7 @@
           <a:blip r:embed="rId7" cstate="print">
             <a:extLst>
               <a:ext uri="{28A0092B-C50C-407E-A947-70E740481C1C}">
-                <a14:useLocalDpi xmlns="" xmlns:a14="http://schemas.microsoft.com/office/drawing/2010/main" val="0"/>
+                <a14:useLocalDpi xmlns:a14="http://schemas.microsoft.com/office/drawing/2010/main" val="0"/>
               </a:ext>
             </a:extLst>
           </a:blip>
@@ -12483,14 +12491,14 @@
           <a:noFill/>
           <a:extLst>
             <a:ext uri="{909E8E84-426E-40DD-AFC4-6F175D3DCCD1}">
-              <a14:hiddenFill xmlns="" xmlns:a14="http://schemas.microsoft.com/office/drawing/2010/main">
+              <a14:hiddenFill xmlns:a14="http://schemas.microsoft.com/office/drawing/2010/main">
                 <a:solidFill>
                   <a:schemeClr val="accent1"/>
                 </a:solidFill>
               </a14:hiddenFill>
             </a:ext>
             <a:ext uri="{91240B29-F687-4F45-9708-019B960494DF}">
-              <a14:hiddenLine xmlns="" xmlns:a14="http://schemas.microsoft.com/office/drawing/2010/main" w="9525">
+              <a14:hiddenLine xmlns:a14="http://schemas.microsoft.com/office/drawing/2010/main" w="9525">
                 <a:solidFill>
                   <a:schemeClr val="tx1"/>
                 </a:solidFill>
@@ -12500,7 +12508,7 @@
               </a14:hiddenLine>
             </a:ext>
             <a:ext uri="{AF507438-7753-43E0-B8FC-AC1667EBCBE1}">
-              <a14:hiddenEffects xmlns="" xmlns:a14="http://schemas.microsoft.com/office/drawing/2010/main">
+              <a14:hiddenEffects xmlns:a14="http://schemas.microsoft.com/office/drawing/2010/main">
                 <a:effectLst>
                   <a:outerShdw dist="35921" dir="2700000" algn="ctr" rotWithShape="0">
                     <a:schemeClr val="bg2"/>
@@ -12640,8 +12648,34 @@
               </a:lnSpc>
             </a:pPr>
             <a:r>
+              <a:rPr lang="en-US" dirty="0">
+                <a:solidFill>
+                  <a:schemeClr val="accent5">
+                    <a:lumMod val="20000"/>
+                    <a:lumOff val="80000"/>
+                  </a:schemeClr>
+                </a:solidFill>
+                <a:latin typeface="Consolas" pitchFamily="49" charset="0"/>
+                <a:cs typeface="Consolas" pitchFamily="49" charset="0"/>
+              </a:rPr>
+              <a:t>ScriptManager</a:t>
+            </a:r>
+            <a:r>
               <a:rPr lang="en-US" dirty="0"/>
-              <a:t>ScriptManager, UpdatePanel</a:t>
+              <a:t>, </a:t>
+            </a:r>
+            <a:r>
+              <a:rPr lang="en-US" dirty="0">
+                <a:solidFill>
+                  <a:schemeClr val="accent5">
+                    <a:lumMod val="20000"/>
+                    <a:lumOff val="80000"/>
+                  </a:schemeClr>
+                </a:solidFill>
+                <a:latin typeface="Consolas" pitchFamily="49" charset="0"/>
+                <a:cs typeface="Consolas" pitchFamily="49" charset="0"/>
+              </a:rPr>
+              <a:t>UpdatePanel</a:t>
             </a:r>
           </a:p>
           <a:p>
@@ -12651,8 +12685,51 @@
               </a:lnSpc>
             </a:pPr>
             <a:r>
+              <a:rPr lang="en-US" dirty="0">
+                <a:solidFill>
+                  <a:schemeClr val="accent5">
+                    <a:lumMod val="20000"/>
+                    <a:lumOff val="80000"/>
+                  </a:schemeClr>
+                </a:solidFill>
+                <a:latin typeface="Consolas" pitchFamily="49" charset="0"/>
+                <a:cs typeface="Consolas" pitchFamily="49" charset="0"/>
+              </a:rPr>
+              <a:t>Timer</a:t>
+            </a:r>
+            <a:r>
               <a:rPr lang="en-US" dirty="0"/>
-              <a:t>Timer, Update Progress</a:t>
+              <a:t>, </a:t>
+            </a:r>
+            <a:r>
+              <a:rPr lang="en-US" dirty="0">
+                <a:solidFill>
+                  <a:schemeClr val="accent5">
+                    <a:lumMod val="20000"/>
+                    <a:lumOff val="80000"/>
+                  </a:schemeClr>
+                </a:solidFill>
+                <a:latin typeface="Consolas" pitchFamily="49" charset="0"/>
+                <a:cs typeface="Consolas" pitchFamily="49" charset="0"/>
+              </a:rPr>
+              <a:t>Update</a:t>
+            </a:r>
+            <a:r>
+              <a:rPr lang="en-US" dirty="0"/>
+              <a:t> </a:t>
+            </a:r>
+            <a:r>
+              <a:rPr lang="en-US" dirty="0">
+                <a:solidFill>
+                  <a:schemeClr val="accent5">
+                    <a:lumMod val="20000"/>
+                    <a:lumOff val="80000"/>
+                  </a:schemeClr>
+                </a:solidFill>
+                <a:latin typeface="Consolas" pitchFamily="49" charset="0"/>
+                <a:cs typeface="Consolas" pitchFamily="49" charset="0"/>
+              </a:rPr>
+              <a:t>Progress</a:t>
             </a:r>
           </a:p>
           <a:p>
@@ -12662,10 +12739,28 @@
               </a:lnSpc>
             </a:pPr>
             <a:r>
-              <a:rPr lang="en-US" dirty="0"/>
+              <a:rPr lang="en-US" dirty="0">
+                <a:solidFill>
+                  <a:schemeClr val="accent5">
+                    <a:lumMod val="20000"/>
+                    <a:lumOff val="80000"/>
+                  </a:schemeClr>
+                </a:solidFill>
+                <a:latin typeface="Consolas" pitchFamily="49" charset="0"/>
+                <a:cs typeface="Consolas" pitchFamily="49" charset="0"/>
+              </a:rPr>
               <a:t>Triggers</a:t>
             </a:r>
-            <a:endParaRPr lang="bg-BG" dirty="0"/>
+            <a:endParaRPr lang="bg-BG" dirty="0">
+              <a:solidFill>
+                <a:schemeClr val="accent5">
+                  <a:lumMod val="20000"/>
+                  <a:lumOff val="80000"/>
+                </a:schemeClr>
+              </a:solidFill>
+              <a:latin typeface="Consolas" pitchFamily="49" charset="0"/>
+              <a:cs typeface="Consolas" pitchFamily="49" charset="0"/>
+            </a:endParaRPr>
           </a:p>
           <a:p>
             <a:pPr marL="360363" indent="-360363" defTabSz="895350">
@@ -12761,7 +12856,7 @@
           <a:blip r:embed="rId4" cstate="print">
             <a:extLst>
               <a:ext uri="{28A0092B-C50C-407E-A947-70E740481C1C}">
-                <a14:useLocalDpi xmlns="" xmlns:a14="http://schemas.microsoft.com/office/drawing/2010/main" val="0"/>
+                <a14:useLocalDpi xmlns:a14="http://schemas.microsoft.com/office/drawing/2010/main" val="0"/>
               </a:ext>
             </a:extLst>
           </a:blip>
@@ -12781,7 +12876,7 @@
           <a:noFill/>
           <a:extLst>
             <a:ext uri="{909E8E84-426E-40DD-AFC4-6F175D3DCCD1}">
-              <a14:hiddenFill xmlns="" xmlns:a14="http://schemas.microsoft.com/office/drawing/2010/main">
+              <a14:hiddenFill xmlns:a14="http://schemas.microsoft.com/office/drawing/2010/main">
                 <a:solidFill>
                   <a:srgbClr val="FFFFFF"/>
                 </a:solidFill>
@@ -12925,7 +13020,7 @@
           <a:blip r:embed="rId5" cstate="print">
             <a:extLst>
               <a:ext uri="{28A0092B-C50C-407E-A947-70E740481C1C}">
-                <a14:useLocalDpi xmlns="" xmlns:a14="http://schemas.microsoft.com/office/drawing/2010/main" val="0"/>
+                <a14:useLocalDpi xmlns:a14="http://schemas.microsoft.com/office/drawing/2010/main" val="0"/>
               </a:ext>
             </a:extLst>
           </a:blip>
@@ -12954,7 +13049,7 @@
           </a:ln>
           <a:extLst>
             <a:ext uri="{909E8E84-426E-40DD-AFC4-6F175D3DCCD1}">
-              <a14:hiddenFill xmlns="" xmlns:a14="http://schemas.microsoft.com/office/drawing/2010/main">
+              <a14:hiddenFill xmlns:a14="http://schemas.microsoft.com/office/drawing/2010/main">
                 <a:solidFill>
                   <a:srgbClr val="FFFFFF"/>
                 </a:solidFill>
@@ -12975,7 +13070,7 @@
           <a:blip r:embed="rId6" cstate="screen">
             <a:extLst>
               <a:ext uri="{28A0092B-C50C-407E-A947-70E740481C1C}">
-                <a14:useLocalDpi xmlns="" xmlns:a14="http://schemas.microsoft.com/office/drawing/2010/main"/>
+                <a14:useLocalDpi xmlns:a14="http://schemas.microsoft.com/office/drawing/2010/main"/>
               </a:ext>
             </a:extLst>
           </a:blip>
@@ -13090,8 +13185,8 @@
         </p:nvSpPr>
         <p:spPr>
           <a:xfrm>
-            <a:off x="228600" y="908720"/>
-            <a:ext cx="8686800" cy="5710808"/>
+            <a:off x="228600" y="724272"/>
+            <a:ext cx="8686800" cy="5943228"/>
           </a:xfrm>
           <a:prstGeom prst="rect">
             <a:avLst/>
@@ -13189,11 +13284,6 @@
                     <a:lumOff val="80000"/>
                   </a:schemeClr>
                 </a:solidFill>
-                <a:effectLst>
-                  <a:outerShdw blurRad="38100" dist="38100" dir="2700000" algn="tl">
-                    <a:srgbClr val="000000"/>
-                  </a:outerShdw>
-                </a:effectLst>
                 <a:latin typeface="Consolas" pitchFamily="49" charset="0"/>
                 <a:cs typeface="Consolas" pitchFamily="49" charset="0"/>
               </a:rPr>
@@ -13207,103 +13297,47 @@
                     <a:lumOff val="80000"/>
                   </a:schemeClr>
                 </a:solidFill>
-                <a:effectLst>
-                  <a:outerShdw blurRad="38100" dist="38100" dir="2700000" algn="tl">
-                    <a:srgbClr val="000000"/>
-                  </a:outerShdw>
-                </a:effectLst>
-              </a:rPr>
-              <a:t> – </a:t>
-            </a:r>
-            <a:r>
-              <a:rPr lang="en-US" noProof="1" smtClean="0"/>
-              <a:t> link drop-downs</a:t>
-            </a:r>
-            <a:r>
-              <a:rPr lang="en-US" noProof="1"/>
-              <a:t>, </a:t>
-            </a:r>
-            <a:r>
-              <a:rPr lang="en-US" noProof="1" smtClean="0"/>
-              <a:t>with </a:t>
-            </a:r>
-            <a:r>
-              <a:rPr lang="en-US" noProof="1"/>
-              <a:t>asynchronous population and no </a:t>
-            </a:r>
-            <a:r>
-              <a:rPr lang="en-US" noProof="1" smtClean="0"/>
-              <a:t>postbacks</a:t>
-            </a:r>
-            <a:endParaRPr lang="en-US" noProof="1"/>
-          </a:p>
-          <a:p>
-            <a:pPr lvl="1">
+              </a:rPr>
+              <a:t> </a:t>
+            </a:r>
+            <a:endParaRPr lang="en-US" noProof="1" smtClean="0">
+              <a:solidFill>
+                <a:schemeClr val="accent5">
+                  <a:lumMod val="20000"/>
+                  <a:lumOff val="80000"/>
+                </a:schemeClr>
+              </a:solidFill>
+            </a:endParaRPr>
+          </a:p>
+          <a:p>
+            <a:pPr lvl="2">
               <a:lnSpc>
                 <a:spcPct val="100000"/>
               </a:lnSpc>
             </a:pPr>
             <a:r>
-              <a:rPr lang="en-US" noProof="1">
-                <a:solidFill>
-                  <a:schemeClr val="accent5">
-                    <a:lumMod val="20000"/>
-                    <a:lumOff val="80000"/>
-                  </a:schemeClr>
-                </a:solidFill>
-                <a:effectLst>
-                  <a:outerShdw blurRad="38100" dist="38100" dir="2700000" algn="tl">
-                    <a:srgbClr val="000000"/>
-                  </a:outerShdw>
-                </a:effectLst>
-                <a:latin typeface="Consolas" pitchFamily="49" charset="0"/>
-                <a:cs typeface="Consolas" pitchFamily="49" charset="0"/>
-              </a:rPr>
-              <a:t>CollaspiblePanel</a:t>
-            </a:r>
-            <a:r>
-              <a:rPr lang="en-US" noProof="1">
-                <a:solidFill>
-                  <a:schemeClr val="accent5">
-                    <a:lumMod val="20000"/>
-                    <a:lumOff val="80000"/>
-                  </a:schemeClr>
-                </a:solidFill>
-                <a:effectLst>
-                  <a:outerShdw blurRad="38100" dist="38100" dir="2700000" algn="tl">
-                    <a:srgbClr val="000000"/>
-                  </a:outerShdw>
-                </a:effectLst>
-              </a:rPr>
-              <a:t> </a:t>
-            </a:r>
-            <a:r>
-              <a:rPr lang="en-US" noProof="1" smtClean="0">
-                <a:solidFill>
-                  <a:schemeClr val="accent5">
-                    <a:lumMod val="20000"/>
-                    <a:lumOff val="80000"/>
-                  </a:schemeClr>
-                </a:solidFill>
-                <a:effectLst>
-                  <a:outerShdw blurRad="38100" dist="38100" dir="2700000" algn="tl">
-                    <a:srgbClr val="000000"/>
-                  </a:outerShdw>
-                </a:effectLst>
-              </a:rPr>
-              <a:t>– </a:t>
-            </a:r>
-            <a:r>
               <a:rPr lang="en-US" noProof="1" smtClean="0"/>
-              <a:t>panels that collapse </a:t>
+              <a:t>Link </a:t>
+            </a:r>
+            <a:r>
+              <a:rPr lang="en-US" noProof="1" smtClean="0"/>
+              <a:t>drop-downs</a:t>
             </a:r>
             <a:r>
               <a:rPr lang="en-US" noProof="1"/>
-              <a:t>and expand </a:t>
+              <a:t>, </a:t>
             </a:r>
             <a:r>
               <a:rPr lang="en-US" noProof="1" smtClean="0"/>
-              <a:t>without postbacks</a:t>
+              <a:t>with </a:t>
+            </a:r>
+            <a:r>
+              <a:rPr lang="en-US" noProof="1"/>
+              <a:t>asynchronous population and no </a:t>
+            </a:r>
+            <a:r>
+              <a:rPr lang="en-US" noProof="1" smtClean="0"/>
+              <a:t>postbacks</a:t>
             </a:r>
             <a:endParaRPr lang="en-US" noProof="1"/>
           </a:p>
@@ -13485,6 +13519,10 @@
           </p:nvPr>
         </p:nvSpPr>
         <p:spPr>
+          <a:xfrm>
+            <a:off x="228600" y="940296"/>
+            <a:ext cx="8686800" cy="5612904"/>
+          </a:xfrm>
           <a:prstGeom prst="rect">
             <a:avLst/>
           </a:prstGeom>
@@ -13493,9 +13531,9 @@
           <a:bodyPr lIns="91440" tIns="45720" rIns="91440" bIns="45720"/>
           <a:lstStyle/>
           <a:p>
-            <a:pPr lvl="1" eaLnBrk="1" hangingPunct="1">
+            <a:pPr lvl="1">
               <a:lnSpc>
-                <a:spcPct val="110000"/>
+                <a:spcPct val="100000"/>
               </a:lnSpc>
             </a:pPr>
             <a:r>
@@ -13509,22 +13547,46 @@
                 <a:latin typeface="Consolas" pitchFamily="49" charset="0"/>
                 <a:cs typeface="Consolas" pitchFamily="49" charset="0"/>
               </a:rPr>
-              <a:t>ConfirmButton</a:t>
-            </a:r>
+              <a:t>CollaspiblePanel</a:t>
+            </a:r>
+          </a:p>
+          <a:p>
+            <a:pPr lvl="2">
+              <a:lnSpc>
+                <a:spcPct val="100000"/>
+              </a:lnSpc>
+            </a:pPr>
             <a:r>
               <a:rPr lang="en-US" noProof="1"/>
-              <a:t>: </a:t>
+              <a:t>Panels that collapse and expand </a:t>
+            </a:r>
+            <a:r>
+              <a:rPr lang="en-US" noProof="1"/>
+              <a:t>without </a:t>
             </a:r>
             <a:r>
               <a:rPr lang="en-US" noProof="1" smtClean="0"/>
-              <a:t>extender adding </a:t>
-            </a:r>
-            <a:r>
-              <a:rPr lang="en-US" noProof="1"/>
-              <a:t>a confirm dialog to any </a:t>
-            </a:r>
-            <a:r>
-              <a:rPr lang="en-US" noProof="1">
+              <a:t>postbacks</a:t>
+            </a:r>
+            <a:endParaRPr lang="en-US" noProof="1" smtClean="0">
+              <a:solidFill>
+                <a:schemeClr val="accent5">
+                  <a:lumMod val="20000"/>
+                  <a:lumOff val="80000"/>
+                </a:schemeClr>
+              </a:solidFill>
+              <a:latin typeface="Consolas" pitchFamily="49" charset="0"/>
+              <a:cs typeface="Consolas" pitchFamily="49" charset="0"/>
+            </a:endParaRPr>
+          </a:p>
+          <a:p>
+            <a:pPr lvl="1" eaLnBrk="1" hangingPunct="1">
+              <a:lnSpc>
+                <a:spcPct val="100000"/>
+              </a:lnSpc>
+            </a:pPr>
+            <a:r>
+              <a:rPr lang="en-US" noProof="1" smtClean="0">
                 <a:solidFill>
                   <a:schemeClr val="accent5">
                     <a:lumMod val="20000"/>
@@ -13532,12 +13594,21 @@
                   </a:schemeClr>
                 </a:solidFill>
                 <a:latin typeface="Consolas" pitchFamily="49" charset="0"/>
-              </a:rPr>
-              <a:t>Button</a:t>
+                <a:cs typeface="Consolas" pitchFamily="49" charset="0"/>
+              </a:rPr>
+              <a:t>ConfirmButton</a:t>
             </a:r>
             <a:r>
               <a:rPr lang="en-US" noProof="1"/>
-              <a:t>, </a:t>
+              <a:t>: </a:t>
+            </a:r>
+            <a:r>
+              <a:rPr lang="en-US" noProof="1" smtClean="0"/>
+              <a:t>extender adding </a:t>
+            </a:r>
+            <a:r>
+              <a:rPr lang="en-US" noProof="1"/>
+              <a:t>a confirm dialog to any </a:t>
             </a:r>
             <a:r>
               <a:rPr lang="en-US" noProof="1">
@@ -13549,11 +13620,11 @@
                 </a:solidFill>
                 <a:latin typeface="Consolas" pitchFamily="49" charset="0"/>
               </a:rPr>
-              <a:t>LinkButton</a:t>
+              <a:t>Button</a:t>
             </a:r>
             <a:r>
               <a:rPr lang="en-US" noProof="1"/>
-              <a:t>, or </a:t>
+              <a:t>, </a:t>
             </a:r>
             <a:r>
               <a:rPr lang="en-US" noProof="1">
@@ -13565,19 +13636,12 @@
                 </a:solidFill>
                 <a:latin typeface="Consolas" pitchFamily="49" charset="0"/>
               </a:rPr>
-              <a:t>ImageButton</a:t>
+              <a:t>LinkButton</a:t>
             </a:r>
             <a:r>
               <a:rPr lang="en-US" noProof="1"/>
-              <a:t> control </a:t>
-            </a:r>
-          </a:p>
-          <a:p>
-            <a:pPr lvl="1" eaLnBrk="1" hangingPunct="1">
-              <a:lnSpc>
-                <a:spcPct val="110000"/>
-              </a:lnSpc>
-            </a:pPr>
+              <a:t>, or </a:t>
+            </a:r>
             <a:r>
               <a:rPr lang="en-US" noProof="1">
                 <a:solidFill>
@@ -13587,35 +13651,22 @@
                   </a:schemeClr>
                 </a:solidFill>
                 <a:latin typeface="Consolas" pitchFamily="49" charset="0"/>
-                <a:cs typeface="Consolas" pitchFamily="49" charset="0"/>
-              </a:rPr>
-              <a:t>DragPanel</a:t>
+              </a:rPr>
+              <a:t>ImageButton</a:t>
             </a:r>
             <a:r>
               <a:rPr lang="en-US" noProof="1"/>
-              <a:t>: </a:t>
-            </a:r>
-            <a:r>
-              <a:rPr lang="en-US" noProof="1" smtClean="0"/>
-              <a:t>makes </a:t>
-            </a:r>
-            <a:r>
-              <a:rPr lang="en-US" noProof="1"/>
-              <a:t>any panel into an object that you can drag around the </a:t>
-            </a:r>
-            <a:r>
-              <a:rPr lang="en-US" noProof="1" smtClean="0"/>
-              <a:t>page</a:t>
-            </a:r>
-          </a:p>
-          <a:p>
-            <a:pPr lvl="1">
+              <a:t> control </a:t>
+            </a:r>
+          </a:p>
+          <a:p>
+            <a:pPr lvl="1" eaLnBrk="1" hangingPunct="1">
               <a:lnSpc>
-                <a:spcPct val="110000"/>
+                <a:spcPct val="100000"/>
               </a:lnSpc>
             </a:pPr>
             <a:r>
-              <a:rPr lang="en-US" noProof="1" smtClean="0">
+              <a:rPr lang="en-US" noProof="1">
                 <a:solidFill>
                   <a:schemeClr val="accent5">
                     <a:lumMod val="20000"/>
@@ -13625,61 +13676,83 @@
                 <a:latin typeface="Consolas" pitchFamily="49" charset="0"/>
                 <a:cs typeface="Consolas" pitchFamily="49" charset="0"/>
               </a:rPr>
-              <a:t>ModalPopup</a:t>
+              <a:t>DragPanel</a:t>
+            </a:r>
+            <a:r>
+              <a:rPr lang="en-US" noProof="1"/>
+              <a:t>: </a:t>
             </a:r>
             <a:r>
               <a:rPr lang="en-US" noProof="1" smtClean="0"/>
-              <a:t>: shows a modal popup dialog</a:t>
-            </a:r>
-            <a:endParaRPr lang="en-US" noProof="1"/>
-          </a:p>
-          <a:p>
-            <a:pPr lvl="1" eaLnBrk="1" hangingPunct="1">
+              <a:t>makes </a:t>
+            </a:r>
+            <a:r>
+              <a:rPr lang="en-US" noProof="1"/>
+              <a:t>any panel into an object that you can drag around the </a:t>
+            </a:r>
+            <a:r>
+              <a:rPr lang="en-US" noProof="1" smtClean="0"/>
+              <a:t>page</a:t>
+            </a:r>
+          </a:p>
+          <a:p>
+            <a:pPr lvl="1">
               <a:lnSpc>
-                <a:spcPct val="110000"/>
+                <a:spcPct val="100000"/>
               </a:lnSpc>
             </a:pPr>
             <a:r>
-              <a:rPr lang="en-US" noProof="1"/>
-              <a:t>... </a:t>
-            </a:r>
-            <a:r>
-              <a:rPr lang="en-US" dirty="0"/>
-              <a:t>and m</a:t>
-            </a:r>
-            <a:r>
-              <a:rPr lang="en-US" noProof="1"/>
-              <a:t>any more ...</a:t>
-            </a:r>
-          </a:p>
-          <a:p>
-            <a:pPr eaLnBrk="1" hangingPunct="1">
-              <a:lnSpc>
-                <a:spcPct val="110000"/>
-              </a:lnSpc>
-            </a:pPr>
-            <a:r>
-              <a:rPr lang="en-US" noProof="1" smtClean="0"/>
-              <a:t>Home Page:</a:t>
-            </a:r>
-          </a:p>
-          <a:p>
-            <a:pPr lvl="1">
-              <a:lnSpc>
-                <a:spcPct val="110000"/>
-              </a:lnSpc>
-            </a:pPr>
-            <a:r>
-              <a:rPr lang="en-US" sz="2800" noProof="1" smtClean="0">
+              <a:rPr lang="en-US" noProof="1" smtClean="0">
                 <a:solidFill>
                   <a:schemeClr val="accent5">
                     <a:lumMod val="20000"/>
                     <a:lumOff val="80000"/>
                   </a:schemeClr>
                 </a:solidFill>
+                <a:latin typeface="Consolas" pitchFamily="49" charset="0"/>
+                <a:cs typeface="Consolas" pitchFamily="49" charset="0"/>
+              </a:rPr>
+              <a:t>ModalPopup</a:t>
+            </a:r>
+            <a:r>
+              <a:rPr lang="en-US" noProof="1" smtClean="0"/>
+              <a:t>: shows a modal popup dialog</a:t>
+            </a:r>
+            <a:endParaRPr lang="en-US" noProof="1"/>
+          </a:p>
+          <a:p>
+            <a:pPr eaLnBrk="1" hangingPunct="1">
+              <a:lnSpc>
+                <a:spcPct val="100000"/>
+              </a:lnSpc>
+            </a:pPr>
+            <a:r>
+              <a:rPr lang="en-US" noProof="1" smtClean="0"/>
+              <a:t>Home Page: </a:t>
+            </a:r>
+            <a:r>
+              <a:rPr lang="en-US" sz="2800" noProof="1" smtClean="0">
+                <a:solidFill>
+                  <a:schemeClr val="accent5">
+                    <a:lumMod val="20000"/>
+                    <a:lumOff val="80000"/>
+                  </a:schemeClr>
+                </a:solidFill>
                 <a:hlinkClick r:id="rId2"/>
               </a:rPr>
-              <a:t>http://asp.net/ajax/ajaxcontroltoolkit/</a:t>
+              <a:t>http</a:t>
+            </a:r>
+            <a:r>
+              <a:rPr lang="en-US" sz="2800" noProof="1" smtClean="0">
+                <a:solidFill>
+                  <a:schemeClr val="accent5">
+                    <a:lumMod val="20000"/>
+                    <a:lumOff val="80000"/>
+                  </a:schemeClr>
+                </a:solidFill>
+                <a:hlinkClick r:id="rId2"/>
+              </a:rPr>
+              <a:t>://asp.net/ajax/ajaxcontroltoolkit/</a:t>
             </a:r>
             <a:endParaRPr lang="en-US" sz="2800" noProof="1">
               <a:solidFill>
@@ -13903,7 +13976,7 @@
           <a:blip r:embed="rId3" cstate="print">
             <a:extLst>
               <a:ext uri="{28A0092B-C50C-407E-A947-70E740481C1C}">
-                <a14:useLocalDpi xmlns="" xmlns:a14="http://schemas.microsoft.com/office/drawing/2010/main" val="0"/>
+                <a14:useLocalDpi xmlns:a14="http://schemas.microsoft.com/office/drawing/2010/main" val="0"/>
               </a:ext>
             </a:extLst>
           </a:blip>
@@ -13932,7 +14005,7 @@
           </a:ln>
           <a:extLst>
             <a:ext uri="{909E8E84-426E-40DD-AFC4-6F175D3DCCD1}">
-              <a14:hiddenFill xmlns="" xmlns:a14="http://schemas.microsoft.com/office/drawing/2010/main">
+              <a14:hiddenFill xmlns:a14="http://schemas.microsoft.com/office/drawing/2010/main">
                 <a:solidFill>
                   <a:srgbClr val="FFFFFF"/>
                 </a:solidFill>
@@ -13953,7 +14026,7 @@
           <a:blip r:embed="rId4" cstate="print">
             <a:extLst>
               <a:ext uri="{28A0092B-C50C-407E-A947-70E740481C1C}">
-                <a14:useLocalDpi xmlns="" xmlns:a14="http://schemas.microsoft.com/office/drawing/2010/main" val="0"/>
+                <a14:useLocalDpi xmlns:a14="http://schemas.microsoft.com/office/drawing/2010/main" val="0"/>
               </a:ext>
             </a:extLst>
           </a:blip>
@@ -13997,15 +14070,8 @@
             <a:bevelT w="152400" h="25400" prst="softRound"/>
           </a:sp3d>
           <a:extLst>
-            <a:ext uri="{909E8E84-426E-40DD-AFC4-6F175D3DCCD1}">
-              <a14:hiddenFill xmlns="" xmlns:a14="http://schemas.microsoft.com/office/drawing/2010/main">
-                <a:solidFill>
-                  <a:schemeClr val="accent1"/>
-                </a:solidFill>
-              </a14:hiddenFill>
-            </a:ext>
             <a:ext uri="{91240B29-F687-4F45-9708-019B960494DF}">
-              <a14:hiddenLine xmlns="" xmlns:a14="http://schemas.microsoft.com/office/drawing/2010/main" w="9525">
+              <a14:hiddenLine xmlns:a14="http://schemas.microsoft.com/office/drawing/2010/main" w="9525">
                 <a:solidFill>
                   <a:schemeClr val="tx1"/>
                 </a:solidFill>
@@ -14013,15 +14079,6 @@
                 <a:headEnd/>
                 <a:tailEnd/>
               </a14:hiddenLine>
-            </a:ext>
-            <a:ext uri="{AF507438-7753-43E0-B8FC-AC1667EBCBE1}">
-              <a14:hiddenEffects xmlns="" xmlns:a14="http://schemas.microsoft.com/office/drawing/2010/main">
-                <a:effectLst>
-                  <a:outerShdw dist="35921" dir="2700000" algn="ctr" rotWithShape="0">
-                    <a:schemeClr val="bg2"/>
-                  </a:outerShdw>
-                </a:effectLst>
-              </a14:hiddenEffects>
             </a:ext>
           </a:extLst>
         </p:spPr>
@@ -14038,7 +14095,7 @@
           <a:blip r:embed="rId5" cstate="print">
             <a:extLst>
               <a:ext uri="{28A0092B-C50C-407E-A947-70E740481C1C}">
-                <a14:useLocalDpi xmlns="" xmlns:a14="http://schemas.microsoft.com/office/drawing/2010/main" val="0"/>
+                <a14:useLocalDpi xmlns:a14="http://schemas.microsoft.com/office/drawing/2010/main" val="0"/>
               </a:ext>
             </a:extLst>
           </a:blip>
@@ -14082,15 +14139,8 @@
             <a:bevelT w="152400" h="25400" prst="softRound"/>
           </a:sp3d>
           <a:extLst>
-            <a:ext uri="{909E8E84-426E-40DD-AFC4-6F175D3DCCD1}">
-              <a14:hiddenFill xmlns="" xmlns:a14="http://schemas.microsoft.com/office/drawing/2010/main">
-                <a:solidFill>
-                  <a:schemeClr val="accent1"/>
-                </a:solidFill>
-              </a14:hiddenFill>
-            </a:ext>
             <a:ext uri="{91240B29-F687-4F45-9708-019B960494DF}">
-              <a14:hiddenLine xmlns="" xmlns:a14="http://schemas.microsoft.com/office/drawing/2010/main" w="9525">
+              <a14:hiddenLine xmlns:a14="http://schemas.microsoft.com/office/drawing/2010/main" w="9525">
                 <a:solidFill>
                   <a:schemeClr val="tx1"/>
                 </a:solidFill>
@@ -14098,15 +14148,6 @@
                 <a:headEnd/>
                 <a:tailEnd/>
               </a14:hiddenLine>
-            </a:ext>
-            <a:ext uri="{AF507438-7753-43E0-B8FC-AC1667EBCBE1}">
-              <a14:hiddenEffects xmlns="" xmlns:a14="http://schemas.microsoft.com/office/drawing/2010/main">
-                <a:effectLst>
-                  <a:outerShdw dist="35921" dir="2700000" algn="ctr" rotWithShape="0">
-                    <a:schemeClr val="bg2"/>
-                  </a:outerShdw>
-                </a:effectLst>
-              </a14:hiddenEffects>
             </a:ext>
           </a:extLst>
         </p:spPr>
@@ -14114,7 +14155,7 @@
     </p:spTree>
     <p:extLst>
       <p:ext uri="{BB962C8B-B14F-4D97-AF65-F5344CB8AC3E}">
-        <p14:creationId xmlns="" xmlns:p14="http://schemas.microsoft.com/office/powerpoint/2010/main" val="3007766842"/>
+        <p14:creationId xmlns:p14="http://schemas.microsoft.com/office/powerpoint/2010/main" val="3007766842"/>
       </p:ext>
     </p:extLst>
   </p:cSld>
@@ -14264,49 +14305,6 @@
       </p:pic>
       <p:pic>
         <p:nvPicPr>
-          <p:cNvPr id="3074" name="Picture 2" descr="http://blogs.gaiaware.net/image.axd?picture=2008%2f10%2fAjaxLogo.jpg"/>
-          <p:cNvPicPr>
-            <a:picLocks noChangeAspect="1" noChangeArrowheads="1"/>
-          </p:cNvPicPr>
-          <p:nvPr/>
-        </p:nvPicPr>
-        <p:blipFill>
-          <a:blip r:embed="rId3" cstate="print">
-            <a:extLst>
-              <a:ext uri="{28A0092B-C50C-407E-A947-70E740481C1C}">
-                <a14:useLocalDpi xmlns="" xmlns:a14="http://schemas.microsoft.com/office/drawing/2010/main" val="0"/>
-              </a:ext>
-            </a:extLst>
-          </a:blip>
-          <a:srcRect/>
-          <a:stretch>
-            <a:fillRect/>
-          </a:stretch>
-        </p:blipFill>
-        <p:spPr bwMode="auto">
-          <a:xfrm>
-            <a:off x="4716016" y="3573016"/>
-            <a:ext cx="3506755" cy="2630066"/>
-          </a:xfrm>
-          <a:prstGeom prst="roundRect">
-            <a:avLst>
-              <a:gd name="adj" fmla="val 2242"/>
-            </a:avLst>
-          </a:prstGeom>
-          <a:noFill/>
-          <a:extLst>
-            <a:ext uri="{909E8E84-426E-40DD-AFC4-6F175D3DCCD1}">
-              <a14:hiddenFill xmlns="" xmlns:a14="http://schemas.microsoft.com/office/drawing/2010/main">
-                <a:solidFill>
-                  <a:srgbClr val="FFFFFF"/>
-                </a:solidFill>
-              </a14:hiddenFill>
-            </a:ext>
-          </a:extLst>
-        </p:spPr>
-      </p:pic>
-      <p:pic>
-        <p:nvPicPr>
           <p:cNvPr id="7" name="Picture 6" descr="http://www.luisarana.com/blog/wp-content/uploads/2009/12/ajax.png"/>
           <p:cNvPicPr>
             <a:picLocks noChangeAspect="1" noChangeArrowheads="1"/>
@@ -14314,7 +14312,7 @@
           <p:nvPr/>
         </p:nvPicPr>
         <p:blipFill>
-          <a:blip r:embed="rId4" cstate="print"/>
+          <a:blip r:embed="rId3" cstate="print"/>
           <a:srcRect/>
           <a:stretch>
             <a:fillRect/>
@@ -14340,10 +14338,10 @@
           <p:nvPr/>
         </p:nvPicPr>
         <p:blipFill rotWithShape="1">
-          <a:blip r:embed="rId5" cstate="screen">
+          <a:blip r:embed="rId4" cstate="screen">
             <a:extLst>
               <a:ext uri="{28A0092B-C50C-407E-A947-70E740481C1C}">
-                <a14:useLocalDpi xmlns="" xmlns:a14="http://schemas.microsoft.com/office/drawing/2010/main"/>
+                <a14:useLocalDpi xmlns:a14="http://schemas.microsoft.com/office/drawing/2010/main"/>
               </a:ext>
             </a:extLst>
           </a:blip>
@@ -14386,6 +14384,70 @@
           </a:sp3d>
         </p:spPr>
       </p:pic>
+      <p:pic>
+        <p:nvPicPr>
+          <p:cNvPr id="1026" name="Picture 2"/>
+          <p:cNvPicPr>
+            <a:picLocks noChangeAspect="1" noChangeArrowheads="1"/>
+          </p:cNvPicPr>
+          <p:nvPr/>
+        </p:nvPicPr>
+        <p:blipFill>
+          <a:blip r:embed="rId5">
+            <a:extLst>
+              <a:ext uri="{28A0092B-C50C-407E-A947-70E740481C1C}">
+                <a14:useLocalDpi xmlns:a14="http://schemas.microsoft.com/office/drawing/2010/main" val="0"/>
+              </a:ext>
+            </a:extLst>
+          </a:blip>
+          <a:srcRect/>
+          <a:stretch>
+            <a:fillRect/>
+          </a:stretch>
+        </p:blipFill>
+        <p:spPr bwMode="auto">
+          <a:xfrm rot="311118">
+            <a:off x="4317082" y="3321745"/>
+            <a:ext cx="4067500" cy="3055932"/>
+          </a:xfrm>
+          <a:prstGeom prst="rect">
+            <a:avLst/>
+          </a:prstGeom>
+          <a:noFill/>
+          <a:ln>
+            <a:noFill/>
+          </a:ln>
+          <a:effectLst/>
+          <a:extLst>
+            <a:ext uri="{909E8E84-426E-40DD-AFC4-6F175D3DCCD1}">
+              <a14:hiddenFill xmlns:a14="http://schemas.microsoft.com/office/drawing/2010/main">
+                <a:solidFill>
+                  <a:schemeClr val="accent1"/>
+                </a:solidFill>
+              </a14:hiddenFill>
+            </a:ext>
+            <a:ext uri="{91240B29-F687-4F45-9708-019B960494DF}">
+              <a14:hiddenLine xmlns:a14="http://schemas.microsoft.com/office/drawing/2010/main" w="9525">
+                <a:solidFill>
+                  <a:schemeClr val="tx1"/>
+                </a:solidFill>
+                <a:miter lim="800000"/>
+                <a:headEnd/>
+                <a:tailEnd/>
+              </a14:hiddenLine>
+            </a:ext>
+            <a:ext uri="{AF507438-7753-43E0-B8FC-AC1667EBCBE1}">
+              <a14:hiddenEffects xmlns:a14="http://schemas.microsoft.com/office/drawing/2010/main">
+                <a:effectLst>
+                  <a:outerShdw dist="35921" dir="2700000" algn="ctr" rotWithShape="0">
+                    <a:schemeClr val="bg2"/>
+                  </a:outerShdw>
+                </a:effectLst>
+              </a14:hiddenEffects>
+            </a:ext>
+          </a:extLst>
+        </p:spPr>
+      </p:pic>
     </p:spTree>
   </p:cSld>
   <p:clrMapOvr>
@@ -14459,7 +14521,7 @@
           <a:p>
             <a:pPr marL="361950" indent="-361950">
               <a:lnSpc>
-                <a:spcPct val="110000"/>
+                <a:spcPct val="100000"/>
               </a:lnSpc>
               <a:buFont typeface="+mj-lt"/>
               <a:buAutoNum type="arabicPeriod"/>
@@ -14637,7 +14699,7 @@
           <a:p>
             <a:pPr marL="347663" lvl="1" indent="0">
               <a:lnSpc>
-                <a:spcPct val="110000"/>
+                <a:spcPct val="100000"/>
               </a:lnSpc>
               <a:buNone/>
             </a:pPr>
@@ -14829,7 +14891,7 @@
           <a:p>
             <a:pPr marL="446088" indent="-446088">
               <a:lnSpc>
-                <a:spcPct val="105000"/>
+                <a:spcPct val="100000"/>
               </a:lnSpc>
               <a:buFontTx/>
               <a:buAutoNum type="arabicPeriod" startAt="2"/>
@@ -14932,7 +14994,7 @@
           <a:p>
             <a:pPr marL="446088" indent="-446088">
               <a:lnSpc>
-                <a:spcPct val="105000"/>
+                <a:spcPct val="100000"/>
               </a:lnSpc>
               <a:buFontTx/>
               <a:buAutoNum type="arabicPeriod" startAt="2"/>
@@ -19155,7 +19217,7 @@
         </a:effectLst>
         <a:extLst>
           <a:ext uri="{909E8E84-426E-40DD-AFC4-6F175D3DCCD1}">
-            <a14:hiddenFill xmlns="" xmlns:a14="http://schemas.microsoft.com/office/drawing/2010/main">
+            <a14:hiddenFill xmlns:a14="http://schemas.microsoft.com/office/drawing/2010/main">
               <a:solidFill>
                 <a:srgbClr val="FFFFFF">
                   <a:alpha val="30000"/>
@@ -19164,7 +19226,7 @@
             </a14:hiddenFill>
           </a:ext>
           <a:ext uri="{91240B29-F687-4F45-9708-019B960494DF}">
-            <a14:hiddenLine xmlns="" xmlns:a14="http://schemas.microsoft.com/office/drawing/2010/main" w="9525" cap="flat" cmpd="sng" algn="ctr">
+            <a14:hiddenLine xmlns:a14="http://schemas.microsoft.com/office/drawing/2010/main" w="9525" cap="flat" cmpd="sng" algn="ctr">
               <a:solidFill>
                 <a:schemeClr val="tx1"/>
               </a:solidFill>
@@ -19241,7 +19303,7 @@
         </a:effectLst>
         <a:extLst>
           <a:ext uri="{909E8E84-426E-40DD-AFC4-6F175D3DCCD1}">
-            <a14:hiddenFill xmlns="" xmlns:a14="http://schemas.microsoft.com/office/drawing/2010/main">
+            <a14:hiddenFill xmlns:a14="http://schemas.microsoft.com/office/drawing/2010/main">
               <a:solidFill>
                 <a:srgbClr val="FFFFFF">
                   <a:alpha val="30000"/>
@@ -19250,7 +19312,7 @@
             </a14:hiddenFill>
           </a:ext>
           <a:ext uri="{91240B29-F687-4F45-9708-019B960494DF}">
-            <a14:hiddenLine xmlns="" xmlns:a14="http://schemas.microsoft.com/office/drawing/2010/main" w="9525" cap="flat" cmpd="sng" algn="ctr">
+            <a14:hiddenLine xmlns:a14="http://schemas.microsoft.com/office/drawing/2010/main" w="9525" cap="flat" cmpd="sng" algn="ctr">
               <a:solidFill>
                 <a:schemeClr val="tx1"/>
               </a:solidFill>

--- a/2010/lectures/12. ASP.NET-AJAX.pptx
+++ b/2010/lectures/12. ASP.NET-AJAX.pptx
@@ -426,7 +426,7 @@
             <a:fld id="{3834C0C5-3A2C-4908-BFAA-28067658D7AC}" type="datetime1">
               <a:rPr lang="en-US"/>
               <a:pPr/>
-              <a:t>10/12/2010</a:t>
+              <a:t>1/11/2011</a:t>
             </a:fld>
             <a:endParaRPr lang="bg-BG"/>
           </a:p>
@@ -783,7 +783,7 @@
             <a:fld id="{51491A16-738F-4799-8716-258CFD03D432}" type="datetime1">
               <a:rPr lang="en-US"/>
               <a:pPr/>
-              <a:t>10/12/2010</a:t>
+              <a:t>1/11/2011</a:t>
             </a:fld>
             <a:r>
               <a:rPr lang="en-US"/>
@@ -1361,78 +1361,21 @@
       </p:grpSpPr>
       <p:sp>
         <p:nvSpPr>
-          <p:cNvPr id="4" name="Rectangle 6"/>
-          <p:cNvSpPr>
-            <a:spLocks noGrp="1" noChangeArrowheads="1"/>
-          </p:cNvSpPr>
-          <p:nvPr>
-            <p:ph type="ftr" sz="quarter" idx="4"/>
-          </p:nvPr>
-        </p:nvSpPr>
-        <p:spPr>
-          <a:ln/>
-        </p:spPr>
-        <p:txBody>
-          <a:bodyPr/>
-          <a:lstStyle/>
-          <a:p>
-            <a:r>
-              <a:rPr lang="en-US" dirty="0"/>
-              <a:t>(c) 2005 National Academy for Software Development - http://academy.devbg.org. All rights reserved. Unauthorized copying or re-distribution is strictly prohibited.*</a:t>
-            </a:r>
-            <a:endParaRPr lang="en-US" sz="1300" i="0" dirty="0"/>
-          </a:p>
-        </p:txBody>
-      </p:sp>
-      <p:sp>
-        <p:nvSpPr>
-          <p:cNvPr id="5" name="Rectangle 7"/>
-          <p:cNvSpPr>
-            <a:spLocks noGrp="1" noChangeArrowheads="1"/>
-          </p:cNvSpPr>
-          <p:nvPr>
-            <p:ph type="sldNum" sz="quarter" idx="5"/>
-          </p:nvPr>
-        </p:nvSpPr>
-        <p:spPr>
-          <a:ln/>
-        </p:spPr>
-        <p:txBody>
-          <a:bodyPr/>
-          <a:lstStyle/>
-          <a:p>
-            <a:fld id="{D1FBC652-FC01-415B-8259-8DF0D6ADF42E}" type="slidenum">
-              <a:rPr lang="en-US"/>
-              <a:pPr/>
-              <a:t>19</a:t>
-            </a:fld>
-            <a:r>
-              <a:rPr lang="en-US" dirty="0"/>
-              <a:t>##</a:t>
-            </a:r>
-            <a:endParaRPr lang="en-US" sz="1300" i="0" dirty="0"/>
-          </a:p>
-        </p:txBody>
-      </p:sp>
-      <p:sp>
-        <p:nvSpPr>
-          <p:cNvPr id="524290" name="Rectangle 2"/>
-          <p:cNvSpPr>
-            <a:spLocks noGrp="1" noRot="1" noChangeAspect="1" noChangeArrowheads="1" noTextEdit="1"/>
+          <p:cNvPr id="2" name="Slide Image Placeholder 1"/>
+          <p:cNvSpPr>
+            <a:spLocks noGrp="1" noRot="1" noChangeAspect="1"/>
           </p:cNvSpPr>
           <p:nvPr>
             <p:ph type="sldImg"/>
           </p:nvPr>
         </p:nvSpPr>
-        <p:spPr>
-          <a:ln/>
-        </p:spPr>
-      </p:sp>
-      <p:sp>
-        <p:nvSpPr>
-          <p:cNvPr id="524291" name="Rectangle 3"/>
-          <p:cNvSpPr>
-            <a:spLocks noGrp="1" noChangeArrowheads="1"/>
+        <p:spPr/>
+      </p:sp>
+      <p:sp>
+        <p:nvSpPr>
+          <p:cNvPr id="3" name="Notes Placeholder 2"/>
+          <p:cNvSpPr>
+            <a:spLocks noGrp="1"/>
           </p:cNvSpPr>
           <p:nvPr>
             <p:ph type="body" idx="1"/>
@@ -1443,11 +1386,147 @@
           <a:bodyPr/>
           <a:lstStyle/>
           <a:p>
-            <a:endParaRPr lang="bg-BG"/>
+            <a:pPr marL="0" marR="0" indent="0" algn="l" defTabSz="914400" rtl="0" eaLnBrk="1" fontAlgn="base" latinLnBrk="0" hangingPunct="1">
+              <a:lnSpc>
+                <a:spcPct val="100000"/>
+              </a:lnSpc>
+              <a:spcBef>
+                <a:spcPct val="30000"/>
+              </a:spcBef>
+              <a:spcAft>
+                <a:spcPct val="0"/>
+              </a:spcAft>
+              <a:buClrTx/>
+              <a:buSzTx/>
+              <a:buFontTx/>
+              <a:buNone/>
+              <a:tabLst/>
+              <a:defRPr/>
+            </a:pPr>
+            <a:r>
+              <a:rPr lang="en-US" dirty="0" smtClean="0"/>
+              <a:t>1) </a:t>
+            </a:r>
+            <a:r>
+              <a:rPr lang="en-US" dirty="0" err="1" smtClean="0"/>
+              <a:t>UpdatePanel</a:t>
+            </a:r>
+            <a:r>
+              <a:rPr lang="en-US" dirty="0" smtClean="0"/>
+              <a:t> controls are a central part of AJAX functionality in ASP.NET. They are used with the </a:t>
+            </a:r>
+            <a:r>
+              <a:rPr lang="en-US" dirty="0" err="1" smtClean="0">
+                <a:hlinkClick r:id="rId3"/>
+              </a:rPr>
+              <a:t>ScriptManager</a:t>
+            </a:r>
+            <a:r>
+              <a:rPr lang="en-US" dirty="0" smtClean="0"/>
+              <a:t> control to enable partial-page rendering. Partial-page rendering reduces the need for synchronous </a:t>
+            </a:r>
+            <a:r>
+              <a:rPr lang="en-US" dirty="0" err="1" smtClean="0"/>
+              <a:t>postbacks</a:t>
+            </a:r>
+            <a:r>
+              <a:rPr lang="en-US" dirty="0" smtClean="0"/>
+              <a:t> and complete page updates when only part of the page has to be updated. Partial-page rendering improves the user experience because it reduces the screen flicker that occurs during a full-page </a:t>
+            </a:r>
+            <a:r>
+              <a:rPr lang="en-US" dirty="0" err="1" smtClean="0"/>
+              <a:t>postback</a:t>
+            </a:r>
+            <a:r>
+              <a:rPr lang="en-US" dirty="0" smtClean="0"/>
+              <a:t> and improves Web page interactivity. </a:t>
+            </a:r>
+          </a:p>
+          <a:p>
+            <a:endParaRPr lang="en-US" dirty="0"/>
+          </a:p>
+        </p:txBody>
+      </p:sp>
+      <p:sp>
+        <p:nvSpPr>
+          <p:cNvPr id="4" name="Header Placeholder 3"/>
+          <p:cNvSpPr>
+            <a:spLocks noGrp="1"/>
+          </p:cNvSpPr>
+          <p:nvPr>
+            <p:ph type="hdr" sz="quarter" idx="10"/>
+          </p:nvPr>
+        </p:nvSpPr>
+        <p:spPr/>
+        <p:txBody>
+          <a:bodyPr/>
+          <a:lstStyle/>
+          <a:p>
+            <a:r>
+              <a:rPr lang="en-US" smtClean="0"/>
+              <a:t>*</a:t>
+            </a:r>
+            <a:endParaRPr lang="en-US" sz="1300" i="0"/>
+          </a:p>
+        </p:txBody>
+      </p:sp>
+      <p:sp>
+        <p:nvSpPr>
+          <p:cNvPr id="5" name="Footer Placeholder 4"/>
+          <p:cNvSpPr>
+            <a:spLocks noGrp="1"/>
+          </p:cNvSpPr>
+          <p:nvPr>
+            <p:ph type="ftr" sz="quarter" idx="11"/>
+          </p:nvPr>
+        </p:nvSpPr>
+        <p:spPr/>
+        <p:txBody>
+          <a:bodyPr/>
+          <a:lstStyle/>
+          <a:p>
+            <a:r>
+              <a:rPr lang="en-US" smtClean="0"/>
+              <a:t>(c) 2005 National Academy for Software Development - http://academy.devbg.org. All rights reserved. Unauthorized copying or re-distribution is strictly prohibited.*</a:t>
+            </a:r>
+            <a:endParaRPr lang="en-US" sz="1300" i="0"/>
+          </a:p>
+        </p:txBody>
+      </p:sp>
+      <p:sp>
+        <p:nvSpPr>
+          <p:cNvPr id="6" name="Slide Number Placeholder 5"/>
+          <p:cNvSpPr>
+            <a:spLocks noGrp="1"/>
+          </p:cNvSpPr>
+          <p:nvPr>
+            <p:ph type="sldNum" sz="quarter" idx="12"/>
+          </p:nvPr>
+        </p:nvSpPr>
+        <p:spPr/>
+        <p:txBody>
+          <a:bodyPr/>
+          <a:lstStyle/>
+          <a:p>
+            <a:fld id="{625F40C3-04A4-4B2D-AC38-F17D07917260}" type="slidenum">
+              <a:rPr lang="en-US" smtClean="0"/>
+              <a:pPr/>
+              <a:t>12</a:t>
+            </a:fld>
+            <a:r>
+              <a:rPr lang="en-US" smtClean="0"/>
+              <a:t>##</a:t>
+            </a:r>
+            <a:endParaRPr lang="en-US" sz="1300" i="0"/>
           </a:p>
         </p:txBody>
       </p:sp>
     </p:spTree>
+    <p:extLst>
+      <p:ext uri="{BB962C8B-B14F-4D97-AF65-F5344CB8AC3E}">
+        <p14:creationId xmlns:p14="http://schemas.microsoft.com/office/powerpoint/2010/main" val="2514587614"/>
+      </p:ext>
+    </p:extLst>
   </p:cSld>
   <p:clrMapOvr>
     <a:masterClrMapping/>
@@ -1514,10 +1593,10 @@
           <a:bodyPr/>
           <a:lstStyle/>
           <a:p>
-            <a:fld id="{50226CCC-D425-470B-AE11-5965C9BFF4AE}" type="slidenum">
+            <a:fld id="{39987B14-E06D-4D4C-AD29-146C61B24C88}" type="slidenum">
               <a:rPr lang="en-US"/>
               <a:pPr/>
-              <a:t>20</a:t>
+              <a:t>13</a:t>
             </a:fld>
             <a:r>
               <a:rPr lang="en-US" dirty="0"/>
@@ -1529,7 +1608,7 @@
       </p:sp>
       <p:sp>
         <p:nvSpPr>
-          <p:cNvPr id="466946" name="Rectangle 2"/>
+          <p:cNvPr id="516098" name="Rectangle 2"/>
           <p:cNvSpPr>
             <a:spLocks noGrp="1" noRot="1" noChangeAspect="1" noChangeArrowheads="1" noTextEdit="1"/>
           </p:cNvSpPr>
@@ -1543,7 +1622,7 @@
       </p:sp>
       <p:sp>
         <p:nvSpPr>
-          <p:cNvPr id="466947" name="Rectangle 3"/>
+          <p:cNvPr id="516099" name="Rectangle 3"/>
           <p:cNvSpPr>
             <a:spLocks noGrp="1" noChangeArrowheads="1"/>
           </p:cNvSpPr>
@@ -1587,78 +1666,21 @@
       </p:grpSpPr>
       <p:sp>
         <p:nvSpPr>
-          <p:cNvPr id="4" name="Rectangle 6"/>
-          <p:cNvSpPr>
-            <a:spLocks noGrp="1" noChangeArrowheads="1"/>
-          </p:cNvSpPr>
-          <p:nvPr>
-            <p:ph type="ftr" sz="quarter" idx="4"/>
-          </p:nvPr>
-        </p:nvSpPr>
-        <p:spPr>
-          <a:ln/>
-        </p:spPr>
-        <p:txBody>
-          <a:bodyPr/>
-          <a:lstStyle/>
-          <a:p>
-            <a:r>
-              <a:rPr lang="en-US" dirty="0"/>
-              <a:t>(c) 2005 National Academy for Software Development - http://academy.devbg.org. All rights reserved. Unauthorized copying or re-distribution is strictly prohibited.*</a:t>
-            </a:r>
-            <a:endParaRPr lang="en-US" sz="1300" i="0" dirty="0"/>
-          </a:p>
-        </p:txBody>
-      </p:sp>
-      <p:sp>
-        <p:nvSpPr>
-          <p:cNvPr id="5" name="Rectangle 7"/>
-          <p:cNvSpPr>
-            <a:spLocks noGrp="1" noChangeArrowheads="1"/>
-          </p:cNvSpPr>
-          <p:nvPr>
-            <p:ph type="sldNum" sz="quarter" idx="5"/>
-          </p:nvPr>
-        </p:nvSpPr>
-        <p:spPr>
-          <a:ln/>
-        </p:spPr>
-        <p:txBody>
-          <a:bodyPr/>
-          <a:lstStyle/>
-          <a:p>
-            <a:fld id="{50226CCC-D425-470B-AE11-5965C9BFF4AE}" type="slidenum">
-              <a:rPr lang="en-US"/>
-              <a:pPr/>
-              <a:t>23</a:t>
-            </a:fld>
-            <a:r>
-              <a:rPr lang="en-US" dirty="0"/>
-              <a:t>##</a:t>
-            </a:r>
-            <a:endParaRPr lang="en-US" sz="1300" i="0" dirty="0"/>
-          </a:p>
-        </p:txBody>
-      </p:sp>
-      <p:sp>
-        <p:nvSpPr>
-          <p:cNvPr id="466946" name="Rectangle 2"/>
-          <p:cNvSpPr>
-            <a:spLocks noGrp="1" noRot="1" noChangeAspect="1" noChangeArrowheads="1" noTextEdit="1"/>
+          <p:cNvPr id="2" name="Slide Image Placeholder 1"/>
+          <p:cNvSpPr>
+            <a:spLocks noGrp="1" noRot="1" noChangeAspect="1"/>
           </p:cNvSpPr>
           <p:nvPr>
             <p:ph type="sldImg"/>
           </p:nvPr>
         </p:nvSpPr>
-        <p:spPr>
-          <a:ln/>
-        </p:spPr>
-      </p:sp>
-      <p:sp>
-        <p:nvSpPr>
-          <p:cNvPr id="466947" name="Rectangle 3"/>
-          <p:cNvSpPr>
-            <a:spLocks noGrp="1" noChangeArrowheads="1"/>
+        <p:spPr/>
+      </p:sp>
+      <p:sp>
+        <p:nvSpPr>
+          <p:cNvPr id="3" name="Notes Placeholder 2"/>
+          <p:cNvSpPr>
+            <a:spLocks noGrp="1"/>
           </p:cNvSpPr>
           <p:nvPr>
             <p:ph type="body" idx="1"/>
@@ -1669,11 +1691,416 @@
           <a:bodyPr/>
           <a:lstStyle/>
           <a:p>
-            <a:endParaRPr lang="bg-BG"/>
+            <a:r>
+              <a:rPr lang="en-US" dirty="0" smtClean="0"/>
+              <a:t>When partial-page rendering is enabled, a control can perform a </a:t>
+            </a:r>
+            <a:r>
+              <a:rPr lang="en-US" dirty="0" err="1" smtClean="0"/>
+              <a:t>postback</a:t>
+            </a:r>
+            <a:r>
+              <a:rPr lang="en-US" dirty="0" smtClean="0"/>
+              <a:t> that updates the whole page or an asynchronous </a:t>
+            </a:r>
+            <a:r>
+              <a:rPr lang="en-US" dirty="0" err="1" smtClean="0"/>
+              <a:t>postback</a:t>
+            </a:r>
+            <a:r>
+              <a:rPr lang="en-US" dirty="0" smtClean="0"/>
+              <a:t> that updates the content of one or more </a:t>
+            </a:r>
+            <a:r>
+              <a:rPr lang="en-US" dirty="0" err="1" smtClean="0"/>
+              <a:t>UpdatePanel</a:t>
+            </a:r>
+            <a:r>
+              <a:rPr lang="en-US" dirty="0" smtClean="0"/>
+              <a:t> controls. Whether a control causes an asynchronous </a:t>
+            </a:r>
+            <a:r>
+              <a:rPr lang="en-US" dirty="0" err="1" smtClean="0"/>
+              <a:t>postback</a:t>
+            </a:r>
+            <a:r>
+              <a:rPr lang="en-US" dirty="0" smtClean="0"/>
+              <a:t> and updates an </a:t>
+            </a:r>
+            <a:r>
+              <a:rPr lang="en-US" dirty="0" err="1" smtClean="0"/>
+              <a:t>UpdatePanel</a:t>
+            </a:r>
+            <a:r>
+              <a:rPr lang="en-US" dirty="0" smtClean="0"/>
+              <a:t> control depends on the following: </a:t>
+            </a:r>
+          </a:p>
+          <a:p>
+            <a:r>
+              <a:rPr lang="en-US" dirty="0" smtClean="0"/>
+              <a:t>If the </a:t>
+            </a:r>
+            <a:r>
+              <a:rPr lang="en-US" dirty="0" err="1" smtClean="0">
+                <a:hlinkClick r:id="rId3"/>
+              </a:rPr>
+              <a:t>UpdateMode</a:t>
+            </a:r>
+            <a:r>
+              <a:rPr lang="en-US" dirty="0" smtClean="0"/>
+              <a:t> property of the </a:t>
+            </a:r>
+            <a:r>
+              <a:rPr lang="en-US" dirty="0" err="1" smtClean="0"/>
+              <a:t>UpdatePanel</a:t>
+            </a:r>
+            <a:r>
+              <a:rPr lang="en-US" dirty="0" smtClean="0"/>
+              <a:t> control is set to </a:t>
+            </a:r>
+            <a:r>
+              <a:rPr lang="en-US" dirty="0" smtClean="0">
+                <a:hlinkClick r:id="rId4"/>
+              </a:rPr>
+              <a:t>Always</a:t>
+            </a:r>
+            <a:r>
+              <a:rPr lang="en-US" dirty="0" smtClean="0"/>
+              <a:t>, the </a:t>
+            </a:r>
+            <a:r>
+              <a:rPr lang="en-US" dirty="0" err="1" smtClean="0"/>
+              <a:t>UpdatePanel</a:t>
+            </a:r>
+            <a:r>
+              <a:rPr lang="en-US" dirty="0" smtClean="0"/>
+              <a:t> control's content is updated on every </a:t>
+            </a:r>
+            <a:r>
+              <a:rPr lang="en-US" dirty="0" err="1" smtClean="0"/>
+              <a:t>postback</a:t>
+            </a:r>
+            <a:r>
+              <a:rPr lang="en-US" dirty="0" smtClean="0"/>
+              <a:t> that originates from the page. This includes asynchronous </a:t>
+            </a:r>
+            <a:r>
+              <a:rPr lang="en-US" dirty="0" err="1" smtClean="0"/>
+              <a:t>postbacks</a:t>
+            </a:r>
+            <a:r>
+              <a:rPr lang="en-US" dirty="0" smtClean="0"/>
+              <a:t> from controls that are inside other </a:t>
+            </a:r>
+            <a:r>
+              <a:rPr lang="en-US" dirty="0" err="1" smtClean="0"/>
+              <a:t>UpdatePanel</a:t>
+            </a:r>
+            <a:r>
+              <a:rPr lang="en-US" dirty="0" smtClean="0"/>
+              <a:t> controls and </a:t>
+            </a:r>
+            <a:r>
+              <a:rPr lang="en-US" dirty="0" err="1" smtClean="0"/>
+              <a:t>postbacks</a:t>
+            </a:r>
+            <a:r>
+              <a:rPr lang="en-US" dirty="0" smtClean="0"/>
+              <a:t> from controls that are not inside </a:t>
+            </a:r>
+            <a:r>
+              <a:rPr lang="en-US" dirty="0" err="1" smtClean="0"/>
+              <a:t>UpdatePanel</a:t>
+            </a:r>
+            <a:r>
+              <a:rPr lang="en-US" dirty="0" smtClean="0"/>
+              <a:t> controls. </a:t>
+            </a:r>
+          </a:p>
+          <a:p>
+            <a:r>
+              <a:rPr lang="en-US" dirty="0" smtClean="0"/>
+              <a:t>If the </a:t>
+            </a:r>
+            <a:r>
+              <a:rPr lang="en-US" dirty="0" err="1" smtClean="0">
+                <a:hlinkClick r:id="rId3"/>
+              </a:rPr>
+              <a:t>UpdateMode</a:t>
+            </a:r>
+            <a:r>
+              <a:rPr lang="en-US" dirty="0" smtClean="0"/>
+              <a:t> property is set to </a:t>
+            </a:r>
+            <a:r>
+              <a:rPr lang="en-US" dirty="0" smtClean="0">
+                <a:hlinkClick r:id="rId5"/>
+              </a:rPr>
+              <a:t>Conditional</a:t>
+            </a:r>
+            <a:r>
+              <a:rPr lang="en-US" dirty="0" smtClean="0"/>
+              <a:t>, the </a:t>
+            </a:r>
+            <a:r>
+              <a:rPr lang="en-US" dirty="0" err="1" smtClean="0"/>
+              <a:t>UpdatePanel</a:t>
+            </a:r>
+            <a:r>
+              <a:rPr lang="en-US" dirty="0" smtClean="0"/>
+              <a:t> control's content is updated in the following circumstances:</a:t>
+            </a:r>
+          </a:p>
+          <a:p>
+            <a:pPr lvl="1"/>
+            <a:r>
+              <a:rPr lang="en-US" dirty="0" smtClean="0"/>
+              <a:t>When you call the </a:t>
+            </a:r>
+            <a:r>
+              <a:rPr lang="en-US" dirty="0" smtClean="0">
+                <a:hlinkClick r:id="rId6"/>
+              </a:rPr>
+              <a:t>Update</a:t>
+            </a:r>
+            <a:r>
+              <a:rPr lang="en-US" dirty="0" smtClean="0"/>
+              <a:t> method of the </a:t>
+            </a:r>
+            <a:r>
+              <a:rPr lang="en-US" dirty="0" err="1" smtClean="0"/>
+              <a:t>UpdatePanel</a:t>
+            </a:r>
+            <a:r>
+              <a:rPr lang="en-US" dirty="0" smtClean="0"/>
+              <a:t> control explicitly.</a:t>
+            </a:r>
+          </a:p>
+          <a:p>
+            <a:pPr lvl="1"/>
+            <a:r>
+              <a:rPr lang="en-US" dirty="0" smtClean="0"/>
+              <a:t>When the </a:t>
+            </a:r>
+            <a:r>
+              <a:rPr lang="en-US" dirty="0" err="1" smtClean="0"/>
+              <a:t>UpdatePanel</a:t>
+            </a:r>
+            <a:r>
+              <a:rPr lang="en-US" dirty="0" smtClean="0"/>
+              <a:t> control is nested inside another </a:t>
+            </a:r>
+            <a:r>
+              <a:rPr lang="en-US" dirty="0" err="1" smtClean="0"/>
+              <a:t>UpdatePanel</a:t>
+            </a:r>
+            <a:r>
+              <a:rPr lang="en-US" dirty="0" smtClean="0"/>
+              <a:t> control, and the parent panel is updated. </a:t>
+            </a:r>
+          </a:p>
+          <a:p>
+            <a:pPr lvl="1"/>
+            <a:r>
+              <a:rPr lang="en-US" dirty="0" smtClean="0"/>
+              <a:t>When a </a:t>
+            </a:r>
+            <a:r>
+              <a:rPr lang="en-US" dirty="0" err="1" smtClean="0"/>
+              <a:t>postback</a:t>
+            </a:r>
+            <a:r>
+              <a:rPr lang="en-US" dirty="0" smtClean="0"/>
+              <a:t> is caused by a control that is defined as a trigger by using the Triggers property of the </a:t>
+            </a:r>
+            <a:r>
+              <a:rPr lang="en-US" dirty="0" err="1" smtClean="0"/>
+              <a:t>UpdatePanel</a:t>
+            </a:r>
+            <a:r>
+              <a:rPr lang="en-US" dirty="0" smtClean="0"/>
+              <a:t> control. In this scenario, the control explicitly triggers an update of the panel content. The control can be either inside or outside the </a:t>
+            </a:r>
+            <a:r>
+              <a:rPr lang="en-US" dirty="0" err="1" smtClean="0"/>
+              <a:t>UpdatePanel</a:t>
+            </a:r>
+            <a:r>
+              <a:rPr lang="en-US" dirty="0" smtClean="0"/>
+              <a:t> control that the trigger is associated with.</a:t>
+            </a:r>
+          </a:p>
+          <a:p>
+            <a:pPr lvl="1"/>
+            <a:r>
+              <a:rPr lang="en-US" dirty="0" smtClean="0"/>
+              <a:t>When the </a:t>
+            </a:r>
+            <a:r>
+              <a:rPr lang="en-US" dirty="0" err="1" smtClean="0">
+                <a:hlinkClick r:id="rId7"/>
+              </a:rPr>
+              <a:t>ChildrenAsTriggers</a:t>
+            </a:r>
+            <a:r>
+              <a:rPr lang="en-US" dirty="0" smtClean="0"/>
+              <a:t> property is set to true and a child control of the </a:t>
+            </a:r>
+            <a:r>
+              <a:rPr lang="en-US" dirty="0" err="1" smtClean="0"/>
+              <a:t>UpdatePanel</a:t>
+            </a:r>
+            <a:r>
+              <a:rPr lang="en-US" dirty="0" smtClean="0"/>
+              <a:t> control causes a </a:t>
+            </a:r>
+            <a:r>
+              <a:rPr lang="en-US" dirty="0" err="1" smtClean="0"/>
+              <a:t>postback</a:t>
+            </a:r>
+            <a:r>
+              <a:rPr lang="en-US" dirty="0" smtClean="0"/>
+              <a:t>. Child controls of nested </a:t>
+            </a:r>
+            <a:r>
+              <a:rPr lang="en-US" dirty="0" err="1" smtClean="0"/>
+              <a:t>UpdatePanel</a:t>
+            </a:r>
+            <a:r>
+              <a:rPr lang="en-US" dirty="0" smtClean="0"/>
+              <a:t> controls do not cause an update to the outer </a:t>
+            </a:r>
+            <a:r>
+              <a:rPr lang="en-US" dirty="0" err="1" smtClean="0"/>
+              <a:t>UpdatePanel</a:t>
+            </a:r>
+            <a:r>
+              <a:rPr lang="en-US" dirty="0" smtClean="0"/>
+              <a:t> control unless they are explicitly defined as triggers.</a:t>
+            </a:r>
+          </a:p>
+          <a:p>
+            <a:r>
+              <a:rPr lang="en-US" dirty="0" smtClean="0"/>
+              <a:t>The combination of setting the </a:t>
+            </a:r>
+            <a:r>
+              <a:rPr lang="en-US" dirty="0" err="1" smtClean="0">
+                <a:hlinkClick r:id="rId7"/>
+              </a:rPr>
+              <a:t>ChildrenAsTriggers</a:t>
+            </a:r>
+            <a:r>
+              <a:rPr lang="en-US" dirty="0" smtClean="0"/>
+              <a:t> property to false and the </a:t>
+            </a:r>
+            <a:r>
+              <a:rPr lang="en-US" dirty="0" err="1" smtClean="0">
+                <a:hlinkClick r:id="rId3"/>
+              </a:rPr>
+              <a:t>UpdateMode</a:t>
+            </a:r>
+            <a:r>
+              <a:rPr lang="en-US" dirty="0" smtClean="0"/>
+              <a:t> property to </a:t>
+            </a:r>
+            <a:r>
+              <a:rPr lang="en-US" dirty="0" smtClean="0">
+                <a:hlinkClick r:id="rId4"/>
+              </a:rPr>
+              <a:t>Always</a:t>
+            </a:r>
+            <a:r>
+              <a:rPr lang="en-US" dirty="0" smtClean="0"/>
+              <a:t> is not allowed and will throw an exception.</a:t>
+            </a:r>
+          </a:p>
+          <a:p>
+            <a:endParaRPr lang="en-US" dirty="0"/>
+          </a:p>
+        </p:txBody>
+      </p:sp>
+      <p:sp>
+        <p:nvSpPr>
+          <p:cNvPr id="4" name="Header Placeholder 3"/>
+          <p:cNvSpPr>
+            <a:spLocks noGrp="1"/>
+          </p:cNvSpPr>
+          <p:nvPr>
+            <p:ph type="hdr" sz="quarter" idx="10"/>
+          </p:nvPr>
+        </p:nvSpPr>
+        <p:spPr/>
+        <p:txBody>
+          <a:bodyPr/>
+          <a:lstStyle/>
+          <a:p>
+            <a:r>
+              <a:rPr lang="en-US" smtClean="0"/>
+              <a:t>*</a:t>
+            </a:r>
+            <a:endParaRPr lang="en-US" sz="1300" i="0"/>
+          </a:p>
+        </p:txBody>
+      </p:sp>
+      <p:sp>
+        <p:nvSpPr>
+          <p:cNvPr id="5" name="Footer Placeholder 4"/>
+          <p:cNvSpPr>
+            <a:spLocks noGrp="1"/>
+          </p:cNvSpPr>
+          <p:nvPr>
+            <p:ph type="ftr" sz="quarter" idx="11"/>
+          </p:nvPr>
+        </p:nvSpPr>
+        <p:spPr/>
+        <p:txBody>
+          <a:bodyPr/>
+          <a:lstStyle/>
+          <a:p>
+            <a:r>
+              <a:rPr lang="en-US" smtClean="0"/>
+              <a:t>(c) 2005 National Academy for Software Development - http://academy.devbg.org. All rights reserved. Unauthorized copying or re-distribution is strictly prohibited.*</a:t>
+            </a:r>
+            <a:endParaRPr lang="en-US" sz="1300" i="0"/>
+          </a:p>
+        </p:txBody>
+      </p:sp>
+      <p:sp>
+        <p:nvSpPr>
+          <p:cNvPr id="6" name="Slide Number Placeholder 5"/>
+          <p:cNvSpPr>
+            <a:spLocks noGrp="1"/>
+          </p:cNvSpPr>
+          <p:nvPr>
+            <p:ph type="sldNum" sz="quarter" idx="12"/>
+          </p:nvPr>
+        </p:nvSpPr>
+        <p:spPr/>
+        <p:txBody>
+          <a:bodyPr/>
+          <a:lstStyle/>
+          <a:p>
+            <a:fld id="{625F40C3-04A4-4B2D-AC38-F17D07917260}" type="slidenum">
+              <a:rPr lang="en-US" smtClean="0"/>
+              <a:pPr/>
+              <a:t>14</a:t>
+            </a:fld>
+            <a:r>
+              <a:rPr lang="en-US" smtClean="0"/>
+              <a:t>##</a:t>
+            </a:r>
+            <a:endParaRPr lang="en-US" sz="1300" i="0"/>
           </a:p>
         </p:txBody>
       </p:sp>
     </p:spTree>
+    <p:extLst>
+      <p:ext uri="{BB962C8B-B14F-4D97-AF65-F5344CB8AC3E}">
+        <p14:creationId xmlns:p14="http://schemas.microsoft.com/office/powerpoint/2010/main" val="528612938"/>
+      </p:ext>
+    </p:extLst>
   </p:cSld>
   <p:clrMapOvr>
     <a:masterClrMapping/>
@@ -1700,78 +2127,21 @@
       </p:grpSpPr>
       <p:sp>
         <p:nvSpPr>
-          <p:cNvPr id="4" name="Rectangle 6"/>
-          <p:cNvSpPr>
-            <a:spLocks noGrp="1" noChangeArrowheads="1"/>
-          </p:cNvSpPr>
-          <p:nvPr>
-            <p:ph type="ftr" sz="quarter" idx="4"/>
-          </p:nvPr>
-        </p:nvSpPr>
-        <p:spPr>
-          <a:ln/>
-        </p:spPr>
-        <p:txBody>
-          <a:bodyPr/>
-          <a:lstStyle/>
-          <a:p>
-            <a:r>
-              <a:rPr lang="en-US" dirty="0"/>
-              <a:t>(c) 2005 National Academy for Software Development - http://academy.devbg.org. All rights reserved. Unauthorized copying or re-distribution is strictly prohibited.*</a:t>
-            </a:r>
-            <a:endParaRPr lang="en-US" sz="1300" i="0" dirty="0"/>
-          </a:p>
-        </p:txBody>
-      </p:sp>
-      <p:sp>
-        <p:nvSpPr>
-          <p:cNvPr id="5" name="Rectangle 7"/>
-          <p:cNvSpPr>
-            <a:spLocks noGrp="1" noChangeArrowheads="1"/>
-          </p:cNvSpPr>
-          <p:nvPr>
-            <p:ph type="sldNum" sz="quarter" idx="5"/>
-          </p:nvPr>
-        </p:nvSpPr>
-        <p:spPr>
-          <a:ln/>
-        </p:spPr>
-        <p:txBody>
-          <a:bodyPr/>
-          <a:lstStyle/>
-          <a:p>
-            <a:fld id="{FDA49C5C-23CA-4C3C-BCB6-18D4D452EDA7}" type="slidenum">
-              <a:rPr lang="en-US"/>
-              <a:pPr/>
-              <a:t>25</a:t>
-            </a:fld>
-            <a:r>
-              <a:rPr lang="en-US" dirty="0"/>
-              <a:t>##</a:t>
-            </a:r>
-            <a:endParaRPr lang="en-US" sz="1300" i="0" dirty="0"/>
-          </a:p>
-        </p:txBody>
-      </p:sp>
-      <p:sp>
-        <p:nvSpPr>
-          <p:cNvPr id="427010" name="Rectangle 2"/>
-          <p:cNvSpPr>
-            <a:spLocks noGrp="1" noRot="1" noChangeAspect="1" noChangeArrowheads="1" noTextEdit="1"/>
+          <p:cNvPr id="2" name="Slide Image Placeholder 1"/>
+          <p:cNvSpPr>
+            <a:spLocks noGrp="1" noRot="1" noChangeAspect="1"/>
           </p:cNvSpPr>
           <p:nvPr>
             <p:ph type="sldImg"/>
           </p:nvPr>
         </p:nvSpPr>
-        <p:spPr>
-          <a:ln/>
-        </p:spPr>
-      </p:sp>
-      <p:sp>
-        <p:nvSpPr>
-          <p:cNvPr id="427011" name="Rectangle 3"/>
-          <p:cNvSpPr>
-            <a:spLocks noGrp="1" noChangeArrowheads="1"/>
+        <p:spPr/>
+      </p:sp>
+      <p:sp>
+        <p:nvSpPr>
+          <p:cNvPr id="3" name="Notes Placeholder 2"/>
+          <p:cNvSpPr>
+            <a:spLocks noGrp="1"/>
           </p:cNvSpPr>
           <p:nvPr>
             <p:ph type="body" idx="1"/>
@@ -1782,11 +2152,298 @@
           <a:bodyPr/>
           <a:lstStyle/>
           <a:p>
-            <a:endParaRPr lang="bg-BG"/>
+            <a:pPr marL="0" marR="0" indent="0" algn="l" defTabSz="914400" rtl="0" eaLnBrk="1" fontAlgn="base" latinLnBrk="0" hangingPunct="1">
+              <a:lnSpc>
+                <a:spcPct val="100000"/>
+              </a:lnSpc>
+              <a:spcBef>
+                <a:spcPct val="30000"/>
+              </a:spcBef>
+              <a:spcAft>
+                <a:spcPct val="0"/>
+              </a:spcAft>
+              <a:buClrTx/>
+              <a:buSzTx/>
+              <a:buFontTx/>
+              <a:buNone/>
+              <a:tabLst/>
+              <a:defRPr/>
+            </a:pPr>
+            <a:r>
+              <a:rPr lang="en-US" dirty="0" smtClean="0"/>
+              <a:t>1) The Triggers property gets a collection of all the triggers that have been defined for the </a:t>
+            </a:r>
+            <a:r>
+              <a:rPr lang="en-US" dirty="0" err="1" smtClean="0">
+                <a:hlinkClick r:id="rId3"/>
+              </a:rPr>
+              <a:t>UpdatePanel</a:t>
+            </a:r>
+            <a:r>
+              <a:rPr lang="en-US" dirty="0" smtClean="0"/>
+              <a:t> control. (You can define triggers declaratively by using the </a:t>
+            </a:r>
+            <a:r>
+              <a:rPr lang="en-US" dirty="0" err="1" smtClean="0"/>
+              <a:t>UpdatePanelTrigger</a:t>
+            </a:r>
+            <a:r>
+              <a:rPr lang="en-US" dirty="0" smtClean="0"/>
+              <a:t> Collection Editor dialog box in the designer or by using the &lt;Triggers&gt; element of the </a:t>
+            </a:r>
+            <a:r>
+              <a:rPr lang="en-US" dirty="0" err="1" smtClean="0">
+                <a:hlinkClick r:id="rId3"/>
+              </a:rPr>
+              <a:t>UpdatePanel</a:t>
+            </a:r>
+            <a:r>
+              <a:rPr lang="en-US" dirty="0" smtClean="0"/>
+              <a:t> control.) The collection includes </a:t>
+            </a:r>
+            <a:r>
+              <a:rPr lang="en-US" dirty="0" err="1" smtClean="0">
+                <a:hlinkClick r:id="rId4"/>
+              </a:rPr>
+              <a:t>AsyncPostBackTrigger</a:t>
+            </a:r>
+            <a:r>
+              <a:rPr lang="en-US" dirty="0" smtClean="0"/>
+              <a:t> and </a:t>
+            </a:r>
+            <a:r>
+              <a:rPr lang="en-US" dirty="0" err="1" smtClean="0">
+                <a:hlinkClick r:id="rId5"/>
+              </a:rPr>
+              <a:t>PostBackTrigger</a:t>
+            </a:r>
+            <a:r>
+              <a:rPr lang="en-US" dirty="0" smtClean="0"/>
+              <a:t> objects. </a:t>
+            </a:r>
+          </a:p>
+          <a:p>
+            <a:r>
+              <a:rPr lang="en-US" dirty="0" smtClean="0"/>
+              <a:t>2) Use the </a:t>
+            </a:r>
+            <a:r>
+              <a:rPr lang="en-US" dirty="0" err="1" smtClean="0"/>
+              <a:t>AsyncPostBackTrigger</a:t>
+            </a:r>
+            <a:r>
+              <a:rPr lang="en-US" dirty="0" smtClean="0"/>
+              <a:t> control to enable controls to be triggers for an </a:t>
+            </a:r>
+            <a:r>
+              <a:rPr lang="en-US" dirty="0" err="1" smtClean="0">
+                <a:hlinkClick r:id="rId3"/>
+              </a:rPr>
+              <a:t>UpdatePanel</a:t>
+            </a:r>
+            <a:r>
+              <a:rPr lang="en-US" dirty="0" smtClean="0"/>
+              <a:t> control. Controls that are triggers for an update panel cause a refresh of the panel's content after an asynchronous </a:t>
+            </a:r>
+            <a:r>
+              <a:rPr lang="en-US" dirty="0" err="1" smtClean="0"/>
+              <a:t>postback</a:t>
+            </a:r>
+            <a:r>
+              <a:rPr lang="en-US" dirty="0" smtClean="0"/>
+              <a:t>. Defining an asynchronous trigger control is useful in the following scenarios:</a:t>
+            </a:r>
+          </a:p>
+          <a:p>
+            <a:pPr marL="628650" lvl="1" indent="-171450">
+              <a:buFont typeface="Arial" pitchFamily="34" charset="0"/>
+              <a:buChar char="•"/>
+            </a:pPr>
+            <a:r>
+              <a:rPr lang="en-US" dirty="0" smtClean="0"/>
+              <a:t>For controls that are outside a panel.</a:t>
+            </a:r>
+          </a:p>
+          <a:p>
+            <a:pPr marL="628650" lvl="1" indent="-171450">
+              <a:buFont typeface="Arial" pitchFamily="34" charset="0"/>
+              <a:buChar char="•"/>
+            </a:pPr>
+            <a:r>
+              <a:rPr lang="en-US" dirty="0" smtClean="0"/>
+              <a:t>For controls that are inside a panel when the </a:t>
+            </a:r>
+            <a:r>
+              <a:rPr lang="en-US" dirty="0" err="1" smtClean="0">
+                <a:hlinkClick r:id="rId6"/>
+              </a:rPr>
+              <a:t>ChildrenAsTriggers</a:t>
+            </a:r>
+            <a:r>
+              <a:rPr lang="en-US" dirty="0" smtClean="0"/>
+              <a:t> property is false.</a:t>
+            </a:r>
+          </a:p>
+          <a:p>
+            <a:pPr marL="628650" lvl="1" indent="-171450">
+              <a:buFont typeface="Arial" pitchFamily="34" charset="0"/>
+              <a:buChar char="•"/>
+            </a:pPr>
+            <a:r>
+              <a:rPr lang="en-US" dirty="0" smtClean="0"/>
+              <a:t>For controls that are inside nested panels, in order to cause a refresh of parent panels.</a:t>
+            </a:r>
+          </a:p>
+          <a:p>
+            <a:pPr marL="0" marR="0" lvl="0" indent="0" algn="l" defTabSz="914400" rtl="0" eaLnBrk="1" fontAlgn="base" latinLnBrk="0" hangingPunct="1">
+              <a:lnSpc>
+                <a:spcPct val="100000"/>
+              </a:lnSpc>
+              <a:spcBef>
+                <a:spcPct val="30000"/>
+              </a:spcBef>
+              <a:spcAft>
+                <a:spcPct val="0"/>
+              </a:spcAft>
+              <a:buClrTx/>
+              <a:buSzTx/>
+              <a:buFont typeface="Arial" pitchFamily="34" charset="0"/>
+              <a:buNone/>
+              <a:tabLst/>
+              <a:defRPr/>
+            </a:pPr>
+            <a:r>
+              <a:rPr lang="en-US" dirty="0" smtClean="0"/>
+              <a:t>3)</a:t>
+            </a:r>
+            <a:r>
+              <a:rPr lang="en-US" baseline="0" dirty="0" smtClean="0"/>
+              <a:t> </a:t>
+            </a:r>
+            <a:r>
+              <a:rPr lang="en-US" dirty="0" smtClean="0"/>
+              <a:t>Use the </a:t>
+            </a:r>
+            <a:r>
+              <a:rPr lang="en-US" dirty="0" err="1" smtClean="0"/>
+              <a:t>PostBackTrigger</a:t>
+            </a:r>
+            <a:r>
+              <a:rPr lang="en-US" dirty="0" smtClean="0"/>
+              <a:t> control to enable controls inside an </a:t>
+            </a:r>
+            <a:r>
+              <a:rPr lang="en-US" dirty="0" err="1" smtClean="0">
+                <a:hlinkClick r:id="rId3"/>
+              </a:rPr>
+              <a:t>UpdatePanel</a:t>
+            </a:r>
+            <a:r>
+              <a:rPr lang="en-US" dirty="0" smtClean="0"/>
+              <a:t> to cause a </a:t>
+            </a:r>
+            <a:r>
+              <a:rPr lang="en-US" dirty="0" err="1" smtClean="0"/>
+              <a:t>postback</a:t>
+            </a:r>
+            <a:r>
+              <a:rPr lang="en-US" dirty="0" smtClean="0"/>
+              <a:t> instead of performing an asynchronous </a:t>
+            </a:r>
+            <a:r>
+              <a:rPr lang="en-US" dirty="0" err="1" smtClean="0"/>
+              <a:t>postback</a:t>
+            </a:r>
+            <a:r>
+              <a:rPr lang="en-US" dirty="0" smtClean="0"/>
+              <a:t>.</a:t>
+            </a:r>
+          </a:p>
+          <a:p>
+            <a:endParaRPr lang="en-US" dirty="0"/>
+          </a:p>
+        </p:txBody>
+      </p:sp>
+      <p:sp>
+        <p:nvSpPr>
+          <p:cNvPr id="4" name="Header Placeholder 3"/>
+          <p:cNvSpPr>
+            <a:spLocks noGrp="1"/>
+          </p:cNvSpPr>
+          <p:nvPr>
+            <p:ph type="hdr" sz="quarter" idx="10"/>
+          </p:nvPr>
+        </p:nvSpPr>
+        <p:spPr/>
+        <p:txBody>
+          <a:bodyPr/>
+          <a:lstStyle/>
+          <a:p>
+            <a:r>
+              <a:rPr lang="en-US" smtClean="0"/>
+              <a:t>*</a:t>
+            </a:r>
+            <a:endParaRPr lang="en-US" sz="1300" i="0"/>
+          </a:p>
+        </p:txBody>
+      </p:sp>
+      <p:sp>
+        <p:nvSpPr>
+          <p:cNvPr id="5" name="Footer Placeholder 4"/>
+          <p:cNvSpPr>
+            <a:spLocks noGrp="1"/>
+          </p:cNvSpPr>
+          <p:nvPr>
+            <p:ph type="ftr" sz="quarter" idx="11"/>
+          </p:nvPr>
+        </p:nvSpPr>
+        <p:spPr/>
+        <p:txBody>
+          <a:bodyPr/>
+          <a:lstStyle/>
+          <a:p>
+            <a:r>
+              <a:rPr lang="en-US" smtClean="0"/>
+              <a:t>(c) 2005 National Academy for Software Development - http://academy.devbg.org. All rights reserved. Unauthorized copying or re-distribution is strictly prohibited.*</a:t>
+            </a:r>
+            <a:endParaRPr lang="en-US" sz="1300" i="0"/>
+          </a:p>
+        </p:txBody>
+      </p:sp>
+      <p:sp>
+        <p:nvSpPr>
+          <p:cNvPr id="6" name="Slide Number Placeholder 5"/>
+          <p:cNvSpPr>
+            <a:spLocks noGrp="1"/>
+          </p:cNvSpPr>
+          <p:nvPr>
+            <p:ph type="sldNum" sz="quarter" idx="12"/>
+          </p:nvPr>
+        </p:nvSpPr>
+        <p:spPr/>
+        <p:txBody>
+          <a:bodyPr/>
+          <a:lstStyle/>
+          <a:p>
+            <a:fld id="{625F40C3-04A4-4B2D-AC38-F17D07917260}" type="slidenum">
+              <a:rPr lang="en-US" smtClean="0"/>
+              <a:pPr/>
+              <a:t>15</a:t>
+            </a:fld>
+            <a:r>
+              <a:rPr lang="en-US" smtClean="0"/>
+              <a:t>##</a:t>
+            </a:r>
+            <a:endParaRPr lang="en-US" sz="1300" i="0"/>
           </a:p>
         </p:txBody>
       </p:sp>
     </p:spTree>
+    <p:extLst>
+      <p:ext uri="{BB962C8B-B14F-4D97-AF65-F5344CB8AC3E}">
+        <p14:creationId xmlns:p14="http://schemas.microsoft.com/office/powerpoint/2010/main" val="4154597574"/>
+      </p:ext>
+    </p:extLst>
   </p:cSld>
   <p:clrMapOvr>
     <a:masterClrMapping/>
@@ -1813,6 +2470,244 @@
       </p:grpSpPr>
       <p:sp>
         <p:nvSpPr>
+          <p:cNvPr id="2" name="Slide Image Placeholder 1"/>
+          <p:cNvSpPr>
+            <a:spLocks noGrp="1" noRot="1" noChangeAspect="1"/>
+          </p:cNvSpPr>
+          <p:nvPr>
+            <p:ph type="sldImg"/>
+          </p:nvPr>
+        </p:nvSpPr>
+        <p:spPr/>
+      </p:sp>
+      <p:sp>
+        <p:nvSpPr>
+          <p:cNvPr id="3" name="Notes Placeholder 2"/>
+          <p:cNvSpPr>
+            <a:spLocks noGrp="1"/>
+          </p:cNvSpPr>
+          <p:nvPr>
+            <p:ph type="body" idx="1"/>
+          </p:nvPr>
+        </p:nvSpPr>
+        <p:spPr/>
+        <p:txBody>
+          <a:bodyPr/>
+          <a:lstStyle/>
+          <a:p>
+            <a:pPr marL="0" marR="0" indent="0" algn="l" defTabSz="914400" rtl="0" eaLnBrk="1" fontAlgn="base" latinLnBrk="0" hangingPunct="1">
+              <a:lnSpc>
+                <a:spcPct val="100000"/>
+              </a:lnSpc>
+              <a:spcBef>
+                <a:spcPct val="30000"/>
+              </a:spcBef>
+              <a:spcAft>
+                <a:spcPct val="0"/>
+              </a:spcAft>
+              <a:buClrTx/>
+              <a:buSzTx/>
+              <a:buFontTx/>
+              <a:buNone/>
+              <a:tabLst/>
+              <a:defRPr/>
+            </a:pPr>
+            <a:r>
+              <a:rPr lang="en-US" dirty="0" smtClean="0"/>
+              <a:t>1) The Microsoft Ajax </a:t>
+            </a:r>
+            <a:r>
+              <a:rPr lang="en-US" dirty="0" smtClean="0">
+                <a:hlinkClick r:id="rId3"/>
+              </a:rPr>
+              <a:t>Timer</a:t>
+            </a:r>
+            <a:r>
+              <a:rPr lang="en-US" dirty="0" smtClean="0"/>
+              <a:t> control performs </a:t>
+            </a:r>
+            <a:r>
+              <a:rPr lang="en-US" dirty="0" err="1" smtClean="0"/>
+              <a:t>postbacks</a:t>
+            </a:r>
+            <a:r>
+              <a:rPr lang="en-US" dirty="0" smtClean="0"/>
+              <a:t> at defined intervals. If you use the </a:t>
+            </a:r>
+            <a:r>
+              <a:rPr lang="en-US" dirty="0" smtClean="0">
+                <a:hlinkClick r:id="rId3"/>
+              </a:rPr>
+              <a:t>Timer</a:t>
+            </a:r>
+            <a:r>
+              <a:rPr lang="en-US" dirty="0" smtClean="0"/>
+              <a:t> control with an </a:t>
+            </a:r>
+            <a:r>
+              <a:rPr lang="en-US" dirty="0" err="1" smtClean="0">
+                <a:hlinkClick r:id="rId4"/>
+              </a:rPr>
+              <a:t>UpdatePanel</a:t>
+            </a:r>
+            <a:r>
+              <a:rPr lang="en-US" dirty="0" smtClean="0"/>
+              <a:t> control, you can enable partial-page updates at a defined interval. You can also use the </a:t>
+            </a:r>
+            <a:r>
+              <a:rPr lang="en-US" dirty="0" smtClean="0">
+                <a:hlinkClick r:id="rId3"/>
+              </a:rPr>
+              <a:t>Timer</a:t>
+            </a:r>
+            <a:r>
+              <a:rPr lang="en-US" dirty="0" smtClean="0"/>
+              <a:t> control to post the whole page.</a:t>
+            </a:r>
+          </a:p>
+          <a:p>
+            <a:r>
+              <a:rPr lang="en-US" dirty="0" smtClean="0"/>
+              <a:t>2) The </a:t>
+            </a:r>
+            <a:r>
+              <a:rPr lang="en-US" dirty="0" smtClean="0">
+                <a:hlinkClick r:id="rId3"/>
+              </a:rPr>
+              <a:t>Timer</a:t>
+            </a:r>
+            <a:r>
+              <a:rPr lang="en-US" dirty="0" smtClean="0"/>
+              <a:t> control is a server control that embeds a JavaScript component into the Web page. The JavaScript component initiates the </a:t>
+            </a:r>
+            <a:r>
+              <a:rPr lang="en-US" dirty="0" err="1" smtClean="0"/>
+              <a:t>postback</a:t>
+            </a:r>
+            <a:r>
+              <a:rPr lang="en-US" dirty="0" smtClean="0"/>
+              <a:t> from the browser when the interval that is defined in the </a:t>
+            </a:r>
+            <a:r>
+              <a:rPr lang="en-US" dirty="0" smtClean="0">
+                <a:hlinkClick r:id="rId5"/>
+              </a:rPr>
+              <a:t>Interval</a:t>
+            </a:r>
+            <a:r>
+              <a:rPr lang="en-US" dirty="0" smtClean="0"/>
+              <a:t> property has elapsed. </a:t>
+            </a:r>
+            <a:endParaRPr lang="en-US" dirty="0"/>
+          </a:p>
+        </p:txBody>
+      </p:sp>
+      <p:sp>
+        <p:nvSpPr>
+          <p:cNvPr id="4" name="Header Placeholder 3"/>
+          <p:cNvSpPr>
+            <a:spLocks noGrp="1"/>
+          </p:cNvSpPr>
+          <p:nvPr>
+            <p:ph type="hdr" sz="quarter" idx="10"/>
+          </p:nvPr>
+        </p:nvSpPr>
+        <p:spPr/>
+        <p:txBody>
+          <a:bodyPr/>
+          <a:lstStyle/>
+          <a:p>
+            <a:r>
+              <a:rPr lang="en-US" smtClean="0"/>
+              <a:t>*</a:t>
+            </a:r>
+            <a:endParaRPr lang="en-US" sz="1300" i="0"/>
+          </a:p>
+        </p:txBody>
+      </p:sp>
+      <p:sp>
+        <p:nvSpPr>
+          <p:cNvPr id="5" name="Footer Placeholder 4"/>
+          <p:cNvSpPr>
+            <a:spLocks noGrp="1"/>
+          </p:cNvSpPr>
+          <p:nvPr>
+            <p:ph type="ftr" sz="quarter" idx="11"/>
+          </p:nvPr>
+        </p:nvSpPr>
+        <p:spPr/>
+        <p:txBody>
+          <a:bodyPr/>
+          <a:lstStyle/>
+          <a:p>
+            <a:r>
+              <a:rPr lang="en-US" smtClean="0"/>
+              <a:t>(c) 2005 National Academy for Software Development - http://academy.devbg.org. All rights reserved. Unauthorized copying or re-distribution is strictly prohibited.*</a:t>
+            </a:r>
+            <a:endParaRPr lang="en-US" sz="1300" i="0"/>
+          </a:p>
+        </p:txBody>
+      </p:sp>
+      <p:sp>
+        <p:nvSpPr>
+          <p:cNvPr id="6" name="Slide Number Placeholder 5"/>
+          <p:cNvSpPr>
+            <a:spLocks noGrp="1"/>
+          </p:cNvSpPr>
+          <p:nvPr>
+            <p:ph type="sldNum" sz="quarter" idx="12"/>
+          </p:nvPr>
+        </p:nvSpPr>
+        <p:spPr/>
+        <p:txBody>
+          <a:bodyPr/>
+          <a:lstStyle/>
+          <a:p>
+            <a:fld id="{625F40C3-04A4-4B2D-AC38-F17D07917260}" type="slidenum">
+              <a:rPr lang="en-US" smtClean="0"/>
+              <a:pPr/>
+              <a:t>16</a:t>
+            </a:fld>
+            <a:r>
+              <a:rPr lang="en-US" smtClean="0"/>
+              <a:t>##</a:t>
+            </a:r>
+            <a:endParaRPr lang="en-US" sz="1300" i="0"/>
+          </a:p>
+        </p:txBody>
+      </p:sp>
+    </p:spTree>
+    <p:extLst>
+      <p:ext uri="{BB962C8B-B14F-4D97-AF65-F5344CB8AC3E}">
+        <p14:creationId xmlns:p14="http://schemas.microsoft.com/office/powerpoint/2010/main" val="3963698091"/>
+      </p:ext>
+    </p:extLst>
+  </p:cSld>
+  <p:clrMapOvr>
+    <a:masterClrMapping/>
+  </p:clrMapOvr>
+</p:notes>
+</file>
+
+<file path=ppt/notesSlides/notesSlide15.xml><?xml version="1.0" encoding="utf-8"?>
+<p:notes xmlns:a="http://schemas.openxmlformats.org/drawingml/2006/main" xmlns:r="http://schemas.openxmlformats.org/officeDocument/2006/relationships" xmlns:p="http://schemas.openxmlformats.org/presentationml/2006/main">
+  <p:cSld>
+    <p:spTree>
+      <p:nvGrpSpPr>
+        <p:cNvPr id="1" name=""/>
+        <p:cNvGrpSpPr/>
+        <p:nvPr/>
+      </p:nvGrpSpPr>
+      <p:grpSpPr>
+        <a:xfrm>
+          <a:off x="0" y="0"/>
+          <a:ext cx="0" cy="0"/>
+          <a:chOff x="0" y="0"/>
+          <a:chExt cx="0" cy="0"/>
+        </a:xfrm>
+      </p:grpSpPr>
+      <p:sp>
+        <p:nvSpPr>
           <p:cNvPr id="4" name="Rectangle 6"/>
           <p:cNvSpPr>
             <a:spLocks noGrp="1" noChangeArrowheads="1"/>
@@ -1853,10 +2748,10 @@
           <a:bodyPr/>
           <a:lstStyle/>
           <a:p>
-            <a:fld id="{A69439D5-4205-4D23-807F-35DFCC6B631A}" type="slidenum">
+            <a:fld id="{39987B14-E06D-4D4C-AD29-146C61B24C88}" type="slidenum">
               <a:rPr lang="en-US"/>
               <a:pPr/>
-              <a:t>26</a:t>
+              <a:t>17</a:t>
             </a:fld>
             <a:r>
               <a:rPr lang="en-US" dirty="0"/>
@@ -1868,7 +2763,7 @@
       </p:sp>
       <p:sp>
         <p:nvSpPr>
-          <p:cNvPr id="526338" name="Rectangle 2"/>
+          <p:cNvPr id="516098" name="Rectangle 2"/>
           <p:cNvSpPr>
             <a:spLocks noGrp="1" noRot="1" noChangeAspect="1" noChangeArrowheads="1" noTextEdit="1"/>
           </p:cNvSpPr>
@@ -1882,7 +2777,7 @@
       </p:sp>
       <p:sp>
         <p:nvSpPr>
-          <p:cNvPr id="526339" name="Rectangle 3"/>
+          <p:cNvPr id="516099" name="Rectangle 3"/>
           <p:cNvSpPr>
             <a:spLocks noGrp="1" noChangeArrowheads="1"/>
           </p:cNvSpPr>
@@ -1900,6 +2795,647 @@
         </p:txBody>
       </p:sp>
     </p:spTree>
+  </p:cSld>
+  <p:clrMapOvr>
+    <a:masterClrMapping/>
+  </p:clrMapOvr>
+</p:notes>
+</file>
+
+<file path=ppt/notesSlides/notesSlide16.xml><?xml version="1.0" encoding="utf-8"?>
+<p:notes xmlns:a="http://schemas.openxmlformats.org/drawingml/2006/main" xmlns:r="http://schemas.openxmlformats.org/officeDocument/2006/relationships" xmlns:p="http://schemas.openxmlformats.org/presentationml/2006/main">
+  <p:cSld>
+    <p:spTree>
+      <p:nvGrpSpPr>
+        <p:cNvPr id="1" name=""/>
+        <p:cNvGrpSpPr/>
+        <p:nvPr/>
+      </p:nvGrpSpPr>
+      <p:grpSpPr>
+        <a:xfrm>
+          <a:off x="0" y="0"/>
+          <a:ext cx="0" cy="0"/>
+          <a:chOff x="0" y="0"/>
+          <a:chExt cx="0" cy="0"/>
+        </a:xfrm>
+      </p:grpSpPr>
+      <p:sp>
+        <p:nvSpPr>
+          <p:cNvPr id="2" name="Slide Image Placeholder 1"/>
+          <p:cNvSpPr>
+            <a:spLocks noGrp="1" noRot="1" noChangeAspect="1"/>
+          </p:cNvSpPr>
+          <p:nvPr>
+            <p:ph type="sldImg"/>
+          </p:nvPr>
+        </p:nvSpPr>
+        <p:spPr/>
+      </p:sp>
+      <p:sp>
+        <p:nvSpPr>
+          <p:cNvPr id="3" name="Notes Placeholder 2"/>
+          <p:cNvSpPr>
+            <a:spLocks noGrp="1"/>
+          </p:cNvSpPr>
+          <p:nvPr>
+            <p:ph type="body" idx="1"/>
+          </p:nvPr>
+        </p:nvSpPr>
+        <p:spPr/>
+        <p:txBody>
+          <a:bodyPr/>
+          <a:lstStyle/>
+          <a:p>
+            <a:pPr marL="0" marR="0" indent="0" algn="l" defTabSz="914400" rtl="0" eaLnBrk="1" fontAlgn="base" latinLnBrk="0" hangingPunct="1">
+              <a:lnSpc>
+                <a:spcPct val="100000"/>
+              </a:lnSpc>
+              <a:spcBef>
+                <a:spcPct val="30000"/>
+              </a:spcBef>
+              <a:spcAft>
+                <a:spcPct val="0"/>
+              </a:spcAft>
+              <a:buClrTx/>
+              <a:buSzTx/>
+              <a:buFontTx/>
+              <a:buNone/>
+              <a:tabLst/>
+              <a:defRPr/>
+            </a:pPr>
+            <a:r>
+              <a:rPr lang="en-US" dirty="0" smtClean="0"/>
+              <a:t>1) The </a:t>
+            </a:r>
+            <a:r>
+              <a:rPr lang="en-US" dirty="0" err="1" smtClean="0">
+                <a:hlinkClick r:id="rId3"/>
+              </a:rPr>
+              <a:t>UpdateProgress</a:t>
+            </a:r>
+            <a:r>
+              <a:rPr lang="en-US" dirty="0" smtClean="0"/>
+              <a:t> control provides status information about partial-page updates in </a:t>
+            </a:r>
+            <a:r>
+              <a:rPr lang="en-US" dirty="0" err="1" smtClean="0">
+                <a:hlinkClick r:id="rId4"/>
+              </a:rPr>
+              <a:t>UpdatePanel</a:t>
+            </a:r>
+            <a:r>
+              <a:rPr lang="en-US" dirty="0" smtClean="0"/>
+              <a:t> controls. You can customize the default content and the layout of the </a:t>
+            </a:r>
+            <a:r>
+              <a:rPr lang="en-US" dirty="0" err="1" smtClean="0">
+                <a:hlinkClick r:id="rId3"/>
+              </a:rPr>
+              <a:t>UpdateProgress</a:t>
+            </a:r>
+            <a:r>
+              <a:rPr lang="en-US" dirty="0" smtClean="0"/>
+              <a:t> control. To prevent flashing when a partial-page update is very fast, you can specify a delay before the </a:t>
+            </a:r>
+            <a:r>
+              <a:rPr lang="en-US" dirty="0" err="1" smtClean="0">
+                <a:hlinkClick r:id="rId3"/>
+              </a:rPr>
+              <a:t>UpdateProgress</a:t>
+            </a:r>
+            <a:r>
+              <a:rPr lang="en-US" dirty="0" smtClean="0"/>
+              <a:t> control is displayed.</a:t>
+            </a:r>
+          </a:p>
+          <a:p>
+            <a:endParaRPr lang="en-US" dirty="0"/>
+          </a:p>
+        </p:txBody>
+      </p:sp>
+      <p:sp>
+        <p:nvSpPr>
+          <p:cNvPr id="4" name="Header Placeholder 3"/>
+          <p:cNvSpPr>
+            <a:spLocks noGrp="1"/>
+          </p:cNvSpPr>
+          <p:nvPr>
+            <p:ph type="hdr" sz="quarter" idx="10"/>
+          </p:nvPr>
+        </p:nvSpPr>
+        <p:spPr/>
+        <p:txBody>
+          <a:bodyPr/>
+          <a:lstStyle/>
+          <a:p>
+            <a:r>
+              <a:rPr lang="en-US" smtClean="0"/>
+              <a:t>*</a:t>
+            </a:r>
+            <a:endParaRPr lang="en-US" sz="1300" i="0"/>
+          </a:p>
+        </p:txBody>
+      </p:sp>
+      <p:sp>
+        <p:nvSpPr>
+          <p:cNvPr id="5" name="Footer Placeholder 4"/>
+          <p:cNvSpPr>
+            <a:spLocks noGrp="1"/>
+          </p:cNvSpPr>
+          <p:nvPr>
+            <p:ph type="ftr" sz="quarter" idx="11"/>
+          </p:nvPr>
+        </p:nvSpPr>
+        <p:spPr/>
+        <p:txBody>
+          <a:bodyPr/>
+          <a:lstStyle/>
+          <a:p>
+            <a:r>
+              <a:rPr lang="en-US" smtClean="0"/>
+              <a:t>(c) 2005 National Academy for Software Development - http://academy.devbg.org. All rights reserved. Unauthorized copying or re-distribution is strictly prohibited.*</a:t>
+            </a:r>
+            <a:endParaRPr lang="en-US" sz="1300" i="0"/>
+          </a:p>
+        </p:txBody>
+      </p:sp>
+      <p:sp>
+        <p:nvSpPr>
+          <p:cNvPr id="6" name="Slide Number Placeholder 5"/>
+          <p:cNvSpPr>
+            <a:spLocks noGrp="1"/>
+          </p:cNvSpPr>
+          <p:nvPr>
+            <p:ph type="sldNum" sz="quarter" idx="12"/>
+          </p:nvPr>
+        </p:nvSpPr>
+        <p:spPr/>
+        <p:txBody>
+          <a:bodyPr/>
+          <a:lstStyle/>
+          <a:p>
+            <a:fld id="{625F40C3-04A4-4B2D-AC38-F17D07917260}" type="slidenum">
+              <a:rPr lang="en-US" smtClean="0"/>
+              <a:pPr/>
+              <a:t>18</a:t>
+            </a:fld>
+            <a:r>
+              <a:rPr lang="en-US" smtClean="0"/>
+              <a:t>##</a:t>
+            </a:r>
+            <a:endParaRPr lang="en-US" sz="1300" i="0"/>
+          </a:p>
+        </p:txBody>
+      </p:sp>
+    </p:spTree>
+    <p:extLst>
+      <p:ext uri="{BB962C8B-B14F-4D97-AF65-F5344CB8AC3E}">
+        <p14:creationId xmlns:p14="http://schemas.microsoft.com/office/powerpoint/2010/main" val="4192782576"/>
+      </p:ext>
+    </p:extLst>
+  </p:cSld>
+  <p:clrMapOvr>
+    <a:masterClrMapping/>
+  </p:clrMapOvr>
+</p:notes>
+</file>
+
+<file path=ppt/notesSlides/notesSlide17.xml><?xml version="1.0" encoding="utf-8"?>
+<p:notes xmlns:a="http://schemas.openxmlformats.org/drawingml/2006/main" xmlns:r="http://schemas.openxmlformats.org/officeDocument/2006/relationships" xmlns:p="http://schemas.openxmlformats.org/presentationml/2006/main">
+  <p:cSld>
+    <p:spTree>
+      <p:nvGrpSpPr>
+        <p:cNvPr id="1" name=""/>
+        <p:cNvGrpSpPr/>
+        <p:nvPr/>
+      </p:nvGrpSpPr>
+      <p:grpSpPr>
+        <a:xfrm>
+          <a:off x="0" y="0"/>
+          <a:ext cx="0" cy="0"/>
+          <a:chOff x="0" y="0"/>
+          <a:chExt cx="0" cy="0"/>
+        </a:xfrm>
+      </p:grpSpPr>
+      <p:sp>
+        <p:nvSpPr>
+          <p:cNvPr id="4" name="Rectangle 6"/>
+          <p:cNvSpPr>
+            <a:spLocks noGrp="1" noChangeArrowheads="1"/>
+          </p:cNvSpPr>
+          <p:nvPr>
+            <p:ph type="ftr" sz="quarter" idx="4"/>
+          </p:nvPr>
+        </p:nvSpPr>
+        <p:spPr>
+          <a:ln/>
+        </p:spPr>
+        <p:txBody>
+          <a:bodyPr/>
+          <a:lstStyle/>
+          <a:p>
+            <a:r>
+              <a:rPr lang="en-US" dirty="0"/>
+              <a:t>(c) 2005 National Academy for Software Development - http://academy.devbg.org. All rights reserved. Unauthorized copying or re-distribution is strictly prohibited.*</a:t>
+            </a:r>
+            <a:endParaRPr lang="en-US" sz="1300" i="0" dirty="0"/>
+          </a:p>
+        </p:txBody>
+      </p:sp>
+      <p:sp>
+        <p:nvSpPr>
+          <p:cNvPr id="5" name="Rectangle 7"/>
+          <p:cNvSpPr>
+            <a:spLocks noGrp="1" noChangeArrowheads="1"/>
+          </p:cNvSpPr>
+          <p:nvPr>
+            <p:ph type="sldNum" sz="quarter" idx="5"/>
+          </p:nvPr>
+        </p:nvSpPr>
+        <p:spPr>
+          <a:ln/>
+        </p:spPr>
+        <p:txBody>
+          <a:bodyPr/>
+          <a:lstStyle/>
+          <a:p>
+            <a:fld id="{D1FBC652-FC01-415B-8259-8DF0D6ADF42E}" type="slidenum">
+              <a:rPr lang="en-US"/>
+              <a:pPr/>
+              <a:t>19</a:t>
+            </a:fld>
+            <a:r>
+              <a:rPr lang="en-US" dirty="0"/>
+              <a:t>##</a:t>
+            </a:r>
+            <a:endParaRPr lang="en-US" sz="1300" i="0" dirty="0"/>
+          </a:p>
+        </p:txBody>
+      </p:sp>
+      <p:sp>
+        <p:nvSpPr>
+          <p:cNvPr id="524290" name="Rectangle 2"/>
+          <p:cNvSpPr>
+            <a:spLocks noGrp="1" noRot="1" noChangeAspect="1" noChangeArrowheads="1" noTextEdit="1"/>
+          </p:cNvSpPr>
+          <p:nvPr>
+            <p:ph type="sldImg"/>
+          </p:nvPr>
+        </p:nvSpPr>
+        <p:spPr>
+          <a:ln/>
+        </p:spPr>
+      </p:sp>
+      <p:sp>
+        <p:nvSpPr>
+          <p:cNvPr id="524291" name="Rectangle 3"/>
+          <p:cNvSpPr>
+            <a:spLocks noGrp="1" noChangeArrowheads="1"/>
+          </p:cNvSpPr>
+          <p:nvPr>
+            <p:ph type="body" idx="1"/>
+          </p:nvPr>
+        </p:nvSpPr>
+        <p:spPr/>
+        <p:txBody>
+          <a:bodyPr/>
+          <a:lstStyle/>
+          <a:p>
+            <a:endParaRPr lang="bg-BG"/>
+          </a:p>
+        </p:txBody>
+      </p:sp>
+    </p:spTree>
+  </p:cSld>
+  <p:clrMapOvr>
+    <a:masterClrMapping/>
+  </p:clrMapOvr>
+</p:notes>
+</file>
+
+<file path=ppt/notesSlides/notesSlide18.xml><?xml version="1.0" encoding="utf-8"?>
+<p:notes xmlns:a="http://schemas.openxmlformats.org/drawingml/2006/main" xmlns:r="http://schemas.openxmlformats.org/officeDocument/2006/relationships" xmlns:p="http://schemas.openxmlformats.org/presentationml/2006/main">
+  <p:cSld>
+    <p:spTree>
+      <p:nvGrpSpPr>
+        <p:cNvPr id="1" name=""/>
+        <p:cNvGrpSpPr/>
+        <p:nvPr/>
+      </p:nvGrpSpPr>
+      <p:grpSpPr>
+        <a:xfrm>
+          <a:off x="0" y="0"/>
+          <a:ext cx="0" cy="0"/>
+          <a:chOff x="0" y="0"/>
+          <a:chExt cx="0" cy="0"/>
+        </a:xfrm>
+      </p:grpSpPr>
+      <p:sp>
+        <p:nvSpPr>
+          <p:cNvPr id="4" name="Rectangle 6"/>
+          <p:cNvSpPr>
+            <a:spLocks noGrp="1" noChangeArrowheads="1"/>
+          </p:cNvSpPr>
+          <p:nvPr>
+            <p:ph type="ftr" sz="quarter" idx="4"/>
+          </p:nvPr>
+        </p:nvSpPr>
+        <p:spPr>
+          <a:ln/>
+        </p:spPr>
+        <p:txBody>
+          <a:bodyPr/>
+          <a:lstStyle/>
+          <a:p>
+            <a:r>
+              <a:rPr lang="en-US" dirty="0"/>
+              <a:t>(c) 2005 National Academy for Software Development - http://academy.devbg.org. All rights reserved. Unauthorized copying or re-distribution is strictly prohibited.*</a:t>
+            </a:r>
+            <a:endParaRPr lang="en-US" sz="1300" i="0" dirty="0"/>
+          </a:p>
+        </p:txBody>
+      </p:sp>
+      <p:sp>
+        <p:nvSpPr>
+          <p:cNvPr id="5" name="Rectangle 7"/>
+          <p:cNvSpPr>
+            <a:spLocks noGrp="1" noChangeArrowheads="1"/>
+          </p:cNvSpPr>
+          <p:nvPr>
+            <p:ph type="sldNum" sz="quarter" idx="5"/>
+          </p:nvPr>
+        </p:nvSpPr>
+        <p:spPr>
+          <a:ln/>
+        </p:spPr>
+        <p:txBody>
+          <a:bodyPr/>
+          <a:lstStyle/>
+          <a:p>
+            <a:fld id="{50226CCC-D425-470B-AE11-5965C9BFF4AE}" type="slidenum">
+              <a:rPr lang="en-US"/>
+              <a:pPr/>
+              <a:t>20</a:t>
+            </a:fld>
+            <a:r>
+              <a:rPr lang="en-US" dirty="0"/>
+              <a:t>##</a:t>
+            </a:r>
+            <a:endParaRPr lang="en-US" sz="1300" i="0" dirty="0"/>
+          </a:p>
+        </p:txBody>
+      </p:sp>
+      <p:sp>
+        <p:nvSpPr>
+          <p:cNvPr id="466946" name="Rectangle 2"/>
+          <p:cNvSpPr>
+            <a:spLocks noGrp="1" noRot="1" noChangeAspect="1" noChangeArrowheads="1" noTextEdit="1"/>
+          </p:cNvSpPr>
+          <p:nvPr>
+            <p:ph type="sldImg"/>
+          </p:nvPr>
+        </p:nvSpPr>
+        <p:spPr>
+          <a:ln/>
+        </p:spPr>
+      </p:sp>
+      <p:sp>
+        <p:nvSpPr>
+          <p:cNvPr id="466947" name="Rectangle 3"/>
+          <p:cNvSpPr>
+            <a:spLocks noGrp="1" noChangeArrowheads="1"/>
+          </p:cNvSpPr>
+          <p:nvPr>
+            <p:ph type="body" idx="1"/>
+          </p:nvPr>
+        </p:nvSpPr>
+        <p:spPr/>
+        <p:txBody>
+          <a:bodyPr/>
+          <a:lstStyle/>
+          <a:p>
+            <a:endParaRPr lang="bg-BG"/>
+          </a:p>
+        </p:txBody>
+      </p:sp>
+    </p:spTree>
+  </p:cSld>
+  <p:clrMapOvr>
+    <a:masterClrMapping/>
+  </p:clrMapOvr>
+</p:notes>
+</file>
+
+<file path=ppt/notesSlides/notesSlide19.xml><?xml version="1.0" encoding="utf-8"?>
+<p:notes xmlns:a="http://schemas.openxmlformats.org/drawingml/2006/main" xmlns:r="http://schemas.openxmlformats.org/officeDocument/2006/relationships" xmlns:p="http://schemas.openxmlformats.org/presentationml/2006/main">
+  <p:cSld>
+    <p:spTree>
+      <p:nvGrpSpPr>
+        <p:cNvPr id="1" name=""/>
+        <p:cNvGrpSpPr/>
+        <p:nvPr/>
+      </p:nvGrpSpPr>
+      <p:grpSpPr>
+        <a:xfrm>
+          <a:off x="0" y="0"/>
+          <a:ext cx="0" cy="0"/>
+          <a:chOff x="0" y="0"/>
+          <a:chExt cx="0" cy="0"/>
+        </a:xfrm>
+      </p:grpSpPr>
+      <p:sp>
+        <p:nvSpPr>
+          <p:cNvPr id="2" name="Slide Image Placeholder 1"/>
+          <p:cNvSpPr>
+            <a:spLocks noGrp="1" noRot="1" noChangeAspect="1"/>
+          </p:cNvSpPr>
+          <p:nvPr>
+            <p:ph type="sldImg"/>
+          </p:nvPr>
+        </p:nvSpPr>
+        <p:spPr/>
+      </p:sp>
+      <p:sp>
+        <p:nvSpPr>
+          <p:cNvPr id="3" name="Notes Placeholder 2"/>
+          <p:cNvSpPr>
+            <a:spLocks noGrp="1"/>
+          </p:cNvSpPr>
+          <p:nvPr>
+            <p:ph type="body" idx="1"/>
+          </p:nvPr>
+        </p:nvSpPr>
+        <p:spPr/>
+        <p:txBody>
+          <a:bodyPr/>
+          <a:lstStyle/>
+          <a:p>
+            <a:r>
+              <a:rPr lang="en-US" dirty="0" smtClean="0"/>
+              <a:t>1) The ASP.NET AJAX Control Toolkit is an open-source project built on top of the Microsoft ASP.NET AJAX framework. It is a joint effort between Microsoft and the ASP.NET AJAX community that provides a powerful infrastructure to write reusable, customizable and extensible ASP.NET AJAX extenders and controls.</a:t>
+            </a:r>
+          </a:p>
+          <a:p>
+            <a:r>
+              <a:rPr lang="en-US" dirty="0" smtClean="0"/>
+              <a:t>2) </a:t>
+            </a:r>
+            <a:r>
+              <a:rPr lang="en-US" dirty="0" err="1" smtClean="0">
+                <a:effectLst/>
+              </a:rPr>
+              <a:t>CascadingDropDown</a:t>
+            </a:r>
+            <a:r>
+              <a:rPr lang="en-US" dirty="0" smtClean="0">
+                <a:effectLst/>
+              </a:rPr>
+              <a:t> is an ASP.NET AJAX extender that can be attached to an ASP.NET </a:t>
+            </a:r>
+            <a:r>
+              <a:rPr lang="en-US" dirty="0" err="1" smtClean="0">
+                <a:effectLst/>
+              </a:rPr>
+              <a:t>DropDownList</a:t>
+            </a:r>
+            <a:r>
+              <a:rPr lang="en-US" dirty="0" smtClean="0">
+                <a:effectLst/>
+              </a:rPr>
+              <a:t> control to get automatic population of a set of </a:t>
+            </a:r>
+            <a:r>
+              <a:rPr lang="en-US" dirty="0" err="1" smtClean="0">
+                <a:effectLst/>
+              </a:rPr>
+              <a:t>DropDownList</a:t>
+            </a:r>
+            <a:r>
+              <a:rPr lang="en-US" dirty="0" smtClean="0">
+                <a:effectLst/>
+              </a:rPr>
+              <a:t> controls. Each time the selection of one the </a:t>
+            </a:r>
+            <a:r>
+              <a:rPr lang="en-US" dirty="0" err="1" smtClean="0">
+                <a:effectLst/>
+              </a:rPr>
+              <a:t>DropDownList</a:t>
+            </a:r>
+            <a:r>
+              <a:rPr lang="en-US" dirty="0" smtClean="0">
+                <a:effectLst/>
+              </a:rPr>
+              <a:t> controls changes, the </a:t>
+            </a:r>
+            <a:r>
+              <a:rPr lang="en-US" dirty="0" err="1" smtClean="0">
+                <a:effectLst/>
+              </a:rPr>
+              <a:t>CascadingDropDown</a:t>
+            </a:r>
+            <a:r>
+              <a:rPr lang="en-US" dirty="0" smtClean="0">
+                <a:effectLst/>
+              </a:rPr>
+              <a:t> makes a call to a specified web service to retrieve the list of values for the next </a:t>
+            </a:r>
+            <a:r>
+              <a:rPr lang="en-US" dirty="0" err="1" smtClean="0">
+                <a:effectLst/>
+              </a:rPr>
+              <a:t>DropDownList</a:t>
+            </a:r>
+            <a:r>
+              <a:rPr lang="en-US" dirty="0" smtClean="0">
+                <a:effectLst/>
+              </a:rPr>
+              <a:t> in the set</a:t>
+            </a:r>
+            <a:endParaRPr lang="en-US" dirty="0"/>
+          </a:p>
+        </p:txBody>
+      </p:sp>
+      <p:sp>
+        <p:nvSpPr>
+          <p:cNvPr id="4" name="Header Placeholder 3"/>
+          <p:cNvSpPr>
+            <a:spLocks noGrp="1"/>
+          </p:cNvSpPr>
+          <p:nvPr>
+            <p:ph type="hdr" sz="quarter" idx="10"/>
+          </p:nvPr>
+        </p:nvSpPr>
+        <p:spPr/>
+        <p:txBody>
+          <a:bodyPr/>
+          <a:lstStyle/>
+          <a:p>
+            <a:r>
+              <a:rPr lang="en-US" smtClean="0"/>
+              <a:t>*</a:t>
+            </a:r>
+            <a:endParaRPr lang="en-US" sz="1300" i="0"/>
+          </a:p>
+        </p:txBody>
+      </p:sp>
+      <p:sp>
+        <p:nvSpPr>
+          <p:cNvPr id="5" name="Footer Placeholder 4"/>
+          <p:cNvSpPr>
+            <a:spLocks noGrp="1"/>
+          </p:cNvSpPr>
+          <p:nvPr>
+            <p:ph type="ftr" sz="quarter" idx="11"/>
+          </p:nvPr>
+        </p:nvSpPr>
+        <p:spPr/>
+        <p:txBody>
+          <a:bodyPr/>
+          <a:lstStyle/>
+          <a:p>
+            <a:r>
+              <a:rPr lang="en-US" smtClean="0"/>
+              <a:t>(c) 2005 National Academy for Software Development - http://academy.devbg.org. All rights reserved. Unauthorized copying or re-distribution is strictly prohibited.*</a:t>
+            </a:r>
+            <a:endParaRPr lang="en-US" sz="1300" i="0"/>
+          </a:p>
+        </p:txBody>
+      </p:sp>
+      <p:sp>
+        <p:nvSpPr>
+          <p:cNvPr id="6" name="Slide Number Placeholder 5"/>
+          <p:cNvSpPr>
+            <a:spLocks noGrp="1"/>
+          </p:cNvSpPr>
+          <p:nvPr>
+            <p:ph type="sldNum" sz="quarter" idx="12"/>
+          </p:nvPr>
+        </p:nvSpPr>
+        <p:spPr/>
+        <p:txBody>
+          <a:bodyPr/>
+          <a:lstStyle/>
+          <a:p>
+            <a:fld id="{625F40C3-04A4-4B2D-AC38-F17D07917260}" type="slidenum">
+              <a:rPr lang="en-US" smtClean="0"/>
+              <a:pPr/>
+              <a:t>21</a:t>
+            </a:fld>
+            <a:r>
+              <a:rPr lang="en-US" smtClean="0"/>
+              <a:t>##</a:t>
+            </a:r>
+            <a:endParaRPr lang="en-US" sz="1300" i="0"/>
+          </a:p>
+        </p:txBody>
+      </p:sp>
+    </p:spTree>
+    <p:extLst>
+      <p:ext uri="{BB962C8B-B14F-4D97-AF65-F5344CB8AC3E}">
+        <p14:creationId xmlns:p14="http://schemas.microsoft.com/office/powerpoint/2010/main" val="368448054"/>
+      </p:ext>
+    </p:extLst>
   </p:cSld>
   <p:clrMapOvr>
     <a:masterClrMapping/>
@@ -1996,6 +3532,619 @@
       <p:sp>
         <p:nvSpPr>
           <p:cNvPr id="445443" name="Rectangle 3"/>
+          <p:cNvSpPr>
+            <a:spLocks noGrp="1" noChangeArrowheads="1"/>
+          </p:cNvSpPr>
+          <p:nvPr>
+            <p:ph type="body" idx="1"/>
+          </p:nvPr>
+        </p:nvSpPr>
+        <p:spPr/>
+        <p:txBody>
+          <a:bodyPr/>
+          <a:lstStyle/>
+          <a:p>
+            <a:endParaRPr lang="bg-BG"/>
+          </a:p>
+        </p:txBody>
+      </p:sp>
+    </p:spTree>
+  </p:cSld>
+  <p:clrMapOvr>
+    <a:masterClrMapping/>
+  </p:clrMapOvr>
+</p:notes>
+</file>
+
+<file path=ppt/notesSlides/notesSlide20.xml><?xml version="1.0" encoding="utf-8"?>
+<p:notes xmlns:a="http://schemas.openxmlformats.org/drawingml/2006/main" xmlns:r="http://schemas.openxmlformats.org/officeDocument/2006/relationships" xmlns:p="http://schemas.openxmlformats.org/presentationml/2006/main">
+  <p:cSld>
+    <p:spTree>
+      <p:nvGrpSpPr>
+        <p:cNvPr id="1" name=""/>
+        <p:cNvGrpSpPr/>
+        <p:nvPr/>
+      </p:nvGrpSpPr>
+      <p:grpSpPr>
+        <a:xfrm>
+          <a:off x="0" y="0"/>
+          <a:ext cx="0" cy="0"/>
+          <a:chOff x="0" y="0"/>
+          <a:chExt cx="0" cy="0"/>
+        </a:xfrm>
+      </p:grpSpPr>
+      <p:sp>
+        <p:nvSpPr>
+          <p:cNvPr id="2" name="Slide Image Placeholder 1"/>
+          <p:cNvSpPr>
+            <a:spLocks noGrp="1" noRot="1" noChangeAspect="1"/>
+          </p:cNvSpPr>
+          <p:nvPr>
+            <p:ph type="sldImg"/>
+          </p:nvPr>
+        </p:nvSpPr>
+        <p:spPr/>
+      </p:sp>
+      <p:sp>
+        <p:nvSpPr>
+          <p:cNvPr id="3" name="Notes Placeholder 2"/>
+          <p:cNvSpPr>
+            <a:spLocks noGrp="1"/>
+          </p:cNvSpPr>
+          <p:nvPr>
+            <p:ph type="body" idx="1"/>
+          </p:nvPr>
+        </p:nvSpPr>
+        <p:spPr/>
+        <p:txBody>
+          <a:bodyPr/>
+          <a:lstStyle/>
+          <a:p>
+            <a:r>
+              <a:rPr lang="en-US" dirty="0" smtClean="0"/>
+              <a:t>1) </a:t>
+            </a:r>
+            <a:r>
+              <a:rPr lang="en-US" dirty="0" smtClean="0">
+                <a:effectLst/>
+              </a:rPr>
+              <a:t>The </a:t>
+            </a:r>
+            <a:r>
+              <a:rPr lang="en-US" dirty="0" err="1" smtClean="0">
+                <a:effectLst/>
+              </a:rPr>
+              <a:t>CollapsiblePanel</a:t>
+            </a:r>
+            <a:r>
+              <a:rPr lang="en-US" dirty="0" smtClean="0">
+                <a:effectLst/>
+              </a:rPr>
+              <a:t> is a very flexible extender that allows you to easily add collapsible sections to your web page. This extender targets any ASP.NET Panel control. The page developer specifies which control(s) on the page should be the open/close controller for the panel, or the panel can be set to automatically expand and/or collapse when the mouse cursor moves in or out of it, respectively. </a:t>
+            </a:r>
+          </a:p>
+          <a:p>
+            <a:r>
+              <a:rPr lang="en-US" dirty="0" smtClean="0">
+                <a:effectLst/>
+              </a:rPr>
+              <a:t/>
+            </a:r>
+            <a:br>
+              <a:rPr lang="en-US" dirty="0" smtClean="0">
+                <a:effectLst/>
+              </a:rPr>
+            </a:br>
+            <a:r>
+              <a:rPr lang="en-US" dirty="0" smtClean="0">
+                <a:effectLst/>
+              </a:rPr>
+              <a:t>2) </a:t>
+            </a:r>
+            <a:r>
+              <a:rPr lang="en-US" dirty="0" err="1" smtClean="0">
+                <a:effectLst/>
+              </a:rPr>
+              <a:t>ConfirmButton</a:t>
+            </a:r>
+            <a:r>
+              <a:rPr lang="en-US" dirty="0" smtClean="0">
+                <a:effectLst/>
+              </a:rPr>
+              <a:t> is a simple extender that catches clicks on a button (or any instance of a type derived from Button) and displays a message to the user. If the "OK" button is clicked, the button or link functions normally. If not, the click is trapped and the button will not perform its default submit behavior; optionally, a client script is executed if the </a:t>
+            </a:r>
+            <a:r>
+              <a:rPr lang="en-US" dirty="0" err="1" smtClean="0">
+                <a:effectLst/>
+              </a:rPr>
+              <a:t>OnClientCancel</a:t>
+            </a:r>
+            <a:r>
+              <a:rPr lang="en-US" dirty="0" smtClean="0">
+                <a:effectLst/>
+              </a:rPr>
+              <a:t> property is set. This is useful for delete links or anything else that requires confirmation from the user.</a:t>
+            </a:r>
+          </a:p>
+          <a:p>
+            <a:endParaRPr lang="en-US" dirty="0" smtClean="0">
+              <a:effectLst/>
+            </a:endParaRPr>
+          </a:p>
+          <a:p>
+            <a:r>
+              <a:rPr lang="en-US" dirty="0" smtClean="0">
+                <a:effectLst/>
+              </a:rPr>
+              <a:t>3) The </a:t>
+            </a:r>
+            <a:r>
+              <a:rPr lang="en-US" dirty="0" err="1" smtClean="0">
+                <a:effectLst/>
+              </a:rPr>
+              <a:t>DragPanel</a:t>
+            </a:r>
+            <a:r>
+              <a:rPr lang="en-US" dirty="0" smtClean="0">
+                <a:effectLst/>
+              </a:rPr>
+              <a:t> extender allows users to easily add "</a:t>
+            </a:r>
+            <a:r>
+              <a:rPr lang="en-US" dirty="0" err="1" smtClean="0">
+                <a:effectLst/>
+              </a:rPr>
+              <a:t>draggability</a:t>
+            </a:r>
+            <a:r>
+              <a:rPr lang="en-US" dirty="0" smtClean="0">
+                <a:effectLst/>
+              </a:rPr>
+              <a:t>" to their controls. The </a:t>
+            </a:r>
+            <a:r>
+              <a:rPr lang="en-US" dirty="0" err="1" smtClean="0">
+                <a:effectLst/>
+              </a:rPr>
+              <a:t>DragPanel</a:t>
+            </a:r>
+            <a:r>
+              <a:rPr lang="en-US" dirty="0" smtClean="0">
+                <a:effectLst/>
+              </a:rPr>
+              <a:t> targets any ASP.NET Panel and takes an additional parameter that signifies the control to use as the "drag handle". Once initialized, the user can freely drag the panel around the web page using the drag handle.</a:t>
+            </a:r>
+          </a:p>
+          <a:p>
+            <a:endParaRPr lang="en-US" dirty="0" smtClean="0">
+              <a:effectLst/>
+            </a:endParaRPr>
+          </a:p>
+          <a:p>
+            <a:r>
+              <a:rPr lang="en-US" dirty="0" smtClean="0">
+                <a:effectLst/>
+              </a:rPr>
+              <a:t>4) The </a:t>
+            </a:r>
+            <a:r>
+              <a:rPr lang="en-US" dirty="0" err="1" smtClean="0">
+                <a:effectLst/>
+              </a:rPr>
+              <a:t>ModalPopup</a:t>
+            </a:r>
+            <a:r>
+              <a:rPr lang="en-US" dirty="0" smtClean="0">
+                <a:effectLst/>
+              </a:rPr>
+              <a:t> extender allows a page to display content to the user in a "modal" manner which prevents the user from interacting with the rest of the page. The modal content can be any hierarchy of controls and is displayed above a background that can have a custom style applied to it. </a:t>
+            </a:r>
+            <a:endParaRPr lang="en-US" dirty="0"/>
+          </a:p>
+        </p:txBody>
+      </p:sp>
+      <p:sp>
+        <p:nvSpPr>
+          <p:cNvPr id="4" name="Header Placeholder 3"/>
+          <p:cNvSpPr>
+            <a:spLocks noGrp="1"/>
+          </p:cNvSpPr>
+          <p:nvPr>
+            <p:ph type="hdr" sz="quarter" idx="10"/>
+          </p:nvPr>
+        </p:nvSpPr>
+        <p:spPr/>
+        <p:txBody>
+          <a:bodyPr/>
+          <a:lstStyle/>
+          <a:p>
+            <a:r>
+              <a:rPr lang="en-US" smtClean="0"/>
+              <a:t>*</a:t>
+            </a:r>
+            <a:endParaRPr lang="en-US" sz="1300" i="0"/>
+          </a:p>
+        </p:txBody>
+      </p:sp>
+      <p:sp>
+        <p:nvSpPr>
+          <p:cNvPr id="5" name="Footer Placeholder 4"/>
+          <p:cNvSpPr>
+            <a:spLocks noGrp="1"/>
+          </p:cNvSpPr>
+          <p:nvPr>
+            <p:ph type="ftr" sz="quarter" idx="11"/>
+          </p:nvPr>
+        </p:nvSpPr>
+        <p:spPr/>
+        <p:txBody>
+          <a:bodyPr/>
+          <a:lstStyle/>
+          <a:p>
+            <a:r>
+              <a:rPr lang="en-US" smtClean="0"/>
+              <a:t>(c) 2005 National Academy for Software Development - http://academy.devbg.org. All rights reserved. Unauthorized copying or re-distribution is strictly prohibited.*</a:t>
+            </a:r>
+            <a:endParaRPr lang="en-US" sz="1300" i="0"/>
+          </a:p>
+        </p:txBody>
+      </p:sp>
+      <p:sp>
+        <p:nvSpPr>
+          <p:cNvPr id="6" name="Slide Number Placeholder 5"/>
+          <p:cNvSpPr>
+            <a:spLocks noGrp="1"/>
+          </p:cNvSpPr>
+          <p:nvPr>
+            <p:ph type="sldNum" sz="quarter" idx="12"/>
+          </p:nvPr>
+        </p:nvSpPr>
+        <p:spPr/>
+        <p:txBody>
+          <a:bodyPr/>
+          <a:lstStyle/>
+          <a:p>
+            <a:fld id="{625F40C3-04A4-4B2D-AC38-F17D07917260}" type="slidenum">
+              <a:rPr lang="en-US" smtClean="0"/>
+              <a:pPr/>
+              <a:t>22</a:t>
+            </a:fld>
+            <a:r>
+              <a:rPr lang="en-US" smtClean="0"/>
+              <a:t>##</a:t>
+            </a:r>
+            <a:endParaRPr lang="en-US" sz="1300" i="0"/>
+          </a:p>
+        </p:txBody>
+      </p:sp>
+    </p:spTree>
+    <p:extLst>
+      <p:ext uri="{BB962C8B-B14F-4D97-AF65-F5344CB8AC3E}">
+        <p14:creationId xmlns:p14="http://schemas.microsoft.com/office/powerpoint/2010/main" val="3996121354"/>
+      </p:ext>
+    </p:extLst>
+  </p:cSld>
+  <p:clrMapOvr>
+    <a:masterClrMapping/>
+  </p:clrMapOvr>
+</p:notes>
+</file>
+
+<file path=ppt/notesSlides/notesSlide21.xml><?xml version="1.0" encoding="utf-8"?>
+<p:notes xmlns:a="http://schemas.openxmlformats.org/drawingml/2006/main" xmlns:r="http://schemas.openxmlformats.org/officeDocument/2006/relationships" xmlns:p="http://schemas.openxmlformats.org/presentationml/2006/main">
+  <p:cSld>
+    <p:spTree>
+      <p:nvGrpSpPr>
+        <p:cNvPr id="1" name=""/>
+        <p:cNvGrpSpPr/>
+        <p:nvPr/>
+      </p:nvGrpSpPr>
+      <p:grpSpPr>
+        <a:xfrm>
+          <a:off x="0" y="0"/>
+          <a:ext cx="0" cy="0"/>
+          <a:chOff x="0" y="0"/>
+          <a:chExt cx="0" cy="0"/>
+        </a:xfrm>
+      </p:grpSpPr>
+      <p:sp>
+        <p:nvSpPr>
+          <p:cNvPr id="4" name="Rectangle 6"/>
+          <p:cNvSpPr>
+            <a:spLocks noGrp="1" noChangeArrowheads="1"/>
+          </p:cNvSpPr>
+          <p:nvPr>
+            <p:ph type="ftr" sz="quarter" idx="4"/>
+          </p:nvPr>
+        </p:nvSpPr>
+        <p:spPr>
+          <a:ln/>
+        </p:spPr>
+        <p:txBody>
+          <a:bodyPr/>
+          <a:lstStyle/>
+          <a:p>
+            <a:r>
+              <a:rPr lang="en-US" dirty="0"/>
+              <a:t>(c) 2005 National Academy for Software Development - http://academy.devbg.org. All rights reserved. Unauthorized copying or re-distribution is strictly prohibited.*</a:t>
+            </a:r>
+            <a:endParaRPr lang="en-US" sz="1300" i="0" dirty="0"/>
+          </a:p>
+        </p:txBody>
+      </p:sp>
+      <p:sp>
+        <p:nvSpPr>
+          <p:cNvPr id="5" name="Rectangle 7"/>
+          <p:cNvSpPr>
+            <a:spLocks noGrp="1" noChangeArrowheads="1"/>
+          </p:cNvSpPr>
+          <p:nvPr>
+            <p:ph type="sldNum" sz="quarter" idx="5"/>
+          </p:nvPr>
+        </p:nvSpPr>
+        <p:spPr>
+          <a:ln/>
+        </p:spPr>
+        <p:txBody>
+          <a:bodyPr/>
+          <a:lstStyle/>
+          <a:p>
+            <a:fld id="{50226CCC-D425-470B-AE11-5965C9BFF4AE}" type="slidenum">
+              <a:rPr lang="en-US"/>
+              <a:pPr/>
+              <a:t>23</a:t>
+            </a:fld>
+            <a:r>
+              <a:rPr lang="en-US" dirty="0"/>
+              <a:t>##</a:t>
+            </a:r>
+            <a:endParaRPr lang="en-US" sz="1300" i="0" dirty="0"/>
+          </a:p>
+        </p:txBody>
+      </p:sp>
+      <p:sp>
+        <p:nvSpPr>
+          <p:cNvPr id="466946" name="Rectangle 2"/>
+          <p:cNvSpPr>
+            <a:spLocks noGrp="1" noRot="1" noChangeAspect="1" noChangeArrowheads="1" noTextEdit="1"/>
+          </p:cNvSpPr>
+          <p:nvPr>
+            <p:ph type="sldImg"/>
+          </p:nvPr>
+        </p:nvSpPr>
+        <p:spPr>
+          <a:ln/>
+        </p:spPr>
+      </p:sp>
+      <p:sp>
+        <p:nvSpPr>
+          <p:cNvPr id="466947" name="Rectangle 3"/>
+          <p:cNvSpPr>
+            <a:spLocks noGrp="1" noChangeArrowheads="1"/>
+          </p:cNvSpPr>
+          <p:nvPr>
+            <p:ph type="body" idx="1"/>
+          </p:nvPr>
+        </p:nvSpPr>
+        <p:spPr/>
+        <p:txBody>
+          <a:bodyPr/>
+          <a:lstStyle/>
+          <a:p>
+            <a:endParaRPr lang="bg-BG"/>
+          </a:p>
+        </p:txBody>
+      </p:sp>
+    </p:spTree>
+  </p:cSld>
+  <p:clrMapOvr>
+    <a:masterClrMapping/>
+  </p:clrMapOvr>
+</p:notes>
+</file>
+
+<file path=ppt/notesSlides/notesSlide22.xml><?xml version="1.0" encoding="utf-8"?>
+<p:notes xmlns:a="http://schemas.openxmlformats.org/drawingml/2006/main" xmlns:r="http://schemas.openxmlformats.org/officeDocument/2006/relationships" xmlns:p="http://schemas.openxmlformats.org/presentationml/2006/main">
+  <p:cSld>
+    <p:spTree>
+      <p:nvGrpSpPr>
+        <p:cNvPr id="1" name=""/>
+        <p:cNvGrpSpPr/>
+        <p:nvPr/>
+      </p:nvGrpSpPr>
+      <p:grpSpPr>
+        <a:xfrm>
+          <a:off x="0" y="0"/>
+          <a:ext cx="0" cy="0"/>
+          <a:chOff x="0" y="0"/>
+          <a:chExt cx="0" cy="0"/>
+        </a:xfrm>
+      </p:grpSpPr>
+      <p:sp>
+        <p:nvSpPr>
+          <p:cNvPr id="4" name="Rectangle 6"/>
+          <p:cNvSpPr>
+            <a:spLocks noGrp="1" noChangeArrowheads="1"/>
+          </p:cNvSpPr>
+          <p:nvPr>
+            <p:ph type="ftr" sz="quarter" idx="4"/>
+          </p:nvPr>
+        </p:nvSpPr>
+        <p:spPr>
+          <a:ln/>
+        </p:spPr>
+        <p:txBody>
+          <a:bodyPr/>
+          <a:lstStyle/>
+          <a:p>
+            <a:r>
+              <a:rPr lang="en-US" dirty="0"/>
+              <a:t>(c) 2005 National Academy for Software Development - http://academy.devbg.org. All rights reserved. Unauthorized copying or re-distribution is strictly prohibited.*</a:t>
+            </a:r>
+            <a:endParaRPr lang="en-US" sz="1300" i="0" dirty="0"/>
+          </a:p>
+        </p:txBody>
+      </p:sp>
+      <p:sp>
+        <p:nvSpPr>
+          <p:cNvPr id="5" name="Rectangle 7"/>
+          <p:cNvSpPr>
+            <a:spLocks noGrp="1" noChangeArrowheads="1"/>
+          </p:cNvSpPr>
+          <p:nvPr>
+            <p:ph type="sldNum" sz="quarter" idx="5"/>
+          </p:nvPr>
+        </p:nvSpPr>
+        <p:spPr>
+          <a:ln/>
+        </p:spPr>
+        <p:txBody>
+          <a:bodyPr/>
+          <a:lstStyle/>
+          <a:p>
+            <a:fld id="{FDA49C5C-23CA-4C3C-BCB6-18D4D452EDA7}" type="slidenum">
+              <a:rPr lang="en-US"/>
+              <a:pPr/>
+              <a:t>25</a:t>
+            </a:fld>
+            <a:r>
+              <a:rPr lang="en-US" dirty="0"/>
+              <a:t>##</a:t>
+            </a:r>
+            <a:endParaRPr lang="en-US" sz="1300" i="0" dirty="0"/>
+          </a:p>
+        </p:txBody>
+      </p:sp>
+      <p:sp>
+        <p:nvSpPr>
+          <p:cNvPr id="427010" name="Rectangle 2"/>
+          <p:cNvSpPr>
+            <a:spLocks noGrp="1" noRot="1" noChangeAspect="1" noChangeArrowheads="1" noTextEdit="1"/>
+          </p:cNvSpPr>
+          <p:nvPr>
+            <p:ph type="sldImg"/>
+          </p:nvPr>
+        </p:nvSpPr>
+        <p:spPr>
+          <a:ln/>
+        </p:spPr>
+      </p:sp>
+      <p:sp>
+        <p:nvSpPr>
+          <p:cNvPr id="427011" name="Rectangle 3"/>
+          <p:cNvSpPr>
+            <a:spLocks noGrp="1" noChangeArrowheads="1"/>
+          </p:cNvSpPr>
+          <p:nvPr>
+            <p:ph type="body" idx="1"/>
+          </p:nvPr>
+        </p:nvSpPr>
+        <p:spPr/>
+        <p:txBody>
+          <a:bodyPr/>
+          <a:lstStyle/>
+          <a:p>
+            <a:endParaRPr lang="bg-BG"/>
+          </a:p>
+        </p:txBody>
+      </p:sp>
+    </p:spTree>
+  </p:cSld>
+  <p:clrMapOvr>
+    <a:masterClrMapping/>
+  </p:clrMapOvr>
+</p:notes>
+</file>
+
+<file path=ppt/notesSlides/notesSlide23.xml><?xml version="1.0" encoding="utf-8"?>
+<p:notes xmlns:a="http://schemas.openxmlformats.org/drawingml/2006/main" xmlns:r="http://schemas.openxmlformats.org/officeDocument/2006/relationships" xmlns:p="http://schemas.openxmlformats.org/presentationml/2006/main">
+  <p:cSld>
+    <p:spTree>
+      <p:nvGrpSpPr>
+        <p:cNvPr id="1" name=""/>
+        <p:cNvGrpSpPr/>
+        <p:nvPr/>
+      </p:nvGrpSpPr>
+      <p:grpSpPr>
+        <a:xfrm>
+          <a:off x="0" y="0"/>
+          <a:ext cx="0" cy="0"/>
+          <a:chOff x="0" y="0"/>
+          <a:chExt cx="0" cy="0"/>
+        </a:xfrm>
+      </p:grpSpPr>
+      <p:sp>
+        <p:nvSpPr>
+          <p:cNvPr id="4" name="Rectangle 6"/>
+          <p:cNvSpPr>
+            <a:spLocks noGrp="1" noChangeArrowheads="1"/>
+          </p:cNvSpPr>
+          <p:nvPr>
+            <p:ph type="ftr" sz="quarter" idx="4"/>
+          </p:nvPr>
+        </p:nvSpPr>
+        <p:spPr>
+          <a:ln/>
+        </p:spPr>
+        <p:txBody>
+          <a:bodyPr/>
+          <a:lstStyle/>
+          <a:p>
+            <a:r>
+              <a:rPr lang="en-US" dirty="0"/>
+              <a:t>(c) 2005 National Academy for Software Development - http://academy.devbg.org. All rights reserved. Unauthorized copying or re-distribution is strictly prohibited.*</a:t>
+            </a:r>
+            <a:endParaRPr lang="en-US" sz="1300" i="0" dirty="0"/>
+          </a:p>
+        </p:txBody>
+      </p:sp>
+      <p:sp>
+        <p:nvSpPr>
+          <p:cNvPr id="5" name="Rectangle 7"/>
+          <p:cNvSpPr>
+            <a:spLocks noGrp="1" noChangeArrowheads="1"/>
+          </p:cNvSpPr>
+          <p:nvPr>
+            <p:ph type="sldNum" sz="quarter" idx="5"/>
+          </p:nvPr>
+        </p:nvSpPr>
+        <p:spPr>
+          <a:ln/>
+        </p:spPr>
+        <p:txBody>
+          <a:bodyPr/>
+          <a:lstStyle/>
+          <a:p>
+            <a:fld id="{A69439D5-4205-4D23-807F-35DFCC6B631A}" type="slidenum">
+              <a:rPr lang="en-US"/>
+              <a:pPr/>
+              <a:t>26</a:t>
+            </a:fld>
+            <a:r>
+              <a:rPr lang="en-US" dirty="0"/>
+              <a:t>##</a:t>
+            </a:r>
+            <a:endParaRPr lang="en-US" sz="1300" i="0" dirty="0"/>
+          </a:p>
+        </p:txBody>
+      </p:sp>
+      <p:sp>
+        <p:nvSpPr>
+          <p:cNvPr id="526338" name="Rectangle 2"/>
+          <p:cNvSpPr>
+            <a:spLocks noGrp="1" noRot="1" noChangeAspect="1" noChangeArrowheads="1" noTextEdit="1"/>
+          </p:cNvSpPr>
+          <p:nvPr>
+            <p:ph type="sldImg"/>
+          </p:nvPr>
+        </p:nvSpPr>
+        <p:spPr>
+          <a:ln/>
+        </p:spPr>
+      </p:sp>
+      <p:sp>
+        <p:nvSpPr>
+          <p:cNvPr id="526339" name="Rectangle 3"/>
           <p:cNvSpPr>
             <a:spLocks noGrp="1" noChangeArrowheads="1"/>
           </p:cNvSpPr>
@@ -2121,7 +4270,7 @@
           <a:bodyPr/>
           <a:lstStyle/>
           <a:p>
-            <a:endParaRPr lang="bg-BG"/>
+            <a:endParaRPr lang="bg-BG" dirty="0"/>
           </a:p>
         </p:txBody>
       </p:sp>
@@ -2152,388 +4301,198 @@
       </p:grpSpPr>
       <p:sp>
         <p:nvSpPr>
-          <p:cNvPr id="9" name="Rectangle 6"/>
-          <p:cNvSpPr>
-            <a:spLocks noGrp="1" noChangeArrowheads="1"/>
-          </p:cNvSpPr>
-          <p:nvPr>
-            <p:ph type="ftr" sz="quarter" idx="4"/>
-          </p:nvPr>
-        </p:nvSpPr>
-        <p:spPr>
-          <a:ln/>
-        </p:spPr>
-        <p:txBody>
-          <a:bodyPr/>
-          <a:lstStyle/>
-          <a:p>
-            <a:r>
-              <a:rPr lang="en-US" dirty="0"/>
-              <a:t>(c) 2005 National Academy for Software Development - http://academy.devbg.org. All rights reserved. Unauthorized copying or re-distribution is strictly prohibited.*</a:t>
-            </a:r>
-            <a:endParaRPr lang="en-US" sz="1300" i="0" dirty="0"/>
-          </a:p>
-        </p:txBody>
-      </p:sp>
-      <p:sp>
-        <p:nvSpPr>
-          <p:cNvPr id="10" name="Rectangle 7"/>
-          <p:cNvSpPr>
-            <a:spLocks noGrp="1" noChangeArrowheads="1"/>
-          </p:cNvSpPr>
-          <p:nvPr>
-            <p:ph type="sldNum" sz="quarter" idx="5"/>
-          </p:nvPr>
-        </p:nvSpPr>
-        <p:spPr>
-          <a:ln/>
-        </p:spPr>
-        <p:txBody>
-          <a:bodyPr/>
-          <a:lstStyle/>
-          <a:p>
-            <a:fld id="{60A04E8C-6230-444E-9DBC-7C6C82BF131A}" type="slidenum">
-              <a:rPr lang="en-US"/>
-              <a:pPr/>
-              <a:t>6</a:t>
-            </a:fld>
-            <a:r>
-              <a:rPr lang="en-US" dirty="0"/>
-              <a:t>##</a:t>
-            </a:r>
-            <a:endParaRPr lang="en-US" sz="1300" i="0" dirty="0"/>
-          </a:p>
-        </p:txBody>
-      </p:sp>
-      <p:sp>
-        <p:nvSpPr>
-          <p:cNvPr id="471042" name="Rectangle 7"/>
-          <p:cNvSpPr txBox="1">
-            <a:spLocks noGrp="1" noChangeArrowheads="1"/>
-          </p:cNvSpPr>
-          <p:nvPr/>
-        </p:nvSpPr>
-        <p:spPr bwMode="auto">
-          <a:xfrm>
-            <a:off x="4021979" y="9720673"/>
-            <a:ext cx="3075631" cy="512303"/>
-          </a:xfrm>
-          <a:prstGeom prst="rect">
-            <a:avLst/>
-          </a:prstGeom>
-          <a:noFill/>
-          <a:ln w="9525">
-            <a:noFill/>
-            <a:miter lim="800000"/>
-            <a:headEnd/>
-            <a:tailEnd/>
-          </a:ln>
-        </p:spPr>
-        <p:txBody>
-          <a:bodyPr lIns="95500" tIns="47750" rIns="95500" bIns="47750" anchor="b"/>
-          <a:lstStyle/>
-          <a:p>
-            <a:pPr algn="r" eaLnBrk="1" hangingPunct="1">
-              <a:lnSpc>
-                <a:spcPct val="100000"/>
-              </a:lnSpc>
-            </a:pPr>
-            <a:fld id="{BC2BE73C-6104-4597-83BD-36FEAED1E226}" type="slidenum">
-              <a:rPr kumimoji="0" lang="en-US" sz="1300" b="0">
-                <a:solidFill>
-                  <a:schemeClr val="tx1"/>
-                </a:solidFill>
-                <a:effectLst/>
-              </a:rPr>
-              <a:pPr algn="r" eaLnBrk="1" hangingPunct="1">
-                <a:lnSpc>
-                  <a:spcPct val="100000"/>
-                </a:lnSpc>
-              </a:pPr>
-              <a:t>6</a:t>
-            </a:fld>
-            <a:endParaRPr kumimoji="0" lang="en-US" sz="1300" b="0" dirty="0">
-              <a:solidFill>
-                <a:schemeClr val="tx1"/>
-              </a:solidFill>
-              <a:effectLst/>
-            </a:endParaRPr>
-          </a:p>
-        </p:txBody>
-      </p:sp>
-      <p:sp>
-        <p:nvSpPr>
-          <p:cNvPr id="471043" name="Rectangle 21"/>
-          <p:cNvSpPr>
-            <a:spLocks noGrp="1" noRot="1" noChangeAspect="1" noTextEdit="1"/>
+          <p:cNvPr id="2" name="Slide Image Placeholder 1"/>
+          <p:cNvSpPr>
+            <a:spLocks noGrp="1" noRot="1" noChangeAspect="1"/>
           </p:cNvSpPr>
           <p:nvPr>
             <p:ph type="sldImg"/>
           </p:nvPr>
         </p:nvSpPr>
-        <p:spPr>
-          <a:ln algn="ctr">
-            <a:round/>
-          </a:ln>
-        </p:spPr>
-      </p:sp>
-      <p:sp>
-        <p:nvSpPr>
-          <p:cNvPr id="471044" name="Rectangle 12"/>
-          <p:cNvSpPr>
-            <a:spLocks noGrp="1" noChangeArrowheads="1"/>
+        <p:spPr/>
+      </p:sp>
+      <p:sp>
+        <p:nvSpPr>
+          <p:cNvPr id="3" name="Notes Placeholder 2"/>
+          <p:cNvSpPr>
+            <a:spLocks noGrp="1"/>
           </p:cNvSpPr>
           <p:nvPr>
             <p:ph type="body" idx="1"/>
           </p:nvPr>
         </p:nvSpPr>
-        <p:spPr>
-          <a:xfrm>
-            <a:off x="709761" y="4861155"/>
-            <a:ext cx="5679778" cy="4605821"/>
-          </a:xfrm>
-        </p:spPr>
-        <p:txBody>
-          <a:bodyPr lIns="95500" tIns="47750" rIns="95500" bIns="47750"/>
+        <p:spPr/>
+        <p:txBody>
+          <a:bodyPr/>
           <a:lstStyle/>
           <a:p>
-            <a:endParaRPr lang="bg-BG"/>
-          </a:p>
-        </p:txBody>
-      </p:sp>
-      <p:sp>
-        <p:nvSpPr>
-          <p:cNvPr id="471045" name="Rectangle 7"/>
-          <p:cNvSpPr>
-            <a:spLocks noChangeArrowheads="1"/>
-          </p:cNvSpPr>
-          <p:nvPr/>
-        </p:nvSpPr>
-        <p:spPr bwMode="auto">
-          <a:xfrm>
-            <a:off x="4021979" y="0"/>
-            <a:ext cx="3075631" cy="512304"/>
-          </a:xfrm>
-          <a:prstGeom prst="rect">
-            <a:avLst/>
-          </a:prstGeom>
-          <a:noFill/>
-          <a:ln w="9525">
-            <a:noFill/>
-            <a:miter lim="800000"/>
-            <a:headEnd/>
-            <a:tailEnd/>
-          </a:ln>
-        </p:spPr>
-        <p:txBody>
-          <a:bodyPr lIns="95500" tIns="47750" rIns="95500" bIns="47750"/>
+            <a:pPr marL="228600" indent="-228600">
+              <a:buAutoNum type="arabicParenR"/>
+            </a:pPr>
+            <a:r>
+              <a:rPr lang="en-US" dirty="0" smtClean="0"/>
+              <a:t>AJAX is an acronym that stands for "</a:t>
+            </a:r>
+            <a:r>
+              <a:rPr lang="en-US" dirty="0" err="1" smtClean="0"/>
+              <a:t>Asyncronous</a:t>
+            </a:r>
+            <a:r>
+              <a:rPr lang="en-US" dirty="0" smtClean="0"/>
+              <a:t> </a:t>
+            </a:r>
+            <a:r>
+              <a:rPr lang="en-US" dirty="0" err="1" smtClean="0"/>
+              <a:t>Javascript</a:t>
+            </a:r>
+            <a:r>
+              <a:rPr lang="en-US" dirty="0" smtClean="0"/>
+              <a:t> And XML". AJAX is a technique, not a product or a brand. AJAX techniques are used to allow a website to communicate with the server without having to load a new page into the browser. By communicating with the server while the page is still loaded, data can be retrieved and dynamically inserted into the existing page.</a:t>
+            </a:r>
+          </a:p>
+          <a:p>
+            <a:pPr marL="228600" indent="-228600">
+              <a:buAutoNum type="arabicParenR"/>
+            </a:pPr>
+            <a:r>
+              <a:rPr lang="en-US" dirty="0" smtClean="0"/>
+              <a:t>By allowing a page to communicate with the web server without being reloaded in full, it is possible to create faster and more responsive user interfaces than is possible using the traditional model whereby a new page is loaded with each request by the user.</a:t>
+            </a:r>
+          </a:p>
+          <a:p>
+            <a:pPr marL="228600" indent="-228600">
+              <a:buAutoNum type="arabicParenR"/>
+            </a:pPr>
+            <a:r>
+              <a:rPr lang="en-US" dirty="0" smtClean="0"/>
+              <a:t>The term </a:t>
+            </a:r>
+            <a:r>
+              <a:rPr lang="en-US" i="1" dirty="0" smtClean="0"/>
+              <a:t>Ajax</a:t>
+            </a:r>
+            <a:r>
+              <a:rPr lang="en-US" dirty="0" smtClean="0"/>
+              <a:t> has come to represent a broad group of web technologies that can be used to implement a web application that communicates with a server in the background, without interfering with the current state of the page</a:t>
+            </a:r>
+          </a:p>
+          <a:p>
+            <a:pPr marL="228600" indent="-228600">
+              <a:buAutoNum type="arabicParenR"/>
+            </a:pPr>
+            <a:r>
+              <a:rPr lang="en-US" dirty="0" smtClean="0">
+                <a:effectLst/>
+              </a:rPr>
+              <a:t>The Microsoft AJAX Library consists of two related parts: JavaScript language extensions and a sort of base class library to provide predefined services and tools to developers. The Microsoft AJAX Library itself is self-contained, written in JavaScript, and stored in a couple of .</a:t>
+            </a:r>
+            <a:r>
+              <a:rPr lang="en-US" dirty="0" err="1" smtClean="0">
+                <a:effectLst/>
+              </a:rPr>
+              <a:t>js</a:t>
+            </a:r>
+            <a:r>
+              <a:rPr lang="en-US" dirty="0" smtClean="0">
+                <a:effectLst/>
+              </a:rPr>
+              <a:t> files. This means that any programming environment that accepts JavaScript can successfully use the Microsoft AJAX Library provided that the constituent files are properly referenced. There are two main files involved in the Microsoft AJAX Library: MicrosoftAjax.js and MicrosoftAjaxWebForms.js. </a:t>
+            </a:r>
+          </a:p>
+          <a:p>
+            <a:pPr marL="228600" indent="-228600">
+              <a:buAutoNum type="arabicParenR"/>
+            </a:pPr>
+            <a:r>
+              <a:rPr lang="en-US" dirty="0" smtClean="0">
+                <a:effectLst/>
+              </a:rPr>
+              <a:t>What's the benefit of using the Microsoft AJAX Library? The library extends the JavaScript programming environment by adding a number of predefined objects that provide new language features such as namespaces, enumerated types, delegates, stronger typing, and inheritance. </a:t>
+            </a:r>
+            <a:endParaRPr lang="en-US" dirty="0"/>
+          </a:p>
+        </p:txBody>
+      </p:sp>
+      <p:sp>
+        <p:nvSpPr>
+          <p:cNvPr id="4" name="Header Placeholder 3"/>
+          <p:cNvSpPr>
+            <a:spLocks noGrp="1"/>
+          </p:cNvSpPr>
+          <p:nvPr>
+            <p:ph type="hdr" sz="quarter" idx="10"/>
+          </p:nvPr>
+        </p:nvSpPr>
+        <p:spPr/>
+        <p:txBody>
+          <a:bodyPr/>
           <a:lstStyle/>
           <a:p>
-            <a:pPr eaLnBrk="1" hangingPunct="1">
-              <a:lnSpc>
-                <a:spcPct val="100000"/>
-              </a:lnSpc>
-            </a:pPr>
-            <a:fld id="{886994BA-9469-4D76-8A81-B3F957534EEF}" type="datetime8">
-              <a:rPr kumimoji="0" lang="en-US" sz="1300" b="0">
-                <a:solidFill>
-                  <a:schemeClr val="tx1"/>
-                </a:solidFill>
-                <a:effectLst/>
-                <a:latin typeface="Times New Roman" pitchFamily="18" charset="0"/>
-              </a:rPr>
-              <a:pPr eaLnBrk="1" hangingPunct="1">
-                <a:lnSpc>
-                  <a:spcPct val="100000"/>
-                </a:lnSpc>
-              </a:pPr>
-              <a:t>10/12/2010 11:49</a:t>
+            <a:r>
+              <a:rPr lang="en-US" smtClean="0"/>
+              <a:t>*</a:t>
+            </a:r>
+            <a:endParaRPr lang="en-US" sz="1300" i="0"/>
+          </a:p>
+        </p:txBody>
+      </p:sp>
+      <p:sp>
+        <p:nvSpPr>
+          <p:cNvPr id="5" name="Footer Placeholder 4"/>
+          <p:cNvSpPr>
+            <a:spLocks noGrp="1"/>
+          </p:cNvSpPr>
+          <p:nvPr>
+            <p:ph type="ftr" sz="quarter" idx="11"/>
+          </p:nvPr>
+        </p:nvSpPr>
+        <p:spPr/>
+        <p:txBody>
+          <a:bodyPr/>
+          <a:lstStyle/>
+          <a:p>
+            <a:r>
+              <a:rPr lang="en-US" smtClean="0"/>
+              <a:t>(c) 2005 National Academy for Software Development - http://academy.devbg.org. All rights reserved. Unauthorized copying or re-distribution is strictly prohibited.*</a:t>
+            </a:r>
+            <a:endParaRPr lang="en-US" sz="1300" i="0"/>
+          </a:p>
+        </p:txBody>
+      </p:sp>
+      <p:sp>
+        <p:nvSpPr>
+          <p:cNvPr id="6" name="Slide Number Placeholder 5"/>
+          <p:cNvSpPr>
+            <a:spLocks noGrp="1"/>
+          </p:cNvSpPr>
+          <p:nvPr>
+            <p:ph type="sldNum" sz="quarter" idx="12"/>
+          </p:nvPr>
+        </p:nvSpPr>
+        <p:spPr/>
+        <p:txBody>
+          <a:bodyPr/>
+          <a:lstStyle/>
+          <a:p>
+            <a:fld id="{625F40C3-04A4-4B2D-AC38-F17D07917260}" type="slidenum">
+              <a:rPr lang="en-US" smtClean="0"/>
+              <a:pPr/>
+              <a:t>4</a:t>
             </a:fld>
-            <a:endParaRPr lang="en-US" sz="1900" b="0" dirty="0">
-              <a:solidFill>
-                <a:schemeClr val="tx1"/>
-              </a:solidFill>
-              <a:effectLst/>
-            </a:endParaRPr>
-          </a:p>
-        </p:txBody>
-      </p:sp>
-      <p:sp>
-        <p:nvSpPr>
-          <p:cNvPr id="471046" name="Rectangle 19"/>
-          <p:cNvSpPr>
-            <a:spLocks noChangeArrowheads="1"/>
-          </p:cNvSpPr>
-          <p:nvPr/>
-        </p:nvSpPr>
-        <p:spPr bwMode="auto">
-          <a:xfrm>
-            <a:off x="0" y="9840155"/>
-            <a:ext cx="5867357" cy="392821"/>
-          </a:xfrm>
-          <a:prstGeom prst="rect">
-            <a:avLst/>
-          </a:prstGeom>
-          <a:noFill/>
-          <a:ln w="9525">
-            <a:noFill/>
-            <a:miter lim="800000"/>
-            <a:headEnd/>
-            <a:tailEnd/>
-          </a:ln>
-        </p:spPr>
-        <p:txBody>
-          <a:bodyPr lIns="95500" tIns="47750" rIns="95500" bIns="47750" anchor="b"/>
-          <a:lstStyle/>
-          <a:p>
-            <a:pPr hangingPunct="1">
-              <a:lnSpc>
-                <a:spcPct val="100000"/>
-              </a:lnSpc>
-            </a:pPr>
-            <a:r>
-              <a:rPr kumimoji="0" lang="en-US" sz="800" b="0" dirty="0">
-                <a:solidFill>
-                  <a:schemeClr val="tx1"/>
-                </a:solidFill>
-                <a:effectLst/>
-                <a:latin typeface="Segoe" pitchFamily="34" charset="0"/>
-              </a:rPr>
-              <a:t>©2005 Microsoft Corporation. All rights reserved.</a:t>
-            </a:r>
-            <a:endParaRPr kumimoji="0" lang="en-US" sz="1900" b="0" dirty="0">
-              <a:solidFill>
-                <a:schemeClr val="tx1"/>
-              </a:solidFill>
-              <a:effectLst/>
-            </a:endParaRPr>
-          </a:p>
-          <a:p>
-            <a:pPr eaLnBrk="1">
-              <a:lnSpc>
-                <a:spcPct val="100000"/>
-              </a:lnSpc>
-            </a:pPr>
-            <a:r>
-              <a:rPr kumimoji="0" lang="en-US" sz="800" b="0" dirty="0">
-                <a:solidFill>
-                  <a:schemeClr val="tx1"/>
-                </a:solidFill>
-                <a:effectLst/>
-                <a:latin typeface="Segoe" pitchFamily="34" charset="0"/>
-                <a:cs typeface="Arial" charset="0"/>
-              </a:rPr>
-              <a:t>This presentation is for informational purposes only. Microsoft makes no warranties, express or implied, in this summary.</a:t>
-            </a:r>
-            <a:endParaRPr lang="en-US" sz="1900" b="0" dirty="0">
-              <a:solidFill>
-                <a:schemeClr val="tx1"/>
-              </a:solidFill>
-              <a:effectLst/>
-            </a:endParaRPr>
-          </a:p>
-        </p:txBody>
-      </p:sp>
-      <p:sp>
-        <p:nvSpPr>
-          <p:cNvPr id="471047" name="Rectangle 16"/>
-          <p:cNvSpPr>
-            <a:spLocks noChangeArrowheads="1"/>
-          </p:cNvSpPr>
-          <p:nvPr/>
-        </p:nvSpPr>
-        <p:spPr bwMode="auto">
-          <a:xfrm>
-            <a:off x="5779482" y="9720673"/>
-            <a:ext cx="1318127" cy="512303"/>
-          </a:xfrm>
-          <a:prstGeom prst="rect">
-            <a:avLst/>
-          </a:prstGeom>
-          <a:noFill/>
-          <a:ln w="9525">
-            <a:noFill/>
-            <a:miter lim="800000"/>
-            <a:headEnd/>
-            <a:tailEnd/>
-          </a:ln>
-        </p:spPr>
-        <p:txBody>
-          <a:bodyPr lIns="95500" tIns="47750" rIns="95500" bIns="47750" anchor="b"/>
-          <a:lstStyle/>
-          <a:p>
-            <a:pPr eaLnBrk="1" hangingPunct="1">
-              <a:lnSpc>
-                <a:spcPct val="100000"/>
-              </a:lnSpc>
-            </a:pPr>
-            <a:fld id="{9F125ECA-73E7-44E1-8D53-7F900E547C45}" type="slidenum">
-              <a:rPr kumimoji="0" lang="en-US" sz="1300" b="0">
-                <a:solidFill>
-                  <a:schemeClr val="tx1"/>
-                </a:solidFill>
-                <a:effectLst/>
-                <a:latin typeface="Times New Roman" pitchFamily="18" charset="0"/>
-              </a:rPr>
-              <a:pPr eaLnBrk="1" hangingPunct="1">
-                <a:lnSpc>
-                  <a:spcPct val="100000"/>
-                </a:lnSpc>
-              </a:pPr>
-              <a:t>6</a:t>
-            </a:fld>
-            <a:endParaRPr lang="en-US" sz="1900" b="0" dirty="0">
-              <a:solidFill>
-                <a:schemeClr val="tx1"/>
-              </a:solidFill>
-              <a:effectLst/>
-            </a:endParaRPr>
-          </a:p>
-        </p:txBody>
-      </p:sp>
-      <p:sp>
-        <p:nvSpPr>
-          <p:cNvPr id="471048" name="Rectangle 2"/>
-          <p:cNvSpPr>
-            <a:spLocks noChangeArrowheads="1"/>
-          </p:cNvSpPr>
-          <p:nvPr/>
-        </p:nvSpPr>
-        <p:spPr bwMode="auto">
-          <a:xfrm>
-            <a:off x="0" y="0"/>
-            <a:ext cx="3075631" cy="512304"/>
-          </a:xfrm>
-          <a:prstGeom prst="rect">
-            <a:avLst/>
-          </a:prstGeom>
-          <a:noFill/>
-          <a:ln w="9525">
-            <a:noFill/>
-            <a:miter lim="800000"/>
-            <a:headEnd/>
-            <a:tailEnd/>
-          </a:ln>
-        </p:spPr>
-        <p:txBody>
-          <a:bodyPr lIns="95500" tIns="47750" rIns="95500" bIns="47750"/>
-          <a:lstStyle/>
-          <a:p>
-            <a:pPr eaLnBrk="1" hangingPunct="1">
-              <a:lnSpc>
-                <a:spcPct val="100000"/>
-              </a:lnSpc>
-            </a:pPr>
-            <a:endParaRPr kumimoji="0" lang="bg-BG" sz="1900" b="0" dirty="0">
-              <a:solidFill>
-                <a:schemeClr val="tx1"/>
-              </a:solidFill>
-              <a:effectLst/>
-            </a:endParaRPr>
+            <a:r>
+              <a:rPr lang="en-US" smtClean="0"/>
+              <a:t>##</a:t>
+            </a:r>
+            <a:endParaRPr lang="en-US" sz="1300" i="0"/>
           </a:p>
         </p:txBody>
       </p:sp>
     </p:spTree>
+    <p:extLst>
+      <p:ext uri="{BB962C8B-B14F-4D97-AF65-F5344CB8AC3E}">
+        <p14:creationId xmlns:p14="http://schemas.microsoft.com/office/powerpoint/2010/main" val="3533073356"/>
+      </p:ext>
+    </p:extLst>
   </p:cSld>
   <p:clrMapOvr>
     <a:masterClrMapping/>
@@ -2560,7 +4519,7 @@
       </p:grpSpPr>
       <p:sp>
         <p:nvSpPr>
-          <p:cNvPr id="4" name="Rectangle 6"/>
+          <p:cNvPr id="9" name="Rectangle 6"/>
           <p:cNvSpPr>
             <a:spLocks noGrp="1" noChangeArrowheads="1"/>
           </p:cNvSpPr>
@@ -2585,7 +4544,7 @@
       </p:sp>
       <p:sp>
         <p:nvSpPr>
-          <p:cNvPr id="5" name="Rectangle 7"/>
+          <p:cNvPr id="10" name="Rectangle 7"/>
           <p:cNvSpPr>
             <a:spLocks noGrp="1" noChangeArrowheads="1"/>
           </p:cNvSpPr>
@@ -2600,10 +4559,10 @@
           <a:bodyPr/>
           <a:lstStyle/>
           <a:p>
-            <a:fld id="{1F5FC367-EC0D-4ABC-BD99-419E22CDD367}" type="slidenum">
+            <a:fld id="{60A04E8C-6230-444E-9DBC-7C6C82BF131A}" type="slidenum">
               <a:rPr lang="en-US"/>
               <a:pPr/>
-              <a:t>7</a:t>
+              <a:t>6</a:t>
             </a:fld>
             <a:r>
               <a:rPr lang="en-US" dirty="0"/>
@@ -2615,7 +4574,7 @@
       </p:sp>
       <p:sp>
         <p:nvSpPr>
-          <p:cNvPr id="473090" name="Rectangle 7"/>
+          <p:cNvPr id="471042" name="Rectangle 7"/>
           <p:cNvSpPr txBox="1">
             <a:spLocks noGrp="1" noChangeArrowheads="1"/>
           </p:cNvSpPr>
@@ -2646,7 +4605,7 @@
                 <a:spcPct val="100000"/>
               </a:lnSpc>
             </a:pPr>
-            <a:fld id="{AE19323D-097F-49CC-AD6C-CFDB94762FBB}" type="slidenum">
+            <a:fld id="{BC2BE73C-6104-4597-83BD-36FEAED1E226}" type="slidenum">
               <a:rPr kumimoji="0" lang="en-US" sz="1300" b="0">
                 <a:solidFill>
                   <a:schemeClr val="tx1"/>
@@ -2658,7 +4617,7 @@
                   <a:spcPct val="100000"/>
                 </a:lnSpc>
               </a:pPr>
-              <a:t>7</a:t>
+              <a:t>6</a:t>
             </a:fld>
             <a:endParaRPr kumimoji="0" lang="en-US" sz="1300" b="0" dirty="0">
               <a:solidFill>
@@ -2671,17 +4630,422 @@
       </p:sp>
       <p:sp>
         <p:nvSpPr>
-          <p:cNvPr id="473091" name="Rectangle 2"/>
-          <p:cNvSpPr>
-            <a:spLocks noGrp="1" noRot="1" noChangeAspect="1" noChangeArrowheads="1" noTextEdit="1"/>
+          <p:cNvPr id="471043" name="Rectangle 21"/>
+          <p:cNvSpPr>
+            <a:spLocks noGrp="1" noRot="1" noChangeAspect="1" noTextEdit="1"/>
           </p:cNvSpPr>
           <p:nvPr>
             <p:ph type="sldImg"/>
           </p:nvPr>
         </p:nvSpPr>
         <p:spPr>
-          <a:ln/>
+          <a:ln algn="ctr">
+            <a:round/>
+          </a:ln>
         </p:spPr>
+      </p:sp>
+      <p:sp>
+        <p:nvSpPr>
+          <p:cNvPr id="471044" name="Rectangle 12"/>
+          <p:cNvSpPr>
+            <a:spLocks noGrp="1" noChangeArrowheads="1"/>
+          </p:cNvSpPr>
+          <p:nvPr>
+            <p:ph type="body" idx="1"/>
+          </p:nvPr>
+        </p:nvSpPr>
+        <p:spPr>
+          <a:xfrm>
+            <a:off x="709761" y="4861155"/>
+            <a:ext cx="5679778" cy="4605821"/>
+          </a:xfrm>
+        </p:spPr>
+        <p:txBody>
+          <a:bodyPr lIns="95500" tIns="47750" rIns="95500" bIns="47750"/>
+          <a:lstStyle/>
+          <a:p>
+            <a:pPr marL="0" marR="0" indent="0" algn="l" defTabSz="914400" rtl="0" eaLnBrk="1" fontAlgn="base" latinLnBrk="0" hangingPunct="1">
+              <a:lnSpc>
+                <a:spcPct val="100000"/>
+              </a:lnSpc>
+              <a:spcBef>
+                <a:spcPct val="30000"/>
+              </a:spcBef>
+              <a:spcAft>
+                <a:spcPct val="0"/>
+              </a:spcAft>
+              <a:buClrTx/>
+              <a:buSzTx/>
+              <a:buFontTx/>
+              <a:buNone/>
+              <a:tabLst/>
+              <a:defRPr/>
+            </a:pPr>
+            <a:r>
+              <a:rPr lang="en-US" dirty="0" smtClean="0"/>
+              <a:t>1)</a:t>
+            </a:r>
+            <a:r>
+              <a:rPr lang="en-US" baseline="0" dirty="0" smtClean="0"/>
+              <a:t> </a:t>
+            </a:r>
+            <a:r>
+              <a:rPr lang="en-US" dirty="0" smtClean="0"/>
+              <a:t>The DOM is the data structure your browser uses to record Web pages. Structurally it's a tree of tags, each tag may contain multiple tags below it, corresponding to the format of a HTML (or XML) document. You can use </a:t>
+            </a:r>
+            <a:r>
+              <a:rPr lang="en-US" dirty="0" err="1" smtClean="0"/>
+              <a:t>Javascript</a:t>
+            </a:r>
+            <a:r>
+              <a:rPr lang="en-US" dirty="0" smtClean="0"/>
+              <a:t> to examine or change the contents of the DOM dynamically after a page has been loaded -- this is one of the major foundations of AJAX.</a:t>
+            </a:r>
+          </a:p>
+          <a:p>
+            <a:r>
+              <a:rPr lang="en-US" dirty="0" smtClean="0"/>
+              <a:t>2) </a:t>
+            </a:r>
+            <a:r>
+              <a:rPr lang="en-US" dirty="0" smtClean="0">
+                <a:effectLst/>
+              </a:rPr>
+              <a:t>The </a:t>
+            </a:r>
+            <a:r>
+              <a:rPr lang="en-US" dirty="0" err="1" smtClean="0">
+                <a:effectLst/>
+              </a:rPr>
+              <a:t>XMLHttpRequest</a:t>
+            </a:r>
+            <a:r>
+              <a:rPr lang="en-US" dirty="0" smtClean="0">
+                <a:effectLst/>
+              </a:rPr>
+              <a:t> object is used to exchange data with a server behind the scenes.</a:t>
+            </a:r>
+            <a:r>
+              <a:rPr lang="en-US" baseline="0" dirty="0" smtClean="0">
+                <a:effectLst/>
+              </a:rPr>
+              <a:t> </a:t>
+            </a:r>
+            <a:r>
+              <a:rPr lang="en-US" dirty="0" smtClean="0">
+                <a:effectLst/>
+              </a:rPr>
+              <a:t>The </a:t>
+            </a:r>
+            <a:r>
+              <a:rPr lang="en-US" dirty="0" err="1" smtClean="0">
+                <a:effectLst/>
+              </a:rPr>
+              <a:t>XMLHttpRequest</a:t>
+            </a:r>
+            <a:r>
+              <a:rPr lang="en-US" dirty="0" smtClean="0">
+                <a:effectLst/>
+              </a:rPr>
+              <a:t> object is </a:t>
+            </a:r>
+            <a:r>
+              <a:rPr lang="en-US" b="1" dirty="0" smtClean="0">
+                <a:effectLst/>
+              </a:rPr>
+              <a:t>a developer's dream</a:t>
+            </a:r>
+            <a:r>
+              <a:rPr lang="en-US" dirty="0" smtClean="0">
+                <a:effectLst/>
+              </a:rPr>
+              <a:t>, because you can:</a:t>
+            </a:r>
+          </a:p>
+          <a:p>
+            <a:pPr marL="628650" lvl="1" indent="-171450">
+              <a:buFont typeface="Arial" pitchFamily="34" charset="0"/>
+              <a:buChar char="•"/>
+            </a:pPr>
+            <a:r>
+              <a:rPr lang="en-US" dirty="0" smtClean="0">
+                <a:effectLst/>
+              </a:rPr>
+              <a:t>Update a web page without reloading the page</a:t>
+            </a:r>
+          </a:p>
+          <a:p>
+            <a:pPr marL="628650" lvl="1" indent="-171450">
+              <a:buFont typeface="Arial" pitchFamily="34" charset="0"/>
+              <a:buChar char="•"/>
+            </a:pPr>
+            <a:r>
+              <a:rPr lang="en-US" dirty="0" smtClean="0">
+                <a:effectLst/>
+              </a:rPr>
+              <a:t>Request data from a server after the page has loaded </a:t>
+            </a:r>
+          </a:p>
+          <a:p>
+            <a:pPr marL="628650" lvl="1" indent="-171450">
+              <a:buFont typeface="Arial" pitchFamily="34" charset="0"/>
+              <a:buChar char="•"/>
+            </a:pPr>
+            <a:r>
+              <a:rPr lang="en-US" dirty="0" smtClean="0">
+                <a:effectLst/>
+              </a:rPr>
+              <a:t>Receive data from a server after the page has loaded</a:t>
+            </a:r>
+          </a:p>
+          <a:p>
+            <a:pPr marL="628650" lvl="1" indent="-171450">
+              <a:buFont typeface="Arial" pitchFamily="34" charset="0"/>
+              <a:buChar char="•"/>
+            </a:pPr>
+            <a:r>
+              <a:rPr lang="en-US" dirty="0" smtClean="0">
+                <a:effectLst/>
+              </a:rPr>
+              <a:t>Send data to a server in the background</a:t>
+            </a:r>
+          </a:p>
+          <a:p>
+            <a:endParaRPr lang="bg-BG" dirty="0"/>
+          </a:p>
+        </p:txBody>
+      </p:sp>
+      <p:sp>
+        <p:nvSpPr>
+          <p:cNvPr id="471045" name="Rectangle 7"/>
+          <p:cNvSpPr>
+            <a:spLocks noChangeArrowheads="1"/>
+          </p:cNvSpPr>
+          <p:nvPr/>
+        </p:nvSpPr>
+        <p:spPr bwMode="auto">
+          <a:xfrm>
+            <a:off x="4021979" y="0"/>
+            <a:ext cx="3075631" cy="512304"/>
+          </a:xfrm>
+          <a:prstGeom prst="rect">
+            <a:avLst/>
+          </a:prstGeom>
+          <a:noFill/>
+          <a:ln w="9525">
+            <a:noFill/>
+            <a:miter lim="800000"/>
+            <a:headEnd/>
+            <a:tailEnd/>
+          </a:ln>
+        </p:spPr>
+        <p:txBody>
+          <a:bodyPr lIns="95500" tIns="47750" rIns="95500" bIns="47750"/>
+          <a:lstStyle/>
+          <a:p>
+            <a:pPr eaLnBrk="1" hangingPunct="1">
+              <a:lnSpc>
+                <a:spcPct val="100000"/>
+              </a:lnSpc>
+            </a:pPr>
+            <a:fld id="{886994BA-9469-4D76-8A81-B3F957534EEF}" type="datetime8">
+              <a:rPr kumimoji="0" lang="en-US" sz="1300" b="0">
+                <a:solidFill>
+                  <a:schemeClr val="tx1"/>
+                </a:solidFill>
+                <a:effectLst/>
+                <a:latin typeface="Times New Roman" pitchFamily="18" charset="0"/>
+              </a:rPr>
+              <a:pPr eaLnBrk="1" hangingPunct="1">
+                <a:lnSpc>
+                  <a:spcPct val="100000"/>
+                </a:lnSpc>
+              </a:pPr>
+              <a:t>1/11/2011 5:39 PM</a:t>
+            </a:fld>
+            <a:endParaRPr lang="en-US" sz="1900" b="0" dirty="0">
+              <a:solidFill>
+                <a:schemeClr val="tx1"/>
+              </a:solidFill>
+              <a:effectLst/>
+            </a:endParaRPr>
+          </a:p>
+        </p:txBody>
+      </p:sp>
+      <p:sp>
+        <p:nvSpPr>
+          <p:cNvPr id="471046" name="Rectangle 19"/>
+          <p:cNvSpPr>
+            <a:spLocks noChangeArrowheads="1"/>
+          </p:cNvSpPr>
+          <p:nvPr/>
+        </p:nvSpPr>
+        <p:spPr bwMode="auto">
+          <a:xfrm>
+            <a:off x="0" y="9840155"/>
+            <a:ext cx="5867357" cy="392821"/>
+          </a:xfrm>
+          <a:prstGeom prst="rect">
+            <a:avLst/>
+          </a:prstGeom>
+          <a:noFill/>
+          <a:ln w="9525">
+            <a:noFill/>
+            <a:miter lim="800000"/>
+            <a:headEnd/>
+            <a:tailEnd/>
+          </a:ln>
+        </p:spPr>
+        <p:txBody>
+          <a:bodyPr lIns="95500" tIns="47750" rIns="95500" bIns="47750" anchor="b"/>
+          <a:lstStyle/>
+          <a:p>
+            <a:pPr hangingPunct="1">
+              <a:lnSpc>
+                <a:spcPct val="100000"/>
+              </a:lnSpc>
+            </a:pPr>
+            <a:r>
+              <a:rPr kumimoji="0" lang="en-US" sz="800" b="0" dirty="0">
+                <a:solidFill>
+                  <a:schemeClr val="tx1"/>
+                </a:solidFill>
+                <a:effectLst/>
+                <a:latin typeface="Segoe" pitchFamily="34" charset="0"/>
+              </a:rPr>
+              <a:t>©2005 Microsoft Corporation. All rights reserved.</a:t>
+            </a:r>
+            <a:endParaRPr kumimoji="0" lang="en-US" sz="1900" b="0" dirty="0">
+              <a:solidFill>
+                <a:schemeClr val="tx1"/>
+              </a:solidFill>
+              <a:effectLst/>
+            </a:endParaRPr>
+          </a:p>
+          <a:p>
+            <a:pPr eaLnBrk="1">
+              <a:lnSpc>
+                <a:spcPct val="100000"/>
+              </a:lnSpc>
+            </a:pPr>
+            <a:r>
+              <a:rPr kumimoji="0" lang="en-US" sz="800" b="0" dirty="0">
+                <a:solidFill>
+                  <a:schemeClr val="tx1"/>
+                </a:solidFill>
+                <a:effectLst/>
+                <a:latin typeface="Segoe" pitchFamily="34" charset="0"/>
+                <a:cs typeface="Arial" charset="0"/>
+              </a:rPr>
+              <a:t>This presentation is for informational purposes only. Microsoft makes no warranties, express or implied, in this summary.</a:t>
+            </a:r>
+            <a:endParaRPr lang="en-US" sz="1900" b="0" dirty="0">
+              <a:solidFill>
+                <a:schemeClr val="tx1"/>
+              </a:solidFill>
+              <a:effectLst/>
+            </a:endParaRPr>
+          </a:p>
+        </p:txBody>
+      </p:sp>
+      <p:sp>
+        <p:nvSpPr>
+          <p:cNvPr id="471047" name="Rectangle 16"/>
+          <p:cNvSpPr>
+            <a:spLocks noChangeArrowheads="1"/>
+          </p:cNvSpPr>
+          <p:nvPr/>
+        </p:nvSpPr>
+        <p:spPr bwMode="auto">
+          <a:xfrm>
+            <a:off x="5779482" y="9720673"/>
+            <a:ext cx="1318127" cy="512303"/>
+          </a:xfrm>
+          <a:prstGeom prst="rect">
+            <a:avLst/>
+          </a:prstGeom>
+          <a:noFill/>
+          <a:ln w="9525">
+            <a:noFill/>
+            <a:miter lim="800000"/>
+            <a:headEnd/>
+            <a:tailEnd/>
+          </a:ln>
+        </p:spPr>
+        <p:txBody>
+          <a:bodyPr lIns="95500" tIns="47750" rIns="95500" bIns="47750" anchor="b"/>
+          <a:lstStyle/>
+          <a:p>
+            <a:pPr eaLnBrk="1" hangingPunct="1">
+              <a:lnSpc>
+                <a:spcPct val="100000"/>
+              </a:lnSpc>
+            </a:pPr>
+            <a:fld id="{9F125ECA-73E7-44E1-8D53-7F900E547C45}" type="slidenum">
+              <a:rPr kumimoji="0" lang="en-US" sz="1300" b="0">
+                <a:solidFill>
+                  <a:schemeClr val="tx1"/>
+                </a:solidFill>
+                <a:effectLst/>
+                <a:latin typeface="Times New Roman" pitchFamily="18" charset="0"/>
+              </a:rPr>
+              <a:pPr eaLnBrk="1" hangingPunct="1">
+                <a:lnSpc>
+                  <a:spcPct val="100000"/>
+                </a:lnSpc>
+              </a:pPr>
+              <a:t>6</a:t>
+            </a:fld>
+            <a:endParaRPr lang="en-US" sz="1900" b="0" dirty="0">
+              <a:solidFill>
+                <a:schemeClr val="tx1"/>
+              </a:solidFill>
+              <a:effectLst/>
+            </a:endParaRPr>
+          </a:p>
+        </p:txBody>
+      </p:sp>
+      <p:sp>
+        <p:nvSpPr>
+          <p:cNvPr id="471048" name="Rectangle 2"/>
+          <p:cNvSpPr>
+            <a:spLocks noChangeArrowheads="1"/>
+          </p:cNvSpPr>
+          <p:nvPr/>
+        </p:nvSpPr>
+        <p:spPr bwMode="auto">
+          <a:xfrm>
+            <a:off x="0" y="0"/>
+            <a:ext cx="3075631" cy="512304"/>
+          </a:xfrm>
+          <a:prstGeom prst="rect">
+            <a:avLst/>
+          </a:prstGeom>
+          <a:noFill/>
+          <a:ln w="9525">
+            <a:noFill/>
+            <a:miter lim="800000"/>
+            <a:headEnd/>
+            <a:tailEnd/>
+          </a:ln>
+        </p:spPr>
+        <p:txBody>
+          <a:bodyPr lIns="95500" tIns="47750" rIns="95500" bIns="47750"/>
+          <a:lstStyle/>
+          <a:p>
+            <a:pPr eaLnBrk="1" hangingPunct="1">
+              <a:lnSpc>
+                <a:spcPct val="100000"/>
+              </a:lnSpc>
+            </a:pPr>
+            <a:endParaRPr kumimoji="0" lang="bg-BG" sz="1900" b="0" dirty="0">
+              <a:solidFill>
+                <a:schemeClr val="tx1"/>
+              </a:solidFill>
+              <a:effectLst/>
+            </a:endParaRPr>
+          </a:p>
+        </p:txBody>
       </p:sp>
     </p:spTree>
   </p:cSld>
@@ -2710,7 +5074,7 @@
       </p:grpSpPr>
       <p:sp>
         <p:nvSpPr>
-          <p:cNvPr id="9" name="Rectangle 6"/>
+          <p:cNvPr id="4" name="Rectangle 6"/>
           <p:cNvSpPr>
             <a:spLocks noGrp="1" noChangeArrowheads="1"/>
           </p:cNvSpPr>
@@ -2735,7 +5099,7 @@
       </p:sp>
       <p:sp>
         <p:nvSpPr>
-          <p:cNvPr id="10" name="Rectangle 7"/>
+          <p:cNvPr id="5" name="Rectangle 7"/>
           <p:cNvSpPr>
             <a:spLocks noGrp="1" noChangeArrowheads="1"/>
           </p:cNvSpPr>
@@ -2750,10 +5114,10 @@
           <a:bodyPr/>
           <a:lstStyle/>
           <a:p>
-            <a:fld id="{D7CDE1CC-AA07-4FD4-B30C-6944232FC155}" type="slidenum">
+            <a:fld id="{1F5FC367-EC0D-4ABC-BD99-419E22CDD367}" type="slidenum">
               <a:rPr lang="en-US"/>
               <a:pPr/>
-              <a:t>8</a:t>
+              <a:t>7</a:t>
             </a:fld>
             <a:r>
               <a:rPr lang="en-US" dirty="0"/>
@@ -2765,7 +5129,7 @@
       </p:sp>
       <p:sp>
         <p:nvSpPr>
-          <p:cNvPr id="475138" name="Rectangle 7"/>
+          <p:cNvPr id="473090" name="Rectangle 7"/>
           <p:cNvSpPr txBox="1">
             <a:spLocks noGrp="1" noChangeArrowheads="1"/>
           </p:cNvSpPr>
@@ -2796,7 +5160,7 @@
                 <a:spcPct val="100000"/>
               </a:lnSpc>
             </a:pPr>
-            <a:fld id="{998E1949-D7E9-47AF-963C-A2E0700357B5}" type="slidenum">
+            <a:fld id="{AE19323D-097F-49CC-AD6C-CFDB94762FBB}" type="slidenum">
               <a:rPr kumimoji="0" lang="en-US" sz="1300" b="0">
                 <a:solidFill>
                   <a:schemeClr val="tx1"/>
@@ -2808,7 +5172,7 @@
                   <a:spcPct val="100000"/>
                 </a:lnSpc>
               </a:pPr>
-              <a:t>8</a:t>
+              <a:t>7</a:t>
             </a:fld>
             <a:endParaRPr kumimoji="0" lang="en-US" sz="1300" b="0" dirty="0">
               <a:solidFill>
@@ -2821,281 +5185,66 @@
       </p:sp>
       <p:sp>
         <p:nvSpPr>
-          <p:cNvPr id="475139" name="Rectangle 6"/>
-          <p:cNvSpPr>
-            <a:spLocks noGrp="1" noRot="1" noChangeAspect="1" noTextEdit="1"/>
+          <p:cNvPr id="473091" name="Rectangle 2"/>
+          <p:cNvSpPr>
+            <a:spLocks noGrp="1" noRot="1" noChangeAspect="1" noChangeArrowheads="1" noTextEdit="1"/>
           </p:cNvSpPr>
           <p:nvPr>
             <p:ph type="sldImg"/>
           </p:nvPr>
         </p:nvSpPr>
         <p:spPr>
-          <a:ln algn="ctr">
-            <a:round/>
-          </a:ln>
+          <a:ln/>
         </p:spPr>
       </p:sp>
       <p:sp>
         <p:nvSpPr>
-          <p:cNvPr id="475140" name="Rectangle 11"/>
-          <p:cNvSpPr>
-            <a:spLocks noGrp="1" noChangeArrowheads="1"/>
+          <p:cNvPr id="2" name="Notes Placeholder 1"/>
+          <p:cNvSpPr>
+            <a:spLocks noGrp="1"/>
           </p:cNvSpPr>
           <p:nvPr>
             <p:ph type="body" idx="1"/>
           </p:nvPr>
         </p:nvSpPr>
-        <p:spPr>
-          <a:xfrm>
-            <a:off x="709761" y="4861155"/>
-            <a:ext cx="5679778" cy="4605821"/>
-          </a:xfrm>
-        </p:spPr>
-        <p:txBody>
-          <a:bodyPr lIns="95500" tIns="47750" rIns="95500" bIns="47750"/>
+        <p:spPr/>
+        <p:txBody>
+          <a:bodyPr/>
           <a:lstStyle/>
           <a:p>
-            <a:endParaRPr lang="bg-BG"/>
-          </a:p>
-        </p:txBody>
-      </p:sp>
-      <p:sp>
-        <p:nvSpPr>
-          <p:cNvPr id="475141" name="Rectangle 26"/>
-          <p:cNvSpPr>
-            <a:spLocks noChangeArrowheads="1"/>
-          </p:cNvSpPr>
-          <p:nvPr/>
-        </p:nvSpPr>
-        <p:spPr bwMode="auto">
-          <a:xfrm>
-            <a:off x="4021979" y="0"/>
-            <a:ext cx="3075631" cy="512304"/>
-          </a:xfrm>
-          <a:prstGeom prst="rect">
-            <a:avLst/>
-          </a:prstGeom>
-          <a:noFill/>
-          <a:ln w="9525">
-            <a:noFill/>
-            <a:miter lim="800000"/>
-            <a:headEnd/>
-            <a:tailEnd/>
-          </a:ln>
-        </p:spPr>
-        <p:txBody>
-          <a:bodyPr lIns="95500" tIns="47750" rIns="95500" bIns="47750"/>
-          <a:lstStyle/>
-          <a:p>
-            <a:pPr eaLnBrk="1" hangingPunct="1">
-              <a:lnSpc>
-                <a:spcPct val="100000"/>
-              </a:lnSpc>
+            <a:pPr marL="228600" indent="-228600">
+              <a:buAutoNum type="arabicParenR"/>
             </a:pPr>
-            <a:fld id="{B52F5446-8A3F-4628-9B80-1C0F51A8B194}" type="datetime8">
-              <a:rPr kumimoji="0" lang="en-US" sz="1300" b="0">
-                <a:solidFill>
-                  <a:schemeClr val="tx1"/>
-                </a:solidFill>
-                <a:effectLst/>
-                <a:latin typeface="Times New Roman" pitchFamily="18" charset="0"/>
-                <a:cs typeface="Arial" charset="0"/>
-              </a:rPr>
-              <a:pPr eaLnBrk="1" hangingPunct="1">
-                <a:lnSpc>
-                  <a:spcPct val="100000"/>
-                </a:lnSpc>
-              </a:pPr>
-              <a:t>10/12/2010 11:49</a:t>
-            </a:fld>
-            <a:endParaRPr lang="en-US" sz="1900" b="0" dirty="0">
-              <a:solidFill>
-                <a:schemeClr val="tx1"/>
-              </a:solidFill>
-              <a:effectLst/>
-              <a:cs typeface="Arial" charset="0"/>
-            </a:endParaRPr>
-          </a:p>
-        </p:txBody>
-      </p:sp>
-      <p:sp>
-        <p:nvSpPr>
-          <p:cNvPr id="475142" name="Rectangle 31"/>
-          <p:cNvSpPr>
-            <a:spLocks noChangeArrowheads="1"/>
-          </p:cNvSpPr>
-          <p:nvPr/>
-        </p:nvSpPr>
-        <p:spPr bwMode="auto">
-          <a:xfrm>
-            <a:off x="0" y="9840155"/>
-            <a:ext cx="5867357" cy="392821"/>
-          </a:xfrm>
-          <a:prstGeom prst="rect">
-            <a:avLst/>
-          </a:prstGeom>
-          <a:noFill/>
-          <a:ln w="9525">
-            <a:noFill/>
-            <a:miter lim="800000"/>
-            <a:headEnd/>
-            <a:tailEnd/>
-          </a:ln>
-        </p:spPr>
-        <p:txBody>
-          <a:bodyPr lIns="95500" tIns="47750" rIns="95500" bIns="47750" anchor="b"/>
-          <a:lstStyle/>
-          <a:p>
-            <a:pPr hangingPunct="1">
-              <a:lnSpc>
-                <a:spcPct val="100000"/>
-              </a:lnSpc>
+            <a:r>
+              <a:rPr lang="en-US" dirty="0" smtClean="0"/>
+              <a:t>ASP.NET AJAX framework provides us with two types of patterns to build richer, more interactive, standards-based Web 2.0 applications: the server-centric programming model and client-centric one.</a:t>
+            </a:r>
+            <a:r>
+              <a:rPr lang="en-US" baseline="0" dirty="0" smtClean="0"/>
+              <a:t> </a:t>
+            </a:r>
+            <a:r>
+              <a:rPr lang="en-US" dirty="0" smtClean="0"/>
+              <a:t>The server-centric programming model enables you to “…modify existing pages at your convenience. In contrast, although the ASP.NET AJAX Client-Centric programming model can leverage full power of client-side JavaScript/XHTML and provide cross-browser richer and more interactive user experience, developers have to spend plenty of time to grasp multifold related techniques of both the server side and the client side</a:t>
+            </a:r>
+          </a:p>
+          <a:p>
+            <a:pPr marL="228600" indent="-228600">
+              <a:buAutoNum type="arabicParenR"/>
             </a:pPr>
             <a:r>
-              <a:rPr kumimoji="0" lang="en-US" sz="800" b="0" dirty="0">
-                <a:solidFill>
-                  <a:schemeClr val="tx1"/>
-                </a:solidFill>
-                <a:effectLst/>
-                <a:latin typeface="Segoe" pitchFamily="34" charset="0"/>
-                <a:cs typeface="Arial" charset="0"/>
-              </a:rPr>
-              <a:t>©2005 Microsoft Corporation. All rights reserved.</a:t>
-            </a:r>
-            <a:endParaRPr kumimoji="0" lang="en-US" sz="1900" b="0" dirty="0">
-              <a:solidFill>
-                <a:schemeClr val="tx1"/>
-              </a:solidFill>
-              <a:effectLst/>
-              <a:cs typeface="Arial" charset="0"/>
-            </a:endParaRPr>
-          </a:p>
-          <a:p>
-            <a:pPr eaLnBrk="1">
-              <a:lnSpc>
-                <a:spcPct val="100000"/>
-              </a:lnSpc>
+              <a:rPr lang="en-US" dirty="0" smtClean="0"/>
+              <a:t>In the “server-centric” approach, you spend your time writing code on the server in your favorite .NET language. During initial page rendering, the server emits markup and JavaScript which is sent to the browser. The JavaScript sent to the browser targets the Ajax Library</a:t>
+            </a:r>
+          </a:p>
+          <a:p>
+            <a:pPr marL="228600" indent="-228600">
+              <a:buAutoNum type="arabicParenR"/>
             </a:pPr>
             <a:r>
-              <a:rPr kumimoji="0" lang="en-US" sz="800" b="0" dirty="0">
-                <a:solidFill>
-                  <a:schemeClr val="tx1"/>
-                </a:solidFill>
-                <a:effectLst/>
-                <a:latin typeface="Segoe" pitchFamily="34" charset="0"/>
-                <a:cs typeface="Arial" charset="0"/>
-              </a:rPr>
-              <a:t>This presentation is for informational purposes only. Microsoft makes no warranties, express or implied, in this summary.</a:t>
-            </a:r>
-            <a:endParaRPr lang="en-US" sz="1900" b="0" dirty="0">
-              <a:solidFill>
-                <a:schemeClr val="tx1"/>
-              </a:solidFill>
-              <a:effectLst/>
-              <a:cs typeface="Arial" charset="0"/>
-            </a:endParaRPr>
-          </a:p>
-        </p:txBody>
-      </p:sp>
-      <p:sp>
-        <p:nvSpPr>
-          <p:cNvPr id="475143" name="Rectangle 16"/>
-          <p:cNvSpPr>
-            <a:spLocks noChangeArrowheads="1"/>
-          </p:cNvSpPr>
-          <p:nvPr/>
-        </p:nvSpPr>
-        <p:spPr bwMode="auto">
-          <a:xfrm>
-            <a:off x="5779482" y="9720673"/>
-            <a:ext cx="1318127" cy="512303"/>
-          </a:xfrm>
-          <a:prstGeom prst="rect">
-            <a:avLst/>
-          </a:prstGeom>
-          <a:noFill/>
-          <a:ln w="9525">
-            <a:noFill/>
-            <a:miter lim="800000"/>
-            <a:headEnd/>
-            <a:tailEnd/>
-          </a:ln>
-        </p:spPr>
-        <p:txBody>
-          <a:bodyPr lIns="95500" tIns="47750" rIns="95500" bIns="47750" anchor="b"/>
-          <a:lstStyle/>
-          <a:p>
-            <a:pPr eaLnBrk="1" hangingPunct="1">
-              <a:lnSpc>
-                <a:spcPct val="100000"/>
-              </a:lnSpc>
-            </a:pPr>
-            <a:fld id="{BDA350B8-37E4-456B-A9BD-EDF31415CFA8}" type="slidenum">
-              <a:rPr kumimoji="0" lang="en-US" sz="1300" b="0">
-                <a:solidFill>
-                  <a:schemeClr val="tx1"/>
-                </a:solidFill>
-                <a:effectLst/>
-                <a:latin typeface="Times New Roman" pitchFamily="18" charset="0"/>
-                <a:cs typeface="Arial" charset="0"/>
-              </a:rPr>
-              <a:pPr eaLnBrk="1" hangingPunct="1">
-                <a:lnSpc>
-                  <a:spcPct val="100000"/>
-                </a:lnSpc>
-              </a:pPr>
-              <a:t>8</a:t>
-            </a:fld>
-            <a:endParaRPr lang="en-US" sz="1900" b="0" dirty="0">
-              <a:solidFill>
-                <a:schemeClr val="tx1"/>
-              </a:solidFill>
-              <a:effectLst/>
-              <a:cs typeface="Arial" charset="0"/>
-            </a:endParaRPr>
-          </a:p>
-        </p:txBody>
-      </p:sp>
-      <p:sp>
-        <p:nvSpPr>
-          <p:cNvPr id="475144" name="Rectangle 20"/>
-          <p:cNvSpPr>
-            <a:spLocks noChangeArrowheads="1"/>
-          </p:cNvSpPr>
-          <p:nvPr/>
-        </p:nvSpPr>
-        <p:spPr bwMode="auto">
-          <a:xfrm>
-            <a:off x="0" y="0"/>
-            <a:ext cx="3075631" cy="512304"/>
-          </a:xfrm>
-          <a:prstGeom prst="rect">
-            <a:avLst/>
-          </a:prstGeom>
-          <a:noFill/>
-          <a:ln w="9525">
-            <a:noFill/>
-            <a:miter lim="800000"/>
-            <a:headEnd/>
-            <a:tailEnd/>
-          </a:ln>
-        </p:spPr>
-        <p:txBody>
-          <a:bodyPr lIns="95500" tIns="47750" rIns="95500" bIns="47750"/>
-          <a:lstStyle/>
-          <a:p>
-            <a:pPr eaLnBrk="1" hangingPunct="1">
-              <a:lnSpc>
-                <a:spcPct val="100000"/>
-              </a:lnSpc>
-            </a:pPr>
-            <a:endParaRPr kumimoji="0" lang="bg-BG" sz="1900" b="0" dirty="0">
-              <a:solidFill>
-                <a:schemeClr val="tx1"/>
-              </a:solidFill>
-              <a:effectLst/>
-              <a:cs typeface="Arial" charset="0"/>
-            </a:endParaRPr>
+              <a:rPr lang="en-US" dirty="0" smtClean="0"/>
+              <a:t>Much like the “server-centric” approach, during initial rendering of the page the server emits markup and JavaScript. However, instead of sending data and receiving markup/script to inject into the existing page, the Client Script Libraries then send data and receive data. The Client Script Libraries allow you to make asynchronous calls to web services</a:t>
+            </a:r>
           </a:p>
         </p:txBody>
       </p:sp>
@@ -3126,7 +5275,7 @@
       </p:grpSpPr>
       <p:sp>
         <p:nvSpPr>
-          <p:cNvPr id="4" name="Rectangle 6"/>
+          <p:cNvPr id="9" name="Rectangle 6"/>
           <p:cNvSpPr>
             <a:spLocks noGrp="1" noChangeArrowheads="1"/>
           </p:cNvSpPr>
@@ -3151,7 +5300,7 @@
       </p:sp>
       <p:sp>
         <p:nvSpPr>
-          <p:cNvPr id="5" name="Rectangle 7"/>
+          <p:cNvPr id="10" name="Rectangle 7"/>
           <p:cNvSpPr>
             <a:spLocks noGrp="1" noChangeArrowheads="1"/>
           </p:cNvSpPr>
@@ -3166,10 +5315,10 @@
           <a:bodyPr/>
           <a:lstStyle/>
           <a:p>
-            <a:fld id="{CD2A2769-66C1-4A3C-8DDE-A2BC24BD31D0}" type="slidenum">
+            <a:fld id="{D7CDE1CC-AA07-4FD4-B30C-6944232FC155}" type="slidenum">
               <a:rPr lang="en-US"/>
               <a:pPr/>
-              <a:t>9</a:t>
+              <a:t>8</a:t>
             </a:fld>
             <a:r>
               <a:rPr lang="en-US" dirty="0"/>
@@ -3181,21 +5330,79 @@
       </p:sp>
       <p:sp>
         <p:nvSpPr>
-          <p:cNvPr id="468994" name="Rectangle 2"/>
-          <p:cNvSpPr>
-            <a:spLocks noGrp="1" noRot="1" noChangeAspect="1" noChangeArrowheads="1" noTextEdit="1"/>
+          <p:cNvPr id="475138" name="Rectangle 7"/>
+          <p:cNvSpPr txBox="1">
+            <a:spLocks noGrp="1" noChangeArrowheads="1"/>
+          </p:cNvSpPr>
+          <p:nvPr/>
+        </p:nvSpPr>
+        <p:spPr bwMode="auto">
+          <a:xfrm>
+            <a:off x="4021979" y="9720673"/>
+            <a:ext cx="3075631" cy="512303"/>
+          </a:xfrm>
+          <a:prstGeom prst="rect">
+            <a:avLst/>
+          </a:prstGeom>
+          <a:noFill/>
+          <a:ln w="9525">
+            <a:noFill/>
+            <a:miter lim="800000"/>
+            <a:headEnd/>
+            <a:tailEnd/>
+          </a:ln>
+        </p:spPr>
+        <p:txBody>
+          <a:bodyPr lIns="95500" tIns="47750" rIns="95500" bIns="47750" anchor="b"/>
+          <a:lstStyle/>
+          <a:p>
+            <a:pPr algn="r" eaLnBrk="1" hangingPunct="1">
+              <a:lnSpc>
+                <a:spcPct val="100000"/>
+              </a:lnSpc>
+            </a:pPr>
+            <a:fld id="{998E1949-D7E9-47AF-963C-A2E0700357B5}" type="slidenum">
+              <a:rPr kumimoji="0" lang="en-US" sz="1300" b="0">
+                <a:solidFill>
+                  <a:schemeClr val="tx1"/>
+                </a:solidFill>
+                <a:effectLst/>
+              </a:rPr>
+              <a:pPr algn="r" eaLnBrk="1" hangingPunct="1">
+                <a:lnSpc>
+                  <a:spcPct val="100000"/>
+                </a:lnSpc>
+              </a:pPr>
+              <a:t>8</a:t>
+            </a:fld>
+            <a:endParaRPr kumimoji="0" lang="en-US" sz="1300" b="0" dirty="0">
+              <a:solidFill>
+                <a:schemeClr val="tx1"/>
+              </a:solidFill>
+              <a:effectLst/>
+            </a:endParaRPr>
+          </a:p>
+        </p:txBody>
+      </p:sp>
+      <p:sp>
+        <p:nvSpPr>
+          <p:cNvPr id="475139" name="Rectangle 6"/>
+          <p:cNvSpPr>
+            <a:spLocks noGrp="1" noRot="1" noChangeAspect="1" noTextEdit="1"/>
           </p:cNvSpPr>
           <p:nvPr>
             <p:ph type="sldImg"/>
           </p:nvPr>
         </p:nvSpPr>
         <p:spPr>
-          <a:ln/>
+          <a:ln algn="ctr">
+            <a:round/>
+          </a:ln>
         </p:spPr>
       </p:sp>
       <p:sp>
         <p:nvSpPr>
-          <p:cNvPr id="468995" name="Rectangle 3"/>
+          <p:cNvPr id="475140" name="Rectangle 11"/>
           <p:cNvSpPr>
             <a:spLocks noGrp="1" noChangeArrowheads="1"/>
           </p:cNvSpPr>
@@ -3203,12 +5410,420 @@
             <p:ph type="body" idx="1"/>
           </p:nvPr>
         </p:nvSpPr>
-        <p:spPr/>
-        <p:txBody>
-          <a:bodyPr/>
+        <p:spPr>
+          <a:xfrm>
+            <a:off x="709761" y="4861155"/>
+            <a:ext cx="5679778" cy="4605821"/>
+          </a:xfrm>
+        </p:spPr>
+        <p:txBody>
+          <a:bodyPr lIns="95500" tIns="47750" rIns="95500" bIns="47750"/>
           <a:lstStyle/>
           <a:p>
-            <a:endParaRPr lang="bg-BG"/>
+            <a:r>
+              <a:rPr lang="en-US" dirty="0" smtClean="0"/>
+              <a:t>1) Client components enable rich behaviors in the browser without </a:t>
+            </a:r>
+            <a:r>
+              <a:rPr lang="en-US" dirty="0" err="1" smtClean="0"/>
+              <a:t>postbacks</a:t>
+            </a:r>
+            <a:r>
+              <a:rPr lang="en-US" dirty="0" smtClean="0"/>
+              <a:t>. Components fall into three categories:</a:t>
+            </a:r>
+          </a:p>
+          <a:p>
+            <a:pPr marL="628650" lvl="1" indent="-171450">
+              <a:buFont typeface="Arial" pitchFamily="34" charset="0"/>
+              <a:buChar char="•"/>
+            </a:pPr>
+            <a:r>
+              <a:rPr lang="en-US" dirty="0" smtClean="0"/>
+              <a:t>Components, which are non-visual objects that encapsulate code.</a:t>
+            </a:r>
+          </a:p>
+          <a:p>
+            <a:pPr marL="628650" lvl="1" indent="-171450">
+              <a:buFont typeface="Arial" pitchFamily="34" charset="0"/>
+              <a:buChar char="•"/>
+            </a:pPr>
+            <a:r>
+              <a:rPr lang="en-US" dirty="0" smtClean="0"/>
+              <a:t>Behaviors, which extend the behavior of existing DOM elements.</a:t>
+            </a:r>
+          </a:p>
+          <a:p>
+            <a:pPr marL="628650" lvl="1" indent="-171450">
+              <a:buFont typeface="Arial" pitchFamily="34" charset="0"/>
+              <a:buChar char="•"/>
+            </a:pPr>
+            <a:r>
+              <a:rPr lang="en-US" dirty="0" smtClean="0"/>
+              <a:t>Controls, which represent a new DOM element that has custom behavior.</a:t>
+            </a:r>
+          </a:p>
+          <a:p>
+            <a:pPr marL="0" lvl="0" indent="0">
+              <a:buFont typeface="Arial" pitchFamily="34" charset="0"/>
+              <a:buNone/>
+            </a:pPr>
+            <a:r>
+              <a:rPr lang="en-US" dirty="0" smtClean="0"/>
+              <a:t>2) The browser compatibility layer provides Microsoft Ajax scripting compatibility for the most frequently used browsers (including Microsoft Internet Explorer, Mozilla Firefox, and Apple Safari). This enables you to write the same script regardless of which supported browser you are targeting</a:t>
+            </a:r>
+          </a:p>
+          <a:p>
+            <a:pPr marL="0" marR="0" lvl="0" indent="0" algn="l" defTabSz="914400" rtl="0" eaLnBrk="1" fontAlgn="base" latinLnBrk="0" hangingPunct="1">
+              <a:lnSpc>
+                <a:spcPct val="100000"/>
+              </a:lnSpc>
+              <a:spcBef>
+                <a:spcPct val="30000"/>
+              </a:spcBef>
+              <a:spcAft>
+                <a:spcPct val="0"/>
+              </a:spcAft>
+              <a:buClrTx/>
+              <a:buSzTx/>
+              <a:buFont typeface="Arial" pitchFamily="34" charset="0"/>
+              <a:buNone/>
+              <a:tabLst/>
+              <a:defRPr/>
+            </a:pPr>
+            <a:endParaRPr lang="en-US" dirty="0" smtClean="0"/>
+          </a:p>
+          <a:p>
+            <a:pPr marL="0" marR="0" lvl="0" indent="0" algn="l" defTabSz="914400" rtl="0" eaLnBrk="1" fontAlgn="base" latinLnBrk="0" hangingPunct="1">
+              <a:lnSpc>
+                <a:spcPct val="100000"/>
+              </a:lnSpc>
+              <a:spcBef>
+                <a:spcPct val="30000"/>
+              </a:spcBef>
+              <a:spcAft>
+                <a:spcPct val="0"/>
+              </a:spcAft>
+              <a:buClrTx/>
+              <a:buSzTx/>
+              <a:buFont typeface="Arial" pitchFamily="34" charset="0"/>
+              <a:buNone/>
+              <a:tabLst/>
+              <a:defRPr/>
+            </a:pPr>
+            <a:r>
+              <a:rPr lang="en-US" dirty="0" smtClean="0"/>
+              <a:t>3) In ASP.NET AJAX, the Ajax Server Extensions consists of a powerful set of server controls that simulate Ajax behavior on the client. In other words, these controls do not perform Ajax in its traditional sense (JavaScript calls to a server and dynamic updates with DHTML) but rather in a different way that gives the same illusion to the end user."</a:t>
+            </a:r>
+          </a:p>
+          <a:p>
+            <a:pPr marL="0" marR="0" lvl="0" indent="0" algn="l" defTabSz="914400" rtl="0" eaLnBrk="1" fontAlgn="base" latinLnBrk="0" hangingPunct="1">
+              <a:lnSpc>
+                <a:spcPct val="100000"/>
+              </a:lnSpc>
+              <a:spcBef>
+                <a:spcPct val="30000"/>
+              </a:spcBef>
+              <a:spcAft>
+                <a:spcPct val="0"/>
+              </a:spcAft>
+              <a:buClrTx/>
+              <a:buSzTx/>
+              <a:buFont typeface="Arial" pitchFamily="34" charset="0"/>
+              <a:buNone/>
+              <a:tabLst/>
+              <a:defRPr/>
+            </a:pPr>
+            <a:r>
+              <a:rPr lang="en-US" dirty="0" smtClean="0"/>
+              <a:t>4) Ajax server controls consist of server and client code that integrate to produce rich client behavior. When you add an Ajax-enabled control to an ASP.NET Web page, the page automatically sends supporting client script to the browser for Ajax functionality. You can provide additional client code to customize the functionality of a control, but this is not required. </a:t>
+            </a:r>
+          </a:p>
+          <a:p>
+            <a:r>
+              <a:rPr lang="en-US" dirty="0" smtClean="0"/>
+              <a:t>5) The ASP.NET Ajax server extensions framework comprises of the following components:</a:t>
+            </a:r>
+          </a:p>
+          <a:p>
+            <a:pPr marL="628650" lvl="1" indent="-171450">
+              <a:buFont typeface="Arial" pitchFamily="34" charset="0"/>
+              <a:buChar char="•"/>
+            </a:pPr>
+            <a:r>
+              <a:rPr lang="en-US" dirty="0" smtClean="0"/>
+              <a:t>The Application services bridge - this is used to provide access to the application services that are available as part of the ASP.NET framework</a:t>
+            </a:r>
+          </a:p>
+          <a:p>
+            <a:pPr marL="628650" lvl="1" indent="-171450">
+              <a:buFont typeface="Arial" pitchFamily="34" charset="0"/>
+              <a:buChar char="•"/>
+            </a:pPr>
+            <a:r>
+              <a:rPr lang="en-US" dirty="0" smtClean="0"/>
+              <a:t>The Web services bridge - this is used to consume external web services from the client side scripts</a:t>
+            </a:r>
+          </a:p>
+          <a:p>
+            <a:pPr marL="628650" lvl="1" indent="-171450">
+              <a:buFont typeface="Arial" pitchFamily="34" charset="0"/>
+              <a:buChar char="•"/>
+            </a:pPr>
+            <a:r>
+              <a:rPr lang="en-US" dirty="0" smtClean="0"/>
+              <a:t>The ASP.NET Ajax Server Controls - these are server controls provided as part of the ASP.NET Ajax server extensions framework for Ajax support in ASP.NET</a:t>
+            </a:r>
+          </a:p>
+          <a:p>
+            <a:pPr marL="0" lvl="0" indent="0">
+              <a:buFont typeface="Arial" pitchFamily="34" charset="0"/>
+              <a:buNone/>
+            </a:pPr>
+            <a:endParaRPr lang="en-US" dirty="0" smtClean="0"/>
+          </a:p>
+          <a:p>
+            <a:endParaRPr lang="bg-BG" dirty="0"/>
+          </a:p>
+        </p:txBody>
+      </p:sp>
+      <p:sp>
+        <p:nvSpPr>
+          <p:cNvPr id="475141" name="Rectangle 26"/>
+          <p:cNvSpPr>
+            <a:spLocks noChangeArrowheads="1"/>
+          </p:cNvSpPr>
+          <p:nvPr/>
+        </p:nvSpPr>
+        <p:spPr bwMode="auto">
+          <a:xfrm>
+            <a:off x="4021979" y="0"/>
+            <a:ext cx="3075631" cy="512304"/>
+          </a:xfrm>
+          <a:prstGeom prst="rect">
+            <a:avLst/>
+          </a:prstGeom>
+          <a:noFill/>
+          <a:ln w="9525">
+            <a:noFill/>
+            <a:miter lim="800000"/>
+            <a:headEnd/>
+            <a:tailEnd/>
+          </a:ln>
+        </p:spPr>
+        <p:txBody>
+          <a:bodyPr lIns="95500" tIns="47750" rIns="95500" bIns="47750"/>
+          <a:lstStyle/>
+          <a:p>
+            <a:pPr eaLnBrk="1" hangingPunct="1">
+              <a:lnSpc>
+                <a:spcPct val="100000"/>
+              </a:lnSpc>
+            </a:pPr>
+            <a:fld id="{B52F5446-8A3F-4628-9B80-1C0F51A8B194}" type="datetime8">
+              <a:rPr kumimoji="0" lang="en-US" sz="1300" b="0">
+                <a:solidFill>
+                  <a:schemeClr val="tx1"/>
+                </a:solidFill>
+                <a:effectLst/>
+                <a:latin typeface="Times New Roman" pitchFamily="18" charset="0"/>
+                <a:cs typeface="Arial" charset="0"/>
+              </a:rPr>
+              <a:pPr eaLnBrk="1" hangingPunct="1">
+                <a:lnSpc>
+                  <a:spcPct val="100000"/>
+                </a:lnSpc>
+              </a:pPr>
+              <a:t>1/11/2011 7:45 PM</a:t>
+            </a:fld>
+            <a:endParaRPr lang="en-US" sz="1900" b="0" dirty="0">
+              <a:solidFill>
+                <a:schemeClr val="tx1"/>
+              </a:solidFill>
+              <a:effectLst/>
+              <a:cs typeface="Arial" charset="0"/>
+            </a:endParaRPr>
+          </a:p>
+        </p:txBody>
+      </p:sp>
+      <p:sp>
+        <p:nvSpPr>
+          <p:cNvPr id="475142" name="Rectangle 31"/>
+          <p:cNvSpPr>
+            <a:spLocks noChangeArrowheads="1"/>
+          </p:cNvSpPr>
+          <p:nvPr/>
+        </p:nvSpPr>
+        <p:spPr bwMode="auto">
+          <a:xfrm>
+            <a:off x="0" y="9840155"/>
+            <a:ext cx="5867357" cy="392821"/>
+          </a:xfrm>
+          <a:prstGeom prst="rect">
+            <a:avLst/>
+          </a:prstGeom>
+          <a:noFill/>
+          <a:ln w="9525">
+            <a:noFill/>
+            <a:miter lim="800000"/>
+            <a:headEnd/>
+            <a:tailEnd/>
+          </a:ln>
+        </p:spPr>
+        <p:txBody>
+          <a:bodyPr lIns="95500" tIns="47750" rIns="95500" bIns="47750" anchor="b"/>
+          <a:lstStyle/>
+          <a:p>
+            <a:pPr hangingPunct="1">
+              <a:lnSpc>
+                <a:spcPct val="100000"/>
+              </a:lnSpc>
+            </a:pPr>
+            <a:r>
+              <a:rPr kumimoji="0" lang="en-US" sz="800" b="0" dirty="0">
+                <a:solidFill>
+                  <a:schemeClr val="tx1"/>
+                </a:solidFill>
+                <a:effectLst/>
+                <a:latin typeface="Segoe" pitchFamily="34" charset="0"/>
+                <a:cs typeface="Arial" charset="0"/>
+              </a:rPr>
+              <a:t>©2005 Microsoft Corporation. All rights reserved.</a:t>
+            </a:r>
+            <a:endParaRPr kumimoji="0" lang="en-US" sz="1900" b="0" dirty="0">
+              <a:solidFill>
+                <a:schemeClr val="tx1"/>
+              </a:solidFill>
+              <a:effectLst/>
+              <a:cs typeface="Arial" charset="0"/>
+            </a:endParaRPr>
+          </a:p>
+          <a:p>
+            <a:pPr eaLnBrk="1">
+              <a:lnSpc>
+                <a:spcPct val="100000"/>
+              </a:lnSpc>
+            </a:pPr>
+            <a:r>
+              <a:rPr kumimoji="0" lang="en-US" sz="800" b="0" dirty="0">
+                <a:solidFill>
+                  <a:schemeClr val="tx1"/>
+                </a:solidFill>
+                <a:effectLst/>
+                <a:latin typeface="Segoe" pitchFamily="34" charset="0"/>
+                <a:cs typeface="Arial" charset="0"/>
+              </a:rPr>
+              <a:t>This presentation is for informational purposes only. Microsoft makes no warranties, express or implied, in this summary.</a:t>
+            </a:r>
+            <a:endParaRPr lang="en-US" sz="1900" b="0" dirty="0">
+              <a:solidFill>
+                <a:schemeClr val="tx1"/>
+              </a:solidFill>
+              <a:effectLst/>
+              <a:cs typeface="Arial" charset="0"/>
+            </a:endParaRPr>
+          </a:p>
+        </p:txBody>
+      </p:sp>
+      <p:sp>
+        <p:nvSpPr>
+          <p:cNvPr id="475143" name="Rectangle 16"/>
+          <p:cNvSpPr>
+            <a:spLocks noChangeArrowheads="1"/>
+          </p:cNvSpPr>
+          <p:nvPr/>
+        </p:nvSpPr>
+        <p:spPr bwMode="auto">
+          <a:xfrm>
+            <a:off x="5779482" y="9720673"/>
+            <a:ext cx="1318127" cy="512303"/>
+          </a:xfrm>
+          <a:prstGeom prst="rect">
+            <a:avLst/>
+          </a:prstGeom>
+          <a:noFill/>
+          <a:ln w="9525">
+            <a:noFill/>
+            <a:miter lim="800000"/>
+            <a:headEnd/>
+            <a:tailEnd/>
+          </a:ln>
+        </p:spPr>
+        <p:txBody>
+          <a:bodyPr lIns="95500" tIns="47750" rIns="95500" bIns="47750" anchor="b"/>
+          <a:lstStyle/>
+          <a:p>
+            <a:pPr eaLnBrk="1" hangingPunct="1">
+              <a:lnSpc>
+                <a:spcPct val="100000"/>
+              </a:lnSpc>
+            </a:pPr>
+            <a:fld id="{BDA350B8-37E4-456B-A9BD-EDF31415CFA8}" type="slidenum">
+              <a:rPr kumimoji="0" lang="en-US" sz="1300" b="0">
+                <a:solidFill>
+                  <a:schemeClr val="tx1"/>
+                </a:solidFill>
+                <a:effectLst/>
+                <a:latin typeface="Times New Roman" pitchFamily="18" charset="0"/>
+                <a:cs typeface="Arial" charset="0"/>
+              </a:rPr>
+              <a:pPr eaLnBrk="1" hangingPunct="1">
+                <a:lnSpc>
+                  <a:spcPct val="100000"/>
+                </a:lnSpc>
+              </a:pPr>
+              <a:t>8</a:t>
+            </a:fld>
+            <a:endParaRPr lang="en-US" sz="1900" b="0" dirty="0">
+              <a:solidFill>
+                <a:schemeClr val="tx1"/>
+              </a:solidFill>
+              <a:effectLst/>
+              <a:cs typeface="Arial" charset="0"/>
+            </a:endParaRPr>
+          </a:p>
+        </p:txBody>
+      </p:sp>
+      <p:sp>
+        <p:nvSpPr>
+          <p:cNvPr id="475144" name="Rectangle 20"/>
+          <p:cNvSpPr>
+            <a:spLocks noChangeArrowheads="1"/>
+          </p:cNvSpPr>
+          <p:nvPr/>
+        </p:nvSpPr>
+        <p:spPr bwMode="auto">
+          <a:xfrm>
+            <a:off x="0" y="0"/>
+            <a:ext cx="3075631" cy="512304"/>
+          </a:xfrm>
+          <a:prstGeom prst="rect">
+            <a:avLst/>
+          </a:prstGeom>
+          <a:noFill/>
+          <a:ln w="9525">
+            <a:noFill/>
+            <a:miter lim="800000"/>
+            <a:headEnd/>
+            <a:tailEnd/>
+          </a:ln>
+        </p:spPr>
+        <p:txBody>
+          <a:bodyPr lIns="95500" tIns="47750" rIns="95500" bIns="47750"/>
+          <a:lstStyle/>
+          <a:p>
+            <a:pPr eaLnBrk="1" hangingPunct="1">
+              <a:lnSpc>
+                <a:spcPct val="100000"/>
+              </a:lnSpc>
+            </a:pPr>
+            <a:endParaRPr kumimoji="0" lang="bg-BG" sz="1900" b="0" dirty="0">
+              <a:solidFill>
+                <a:schemeClr val="tx1"/>
+              </a:solidFill>
+              <a:effectLst/>
+              <a:cs typeface="Arial" charset="0"/>
+            </a:endParaRPr>
           </a:p>
         </p:txBody>
       </p:sp>
@@ -3279,10 +5894,10 @@
           <a:bodyPr/>
           <a:lstStyle/>
           <a:p>
-            <a:fld id="{39987B14-E06D-4D4C-AD29-146C61B24C88}" type="slidenum">
+            <a:fld id="{CD2A2769-66C1-4A3C-8DDE-A2BC24BD31D0}" type="slidenum">
               <a:rPr lang="en-US"/>
               <a:pPr/>
-              <a:t>13</a:t>
+              <a:t>9</a:t>
             </a:fld>
             <a:r>
               <a:rPr lang="en-US" dirty="0"/>
@@ -3294,7 +5909,7 @@
       </p:sp>
       <p:sp>
         <p:nvSpPr>
-          <p:cNvPr id="516098" name="Rectangle 2"/>
+          <p:cNvPr id="468994" name="Rectangle 2"/>
           <p:cNvSpPr>
             <a:spLocks noGrp="1" noRot="1" noChangeAspect="1" noChangeArrowheads="1" noTextEdit="1"/>
           </p:cNvSpPr>
@@ -3308,7 +5923,7 @@
       </p:sp>
       <p:sp>
         <p:nvSpPr>
-          <p:cNvPr id="516099" name="Rectangle 3"/>
+          <p:cNvPr id="468995" name="Rectangle 3"/>
           <p:cNvSpPr>
             <a:spLocks noGrp="1" noChangeArrowheads="1"/>
           </p:cNvSpPr>
@@ -3352,78 +5967,21 @@
       </p:grpSpPr>
       <p:sp>
         <p:nvSpPr>
-          <p:cNvPr id="4" name="Rectangle 6"/>
-          <p:cNvSpPr>
-            <a:spLocks noGrp="1" noChangeArrowheads="1"/>
-          </p:cNvSpPr>
-          <p:nvPr>
-            <p:ph type="ftr" sz="quarter" idx="4"/>
-          </p:nvPr>
-        </p:nvSpPr>
-        <p:spPr>
-          <a:ln/>
-        </p:spPr>
-        <p:txBody>
-          <a:bodyPr/>
-          <a:lstStyle/>
-          <a:p>
-            <a:r>
-              <a:rPr lang="en-US" dirty="0"/>
-              <a:t>(c) 2005 National Academy for Software Development - http://academy.devbg.org. All rights reserved. Unauthorized copying or re-distribution is strictly prohibited.*</a:t>
-            </a:r>
-            <a:endParaRPr lang="en-US" sz="1300" i="0" dirty="0"/>
-          </a:p>
-        </p:txBody>
-      </p:sp>
-      <p:sp>
-        <p:nvSpPr>
-          <p:cNvPr id="5" name="Rectangle 7"/>
-          <p:cNvSpPr>
-            <a:spLocks noGrp="1" noChangeArrowheads="1"/>
-          </p:cNvSpPr>
-          <p:nvPr>
-            <p:ph type="sldNum" sz="quarter" idx="5"/>
-          </p:nvPr>
-        </p:nvSpPr>
-        <p:spPr>
-          <a:ln/>
-        </p:spPr>
-        <p:txBody>
-          <a:bodyPr/>
-          <a:lstStyle/>
-          <a:p>
-            <a:fld id="{39987B14-E06D-4D4C-AD29-146C61B24C88}" type="slidenum">
-              <a:rPr lang="en-US"/>
-              <a:pPr/>
-              <a:t>17</a:t>
-            </a:fld>
-            <a:r>
-              <a:rPr lang="en-US" dirty="0"/>
-              <a:t>##</a:t>
-            </a:r>
-            <a:endParaRPr lang="en-US" sz="1300" i="0" dirty="0"/>
-          </a:p>
-        </p:txBody>
-      </p:sp>
-      <p:sp>
-        <p:nvSpPr>
-          <p:cNvPr id="516098" name="Rectangle 2"/>
-          <p:cNvSpPr>
-            <a:spLocks noGrp="1" noRot="1" noChangeAspect="1" noChangeArrowheads="1" noTextEdit="1"/>
+          <p:cNvPr id="2" name="Slide Image Placeholder 1"/>
+          <p:cNvSpPr>
+            <a:spLocks noGrp="1" noRot="1" noChangeAspect="1"/>
           </p:cNvSpPr>
           <p:nvPr>
             <p:ph type="sldImg"/>
           </p:nvPr>
         </p:nvSpPr>
-        <p:spPr>
-          <a:ln/>
-        </p:spPr>
-      </p:sp>
-      <p:sp>
-        <p:nvSpPr>
-          <p:cNvPr id="516099" name="Rectangle 3"/>
-          <p:cNvSpPr>
-            <a:spLocks noGrp="1" noChangeArrowheads="1"/>
+        <p:spPr/>
+      </p:sp>
+      <p:sp>
+        <p:nvSpPr>
+          <p:cNvPr id="3" name="Notes Placeholder 2"/>
+          <p:cNvSpPr>
+            <a:spLocks noGrp="1"/>
           </p:cNvSpPr>
           <p:nvPr>
             <p:ph type="body" idx="1"/>
@@ -3434,11 +5992,208 @@
           <a:bodyPr/>
           <a:lstStyle/>
           <a:p>
-            <a:endParaRPr lang="bg-BG"/>
+            <a:pPr marL="228600" indent="-228600">
+              <a:buAutoNum type="arabicParenR"/>
+            </a:pPr>
+            <a:r>
+              <a:rPr lang="en-US" dirty="0" smtClean="0"/>
+              <a:t>The </a:t>
+            </a:r>
+            <a:r>
+              <a:rPr lang="en-US" dirty="0" err="1" smtClean="0"/>
+              <a:t>ScriptManager</a:t>
+            </a:r>
+            <a:r>
+              <a:rPr lang="en-US" dirty="0" smtClean="0"/>
+              <a:t> control is central to Ajax functionality in ASP.NET. The control manages all ASP.NET Ajax resources on a page. This includes downloading Microsoft Ajax Library scripts to the browser and coordinating partial-page updates that are enabled by using </a:t>
+            </a:r>
+            <a:r>
+              <a:rPr lang="en-US" dirty="0" err="1" smtClean="0">
+                <a:hlinkClick r:id="rId3"/>
+              </a:rPr>
+              <a:t>UpdatePanel</a:t>
+            </a:r>
+            <a:r>
+              <a:rPr lang="en-US" dirty="0" smtClean="0"/>
+              <a:t> controls. </a:t>
+            </a:r>
+          </a:p>
+          <a:p>
+            <a:r>
+              <a:rPr lang="en-US" b="1" dirty="0" smtClean="0"/>
+              <a:t>2) Partial-Page Rendering - </a:t>
+            </a:r>
+            <a:r>
+              <a:rPr lang="en-US" dirty="0" smtClean="0"/>
+              <a:t>The ability of an ASP.NET page to support partial-page rendering is controlled by the following factors:</a:t>
+            </a:r>
+          </a:p>
+          <a:p>
+            <a:pPr marL="628650" lvl="1" indent="-171450">
+              <a:buFont typeface="Arial" pitchFamily="34" charset="0"/>
+              <a:buChar char="•"/>
+            </a:pPr>
+            <a:r>
+              <a:rPr lang="en-US" dirty="0" smtClean="0"/>
+              <a:t>The </a:t>
+            </a:r>
+            <a:r>
+              <a:rPr lang="en-US" dirty="0" err="1" smtClean="0"/>
+              <a:t>ScriptManager</a:t>
+            </a:r>
+            <a:r>
+              <a:rPr lang="en-US" dirty="0" smtClean="0"/>
+              <a:t> control's </a:t>
+            </a:r>
+            <a:r>
+              <a:rPr lang="en-US" dirty="0" err="1" smtClean="0">
+                <a:hlinkClick r:id="rId4"/>
+              </a:rPr>
+              <a:t>EnablePartialRendering</a:t>
+            </a:r>
+            <a:r>
+              <a:rPr lang="en-US" dirty="0" smtClean="0"/>
+              <a:t> property must be true (the default value).</a:t>
+            </a:r>
+          </a:p>
+          <a:p>
+            <a:pPr marL="628650" lvl="1" indent="-171450">
+              <a:buFont typeface="Arial" pitchFamily="34" charset="0"/>
+              <a:buChar char="•"/>
+            </a:pPr>
+            <a:r>
+              <a:rPr lang="en-US" dirty="0" smtClean="0"/>
+              <a:t>There must be at least one </a:t>
+            </a:r>
+            <a:r>
+              <a:rPr lang="en-US" dirty="0" err="1" smtClean="0">
+                <a:hlinkClick r:id="rId3"/>
+              </a:rPr>
+              <a:t>UpdatePanel</a:t>
+            </a:r>
+            <a:r>
+              <a:rPr lang="en-US" dirty="0" smtClean="0"/>
+              <a:t> control on the page.</a:t>
+            </a:r>
+          </a:p>
+          <a:p>
+            <a:pPr marL="628650" lvl="1" indent="-171450">
+              <a:buFont typeface="Arial" pitchFamily="34" charset="0"/>
+              <a:buChar char="•"/>
+            </a:pPr>
+            <a:r>
+              <a:rPr lang="en-US" dirty="0" smtClean="0"/>
+              <a:t>The </a:t>
+            </a:r>
+            <a:r>
+              <a:rPr lang="en-US" dirty="0" err="1" smtClean="0">
+                <a:hlinkClick r:id="rId5"/>
+              </a:rPr>
+              <a:t>SupportsPartialRendering</a:t>
+            </a:r>
+            <a:r>
+              <a:rPr lang="en-US" dirty="0" smtClean="0"/>
+              <a:t> property must be true (the default value). If the </a:t>
+            </a:r>
+            <a:r>
+              <a:rPr lang="en-US" dirty="0" err="1" smtClean="0">
+                <a:hlinkClick r:id="rId5"/>
+              </a:rPr>
+              <a:t>SupportsPartialRendering</a:t>
+            </a:r>
+            <a:r>
+              <a:rPr lang="en-US" dirty="0" smtClean="0"/>
+              <a:t> property is not set explicitly, its value is based on browser capabilities.</a:t>
+            </a:r>
+          </a:p>
+          <a:p>
+            <a:pPr marL="228600" indent="-228600">
+              <a:buAutoNum type="arabicParenR"/>
+            </a:pPr>
+            <a:endParaRPr lang="en-US" dirty="0"/>
+          </a:p>
+        </p:txBody>
+      </p:sp>
+      <p:sp>
+        <p:nvSpPr>
+          <p:cNvPr id="4" name="Header Placeholder 3"/>
+          <p:cNvSpPr>
+            <a:spLocks noGrp="1"/>
+          </p:cNvSpPr>
+          <p:nvPr>
+            <p:ph type="hdr" sz="quarter" idx="10"/>
+          </p:nvPr>
+        </p:nvSpPr>
+        <p:spPr/>
+        <p:txBody>
+          <a:bodyPr/>
+          <a:lstStyle/>
+          <a:p>
+            <a:r>
+              <a:rPr lang="en-US" smtClean="0"/>
+              <a:t>*</a:t>
+            </a:r>
+            <a:endParaRPr lang="en-US" sz="1300" i="0"/>
+          </a:p>
+        </p:txBody>
+      </p:sp>
+      <p:sp>
+        <p:nvSpPr>
+          <p:cNvPr id="5" name="Footer Placeholder 4"/>
+          <p:cNvSpPr>
+            <a:spLocks noGrp="1"/>
+          </p:cNvSpPr>
+          <p:nvPr>
+            <p:ph type="ftr" sz="quarter" idx="11"/>
+          </p:nvPr>
+        </p:nvSpPr>
+        <p:spPr/>
+        <p:txBody>
+          <a:bodyPr/>
+          <a:lstStyle/>
+          <a:p>
+            <a:r>
+              <a:rPr lang="en-US" smtClean="0"/>
+              <a:t>(c) 2005 National Academy for Software Development - http://academy.devbg.org. All rights reserved. Unauthorized copying or re-distribution is strictly prohibited.*</a:t>
+            </a:r>
+            <a:endParaRPr lang="en-US" sz="1300" i="0"/>
+          </a:p>
+        </p:txBody>
+      </p:sp>
+      <p:sp>
+        <p:nvSpPr>
+          <p:cNvPr id="6" name="Slide Number Placeholder 5"/>
+          <p:cNvSpPr>
+            <a:spLocks noGrp="1"/>
+          </p:cNvSpPr>
+          <p:nvPr>
+            <p:ph type="sldNum" sz="quarter" idx="12"/>
+          </p:nvPr>
+        </p:nvSpPr>
+        <p:spPr/>
+        <p:txBody>
+          <a:bodyPr/>
+          <a:lstStyle/>
+          <a:p>
+            <a:fld id="{625F40C3-04A4-4B2D-AC38-F17D07917260}" type="slidenum">
+              <a:rPr lang="en-US" smtClean="0"/>
+              <a:pPr/>
+              <a:t>11</a:t>
+            </a:fld>
+            <a:r>
+              <a:rPr lang="en-US" smtClean="0"/>
+              <a:t>##</a:t>
+            </a:r>
+            <a:endParaRPr lang="en-US" sz="1300" i="0"/>
           </a:p>
         </p:txBody>
       </p:sp>
     </p:spTree>
+    <p:extLst>
+      <p:ext uri="{BB962C8B-B14F-4D97-AF65-F5344CB8AC3E}">
+        <p14:creationId xmlns:p14="http://schemas.microsoft.com/office/powerpoint/2010/main" val="1844248065"/>
+      </p:ext>
+    </p:extLst>
   </p:cSld>
   <p:clrMapOvr>
     <a:masterClrMapping/>
@@ -8874,7 +11629,7 @@
         <p:spPr>
           <a:xfrm>
             <a:off x="457200" y="5224047"/>
-            <a:ext cx="2362200" cy="490954"/>
+            <a:ext cx="3754760" cy="1384995"/>
           </a:xfrm>
         </p:spPr>
         <p:txBody>
@@ -8882,9 +11637,10 @@
           <a:lstStyle/>
           <a:p>
             <a:r>
-              <a:rPr lang="en-US" dirty="0"/>
-              <a:t>Svetlin Nakov</a:t>
-            </a:r>
+              <a:rPr lang="en-US" dirty="0" smtClean="0"/>
+              <a:t>Ventsislav Popov</a:t>
+            </a:r>
+            <a:endParaRPr lang="en-US" dirty="0"/>
           </a:p>
           <a:p>
             <a:endParaRPr lang="en-US" dirty="0"/>
@@ -8904,7 +11660,7 @@
         <p:spPr>
           <a:xfrm>
             <a:off x="457200" y="5757447"/>
-            <a:ext cx="2090957" cy="338554"/>
+            <a:ext cx="1633781" cy="646331"/>
           </a:xfrm>
         </p:spPr>
         <p:txBody>
@@ -8912,41 +11668,12 @@
           <a:lstStyle/>
           <a:p>
             <a:r>
-              <a:rPr lang="en-US" dirty="0"/>
-              <a:t>Telerik Corporation</a:t>
-            </a:r>
-          </a:p>
-          <a:p>
+              <a:rPr lang="en-US" dirty="0" smtClean="0"/>
+              <a:t>Crossroad Ltd.</a:t>
+            </a:r>
             <a:endParaRPr lang="en-US" dirty="0"/>
           </a:p>
-        </p:txBody>
-      </p:sp>
-      <p:sp>
-        <p:nvSpPr>
-          <p:cNvPr id="11" name="Text Placeholder 5"/>
-          <p:cNvSpPr>
-            <a:spLocks noGrp="1"/>
-          </p:cNvSpPr>
-          <p:nvPr>
-            <p:ph type="body" sz="quarter" idx="12"/>
-          </p:nvPr>
-        </p:nvSpPr>
-        <p:spPr>
-          <a:xfrm>
-            <a:off x="457200" y="6062246"/>
-            <a:ext cx="1707903" cy="338554"/>
-          </a:xfrm>
-        </p:spPr>
-        <p:txBody>
-          <a:bodyPr/>
-          <a:lstStyle/>
-          <a:p>
-            <a:r>
-              <a:rPr lang="en-US" dirty="0" smtClean="0">
-                <a:hlinkClick r:id="rId5"/>
-              </a:rPr>
-              <a:t>www.telerik.com</a:t>
-            </a:r>
+          <a:p>
             <a:endParaRPr lang="en-US" dirty="0"/>
           </a:p>
         </p:txBody>
@@ -8960,7 +11687,7 @@
           <p:nvPr/>
         </p:nvPicPr>
         <p:blipFill>
-          <a:blip r:embed="rId6" cstate="print">
+          <a:blip r:embed="rId5" cstate="print">
             <a:extLst>
               <a:ext uri="{28A0092B-C50C-407E-A947-70E740481C1C}">
                 <a14:useLocalDpi xmlns:a14="http://schemas.microsoft.com/office/drawing/2010/main" val="0"/>
@@ -9003,7 +11730,7 @@
           <p:nvPr/>
         </p:nvPicPr>
         <p:blipFill rotWithShape="1">
-          <a:blip r:embed="rId7" cstate="print">
+          <a:blip r:embed="rId6" cstate="print">
             <a:clrChange>
               <a:clrFrom>
                 <a:srgbClr val="0A1720"/>
@@ -11465,11 +14192,11 @@
           <p:nvPr/>
         </p:nvPicPr>
         <p:blipFill>
-          <a:blip r:embed="rId2" cstate="print">
+          <a:blip r:embed="rId3" cstate="print">
             <a:extLst>
               <a:ext uri="{BEBA8EAE-BF5A-486C-A8C5-ECC9F3942E4B}">
                 <a14:imgProps xmlns:a14="http://schemas.microsoft.com/office/drawing/2010/main">
-                  <a14:imgLayer r:embed="rId3">
+                  <a14:imgLayer r:embed="rId4">
                     <a14:imgEffect>
                       <a14:backgroundRemoval t="0" b="100000" l="0" r="100000"/>
                     </a14:imgEffect>
@@ -11534,11 +14261,11 @@
           <p:nvPr/>
         </p:nvPicPr>
         <p:blipFill>
-          <a:blip r:embed="rId4" cstate="print">
+          <a:blip r:embed="rId5" cstate="print">
             <a:extLst>
               <a:ext uri="{BEBA8EAE-BF5A-486C-A8C5-ECC9F3942E4B}">
                 <a14:imgProps xmlns:a14="http://schemas.microsoft.com/office/drawing/2010/main">
-                  <a14:imgLayer r:embed="rId5">
+                  <a14:imgLayer r:embed="rId6">
                     <a14:imgEffect>
                       <a14:backgroundRemoval t="0" b="100000" l="0" r="100000">
                         <a14:backgroundMark x1="84119" y1="24161" x2="84119" y2="24161"/>
@@ -13300,14 +16027,6 @@
               </a:rPr>
               <a:t> </a:t>
             </a:r>
-            <a:endParaRPr lang="en-US" noProof="1" smtClean="0">
-              <a:solidFill>
-                <a:schemeClr val="accent5">
-                  <a:lumMod val="20000"/>
-                  <a:lumOff val="80000"/>
-                </a:schemeClr>
-              </a:solidFill>
-            </a:endParaRPr>
           </a:p>
           <a:p>
             <a:pPr lvl="2">
@@ -13317,11 +16036,7 @@
             </a:pPr>
             <a:r>
               <a:rPr lang="en-US" noProof="1" smtClean="0"/>
-              <a:t>Link </a:t>
-            </a:r>
-            <a:r>
-              <a:rPr lang="en-US" noProof="1" smtClean="0"/>
-              <a:t>drop-downs</a:t>
+              <a:t>Link drop-downs</a:t>
             </a:r>
             <a:r>
               <a:rPr lang="en-US" noProof="1"/>
@@ -13558,11 +16273,7 @@
             </a:pPr>
             <a:r>
               <a:rPr lang="en-US" noProof="1"/>
-              <a:t>Panels that collapse and expand </a:t>
-            </a:r>
-            <a:r>
-              <a:rPr lang="en-US" noProof="1"/>
-              <a:t>without </a:t>
+              <a:t>Panels that collapse and expand without </a:t>
             </a:r>
             <a:r>
               <a:rPr lang="en-US" noProof="1" smtClean="0"/>
@@ -13738,21 +16449,9 @@
                     <a:lumOff val="80000"/>
                   </a:schemeClr>
                 </a:solidFill>
-                <a:hlinkClick r:id="rId2"/>
-              </a:rPr>
-              <a:t>http</a:t>
-            </a:r>
-            <a:r>
-              <a:rPr lang="en-US" sz="2800" noProof="1" smtClean="0">
-                <a:solidFill>
-                  <a:schemeClr val="accent5">
-                    <a:lumMod val="20000"/>
-                    <a:lumOff val="80000"/>
-                  </a:schemeClr>
-                </a:solidFill>
-                <a:hlinkClick r:id="rId2"/>
-              </a:rPr>
-              <a:t>://asp.net/ajax/ajaxcontroltoolkit/</a:t>
+                <a:hlinkClick r:id="rId3"/>
+              </a:rPr>
+              <a:t>http://asp.net/ajax/ajaxcontroltoolkit/</a:t>
             </a:r>
             <a:endParaRPr lang="en-US" sz="2800" noProof="1">
               <a:solidFill>
@@ -15518,7 +18217,7 @@
                 </a:solidFill>
                 <a:latin typeface="Consolas" pitchFamily="49" charset="0"/>
                 <a:cs typeface="Consolas" pitchFamily="49" charset="0"/>
-                <a:hlinkClick r:id="rId2"/>
+                <a:hlinkClick r:id="rId3"/>
               </a:rPr>
               <a:t>http://</a:t>
             </a:r>
@@ -15529,7 +18228,7 @@
                 </a:solidFill>
                 <a:latin typeface="Consolas" pitchFamily="49" charset="0"/>
                 <a:cs typeface="Consolas" pitchFamily="49" charset="0"/>
-                <a:hlinkClick r:id="rId2"/>
+                <a:hlinkClick r:id="rId3"/>
               </a:rPr>
               <a:t>www.maxkiesler.com/index.php/weblog/comments/round_up_of_50_ajax_toolkits_and_frameworks</a:t>
             </a:r>
